--- a/docs/lectures/lecture_02/02_01_lecture_powerpoint.pptx
+++ b/docs/lectures/lecture_02/02_01_lecture_powerpoint.pptx
@@ -22,6 +22,11 @@
     <p:sldId id="270" r:id="rId16"/>
     <p:sldId id="271" r:id="rId17"/>
     <p:sldId id="272" r:id="rId18"/>
+    <p:sldId id="273" r:id="rId19"/>
+    <p:sldId id="274" r:id="rId20"/>
+    <p:sldId id="275" r:id="rId21"/>
+    <p:sldId id="276" r:id="rId22"/>
+    <p:sldId id="277" r:id="rId23"/>
   </p:sldIdLst>
   <p:sldSz cx="9144000" cy="5143500" type="screen16x9"/>
   <p:notesSz cx="6858000" cy="9144000"/>
@@ -3420,6 +3425,302 @@
               <a:buNone/>
             </a:pPr>
             <a:r>
+              <a:rPr b="1"/>
+              <a:t>Step 5</a:t>
+            </a:r>
+          </a:p>
+          <a:p>
+            <a:pPr lvl="0" indent="0" marL="0">
+              <a:buNone/>
+            </a:pPr>
+            <a:r>
+              <a:rPr/>
+              <a:t>Cleaning Data -</a:t>
+            </a:r>
+          </a:p>
+          <a:p>
+            <a:pPr lvl="0" indent="-342900" marL="342900">
+              <a:buAutoNum type="arabicPeriod"/>
+            </a:pPr>
+            <a:r>
+              <a:rPr/>
+              <a:t>Correct errors, fill missing data with “NA”, resolve outliers</a:t>
+            </a:r>
+          </a:p>
+          <a:p>
+            <a:pPr lvl="0" indent="-342900" marL="342900">
+              <a:buAutoNum type="arabicPeriod"/>
+            </a:pPr>
+            <a:r>
+              <a:rPr/>
+              <a:t>save a clean data file as the master file - often good to make read only</a:t>
+            </a:r>
+          </a:p>
+          <a:p>
+            <a:pPr lvl="0" indent="-342900" marL="342900">
+              <a:buAutoNum type="arabicPeriod"/>
+            </a:pPr>
+            <a:r>
+              <a:rPr/>
+              <a:t>Add information in a notes column or text file about what was done and why.</a:t>
+            </a:r>
+          </a:p>
+        </p:txBody>
+      </p:sp>
+      <p:pic>
+        <p:nvPicPr>
+          <p:cNvPr descr="images/clipboard-814185367.png" id="0" name="Picture 1"/>
+          <p:cNvPicPr>
+            <a:picLocks noGrp="1" noChangeAspect="1"/>
+          </p:cNvPicPr>
+          <p:nvPr/>
+        </p:nvPicPr>
+        <p:blipFill>
+          <a:blip r:embed="rId2"/>
+          <a:stretch>
+            <a:fillRect/>
+          </a:stretch>
+        </p:blipFill>
+        <p:spPr bwMode="auto">
+          <a:xfrm>
+            <a:off x="6121400" y="2235200"/>
+            <a:ext cx="2781300" cy="1308100"/>
+          </a:xfrm>
+          <a:prstGeom prst="rect">
+            <a:avLst/>
+          </a:prstGeom>
+          <a:noFill/>
+          <a:ln w="9525">
+            <a:noFill/>
+            <a:headEnd/>
+            <a:tailEnd/>
+          </a:ln>
+        </p:spPr>
+      </p:pic>
+    </p:spTree>
+  </p:cSld>
+</p:sld>
+</file>
+
+<file path=ppt/slides/slide11.xml><?xml version="1.0" encoding="utf-8"?>
+<p:sld xmlns:a="http://schemas.openxmlformats.org/drawingml/2006/main" xmlns:r="http://schemas.openxmlformats.org/officeDocument/2006/relationships" xmlns:p="http://schemas.openxmlformats.org/presentationml/2006/main">
+  <p:cSld>
+    <p:spTree>
+      <p:nvGrpSpPr>
+        <p:cNvPr id="1" name=""/>
+        <p:cNvGrpSpPr/>
+        <p:nvPr/>
+      </p:nvGrpSpPr>
+      <p:grpSpPr>
+        <a:xfrm>
+          <a:off x="0" y="0"/>
+          <a:ext cx="0" cy="0"/>
+          <a:chOff x="0" y="0"/>
+          <a:chExt cx="0" cy="0"/>
+        </a:xfrm>
+      </p:grpSpPr>
+      <p:sp>
+        <p:nvSpPr>
+          <p:cNvPr id="2" name="Title 1"/>
+          <p:cNvSpPr>
+            <a:spLocks noGrp="1"/>
+          </p:cNvSpPr>
+          <p:nvPr>
+            <p:ph type="title"/>
+          </p:nvPr>
+        </p:nvSpPr>
+        <p:spPr>
+          <a:xfrm>
+            <a:off x="139485" y="78119"/>
+            <a:ext cx="8229600" cy="607682"/>
+          </a:xfrm>
+        </p:spPr>
+        <p:txBody>
+          <a:bodyPr/>
+          <a:lstStyle/>
+          <a:p>
+            <a:pPr lvl="0" indent="0" marL="0">
+              <a:buNone/>
+            </a:pPr>
+            <a:r>
+              <a:rPr/>
+              <a:t>Lecture 2: Data gathering - managing</a:t>
+            </a:r>
+          </a:p>
+        </p:txBody>
+      </p:sp>
+      <p:sp>
+        <p:nvSpPr>
+          <p:cNvPr id="3" name="Text Placeholder 2"/>
+          <p:cNvSpPr>
+            <a:spLocks noGrp="1"/>
+          </p:cNvSpPr>
+          <p:nvPr>
+            <p:ph idx="1" type="body"/>
+          </p:nvPr>
+        </p:nvSpPr>
+        <p:spPr/>
+        <p:txBody>
+          <a:bodyPr/>
+          <a:lstStyle/>
+          <a:p>
+            <a:pPr lvl="0" indent="0" marL="0">
+              <a:buNone/>
+            </a:pPr>
+            <a:r>
+              <a:rPr b="1"/>
+              <a:t>Step 6</a:t>
+            </a:r>
+          </a:p>
+          <a:p>
+            <a:pPr lvl="0" indent="-342900" marL="342900">
+              <a:buAutoNum type="arabicPeriod"/>
+            </a:pPr>
+            <a:r>
+              <a:rPr/>
+              <a:t>Time to graph the data and explore, summarize, and transform data</a:t>
+            </a:r>
+          </a:p>
+          <a:p>
+            <a:pPr lvl="0" indent="-342900" marL="342900">
+              <a:buAutoNum type="arabicPeriod"/>
+            </a:pPr>
+            <a:r>
+              <a:rPr/>
+              <a:t>If there are a lot of steps in cleaning and doing transfomations and calculations save them to new output file.</a:t>
+            </a:r>
+          </a:p>
+        </p:txBody>
+      </p:sp>
+      <p:sp>
+        <p:nvSpPr>
+          <p:cNvPr id="5" name="Text Placeholder 4"/>
+          <p:cNvSpPr>
+            <a:spLocks noGrp="1"/>
+          </p:cNvSpPr>
+          <p:nvPr>
+            <p:ph idx="3" sz="quarter" type="body"/>
+          </p:nvPr>
+        </p:nvSpPr>
+        <p:spPr/>
+        <p:txBody>
+          <a:bodyPr/>
+          <a:lstStyle/>
+          <a:p>
+            <a:pPr lvl="0" indent="0" marL="0">
+              <a:buNone/>
+            </a:pPr>
+            <a:r>
+              <a:rPr/>
+              <a:t>A good way to organize script files is number them in the order they get run.</a:t>
+            </a:r>
+          </a:p>
+        </p:txBody>
+      </p:sp>
+      <p:pic>
+        <p:nvPicPr>
+          <p:cNvPr descr="images/clipboard-2204984243.png" id="0" name="Picture 1"/>
+          <p:cNvPicPr>
+            <a:picLocks noGrp="1" noChangeAspect="1"/>
+          </p:cNvPicPr>
+          <p:nvPr/>
+        </p:nvPicPr>
+        <p:blipFill>
+          <a:blip r:embed="rId2"/>
+          <a:stretch>
+            <a:fillRect/>
+          </a:stretch>
+        </p:blipFill>
+        <p:spPr bwMode="auto">
+          <a:xfrm>
+            <a:off x="4749800" y="1968500"/>
+            <a:ext cx="4038600" cy="1943100"/>
+          </a:xfrm>
+          <a:prstGeom prst="rect">
+            <a:avLst/>
+          </a:prstGeom>
+          <a:noFill/>
+          <a:ln w="9525">
+            <a:noFill/>
+            <a:headEnd/>
+            <a:tailEnd/>
+          </a:ln>
+        </p:spPr>
+      </p:pic>
+    </p:spTree>
+  </p:cSld>
+</p:sld>
+</file>
+
+<file path=ppt/slides/slide12.xml><?xml version="1.0" encoding="utf-8"?>
+<p:sld xmlns:a="http://schemas.openxmlformats.org/drawingml/2006/main" xmlns:r="http://schemas.openxmlformats.org/officeDocument/2006/relationships" xmlns:p="http://schemas.openxmlformats.org/presentationml/2006/main">
+  <p:cSld>
+    <p:spTree>
+      <p:nvGrpSpPr>
+        <p:cNvPr id="1" name=""/>
+        <p:cNvGrpSpPr/>
+        <p:nvPr/>
+      </p:nvGrpSpPr>
+      <p:grpSpPr>
+        <a:xfrm>
+          <a:off x="0" y="0"/>
+          <a:ext cx="0" cy="0"/>
+          <a:chOff x="0" y="0"/>
+          <a:chExt cx="0" cy="0"/>
+        </a:xfrm>
+      </p:grpSpPr>
+      <p:sp>
+        <p:nvSpPr>
+          <p:cNvPr id="2" name="Title 1"/>
+          <p:cNvSpPr>
+            <a:spLocks noGrp="1"/>
+          </p:cNvSpPr>
+          <p:nvPr>
+            <p:ph type="title"/>
+          </p:nvPr>
+        </p:nvSpPr>
+        <p:spPr>
+          <a:xfrm>
+            <a:off x="0" y="0"/>
+            <a:ext cx="9144000" cy="602780"/>
+          </a:xfrm>
+          <a:solidFill>
+            <a:srgbClr val="70121D"/>
+          </a:solidFill>
+        </p:spPr>
+        <p:txBody>
+          <a:bodyPr/>
+          <a:lstStyle/>
+          <a:p>
+            <a:pPr lvl="0" indent="0" marL="0">
+              <a:buNone/>
+            </a:pPr>
+            <a:r>
+              <a:rPr/>
+              <a:t>Lecture 2: Data gathering - managing</a:t>
+            </a:r>
+          </a:p>
+        </p:txBody>
+      </p:sp>
+      <p:sp>
+        <p:nvSpPr>
+          <p:cNvPr id="3" name="Content Placeholder 2"/>
+          <p:cNvSpPr>
+            <a:spLocks noGrp="1"/>
+          </p:cNvSpPr>
+          <p:nvPr>
+            <p:ph idx="1" sz="half"/>
+          </p:nvPr>
+        </p:nvSpPr>
+        <p:spPr/>
+        <p:txBody>
+          <a:bodyPr/>
+          <a:lstStyle/>
+          <a:p>
+            <a:pPr lvl="0" indent="0" marL="0">
+              <a:buNone/>
+            </a:pPr>
+            <a:r>
               <a:rPr/>
               <a:t>The important considerations in data</a:t>
             </a:r>
@@ -3533,7 +3834,7 @@
 </p:sld>
 </file>
 
-<file path=ppt/slides/slide11.xml><?xml version="1.0" encoding="utf-8"?>
+<file path=ppt/slides/slide13.xml><?xml version="1.0" encoding="utf-8"?>
 <p:sld xmlns:a="http://schemas.openxmlformats.org/drawingml/2006/main" xmlns:r="http://schemas.openxmlformats.org/officeDocument/2006/relationships" xmlns:p="http://schemas.openxmlformats.org/presentationml/2006/main">
   <p:cSld>
     <p:spTree>
@@ -3681,7 +3982,7 @@
 </p:sld>
 </file>
 
-<file path=ppt/slides/slide12.xml><?xml version="1.0" encoding="utf-8"?>
+<file path=ppt/slides/slide14.xml><?xml version="1.0" encoding="utf-8"?>
 <p:sld xmlns:a="http://schemas.openxmlformats.org/drawingml/2006/main" xmlns:r="http://schemas.openxmlformats.org/officeDocument/2006/relationships" xmlns:p="http://schemas.openxmlformats.org/presentationml/2006/main">
   <p:cSld>
     <p:spTree>
@@ -3928,7 +4229,198 @@
 </p:sld>
 </file>
 
-<file path=ppt/slides/slide13.xml><?xml version="1.0" encoding="utf-8"?>
+<file path=ppt/slides/slide15.xml><?xml version="1.0" encoding="utf-8"?>
+<p:sld xmlns:a="http://schemas.openxmlformats.org/drawingml/2006/main" xmlns:r="http://schemas.openxmlformats.org/officeDocument/2006/relationships" xmlns:p="http://schemas.openxmlformats.org/presentationml/2006/main">
+  <p:cSld>
+    <p:spTree>
+      <p:nvGrpSpPr>
+        <p:cNvPr id="1" name=""/>
+        <p:cNvGrpSpPr/>
+        <p:nvPr/>
+      </p:nvGrpSpPr>
+      <p:grpSpPr>
+        <a:xfrm>
+          <a:off x="0" y="0"/>
+          <a:ext cx="0" cy="0"/>
+          <a:chOff x="0" y="0"/>
+          <a:chExt cx="0" cy="0"/>
+        </a:xfrm>
+      </p:grpSpPr>
+      <p:sp>
+        <p:nvSpPr>
+          <p:cNvPr id="3" name="Content Placeholder 2"/>
+          <p:cNvSpPr>
+            <a:spLocks noGrp="1"/>
+          </p:cNvSpPr>
+          <p:nvPr>
+            <p:ph idx="1"/>
+          </p:nvPr>
+        </p:nvSpPr>
+        <p:spPr/>
+        <p:txBody>
+          <a:bodyPr/>
+          <a:lstStyle/>
+          <a:p>
+            <a:pPr lvl="0" indent="0" marL="1270000">
+              <a:buNone/>
+            </a:pPr>
+            <a:r>
+              <a:rPr sz="2000" b="1"/>
+              <a:t>Practice Exercise 3: How do we fix variable names?</a:t>
+            </a:r>
+          </a:p>
+          <a:p>
+            <a:pPr lvl="0" indent="0" marL="1270000">
+              <a:buNone/>
+            </a:pPr>
+            <a:r>
+              <a:rPr sz="2000"/>
+              <a:t>So there are two issues</a:t>
+            </a:r>
+          </a:p>
+          <a:p>
+            <a:pPr lvl="0" indent="-342900" marL="342900">
+              <a:buAutoNum type="arabicPeriod"/>
+            </a:pPr>
+            <a:r>
+              <a:rPr sz="2000"/>
+              <a:t>what can you do when reading in file?</a:t>
+            </a:r>
+          </a:p>
+          <a:p>
+            <a:pPr lvl="0" indent="-342900" marL="342900">
+              <a:buAutoNum type="arabicPeriod"/>
+            </a:pPr>
+            <a:r>
+              <a:rPr sz="2000"/>
+              <a:t>what can you do when the file is in and need to fix things</a:t>
+            </a:r>
+          </a:p>
+          <a:p>
+            <a:pPr lvl="0" indent="0">
+              <a:buNone/>
+            </a:pPr>
+            <a:r>
+              <a:rPr>
+                <a:solidFill>
+                  <a:srgbClr val="5E5E5E"/>
+                </a:solidFill>
+                <a:latin typeface="Courier"/>
+              </a:rPr>
+              <a:t># lets do # 2 first - no pun intended</a:t>
+            </a:r>
+            <a:br/>
+            <a:r>
+              <a:rPr>
+                <a:solidFill>
+                  <a:srgbClr val="5E5E5E"/>
+                </a:solidFill>
+                <a:latin typeface="Courier"/>
+              </a:rPr>
+              <a:t># if you wanted to rename variables what would would you do?</a:t>
+            </a:r>
+            <a:br/>
+            <a:br/>
+            <a:r>
+              <a:rPr>
+                <a:solidFill>
+                  <a:srgbClr val="5E5E5E"/>
+                </a:solidFill>
+                <a:latin typeface="Courier"/>
+              </a:rPr>
+              <a:t># now time for #1 - there are tools to make your life easier</a:t>
+            </a:r>
+            <a:br/>
+            <a:r>
+              <a:rPr>
+                <a:solidFill>
+                  <a:srgbClr val="5E5E5E"/>
+                </a:solidFill>
+                <a:latin typeface="Courier"/>
+              </a:rPr>
+              <a:t># install.packages("janitor") # what does a janitor or BSW do?</a:t>
+            </a:r>
+            <a:br/>
+            <a:r>
+              <a:rPr>
+                <a:solidFill>
+                  <a:srgbClr val="5E5E5E"/>
+                </a:solidFill>
+                <a:latin typeface="Courier"/>
+              </a:rPr>
+              <a:t># library(janitor)</a:t>
+            </a:r>
+            <a:br/>
+            <a:r>
+              <a:rPr>
+                <a:solidFill>
+                  <a:srgbClr val="5E5E5E"/>
+                </a:solidFill>
+                <a:latin typeface="Courier"/>
+              </a:rPr>
+              <a:t># lets read in a messy file... junk.csv</a:t>
+            </a:r>
+            <a:br/>
+            <a:r>
+              <a:rPr>
+                <a:solidFill>
+                  <a:srgbClr val="5E5E5E"/>
+                </a:solidFill>
+                <a:latin typeface="Courier"/>
+              </a:rPr>
+              <a:t># first look at the file</a:t>
+            </a:r>
+            <a:br/>
+            <a:r>
+              <a:rPr>
+                <a:solidFill>
+                  <a:srgbClr val="5E5E5E"/>
+                </a:solidFill>
+                <a:latin typeface="Courier"/>
+              </a:rPr>
+              <a:t># df &lt;- read_csv("data/junk.csv)</a:t>
+            </a:r>
+            <a:br/>
+            <a:r>
+              <a:rPr>
+                <a:solidFill>
+                  <a:srgbClr val="5E5E5E"/>
+                </a:solidFill>
+                <a:latin typeface="Courier"/>
+              </a:rPr>
+              <a:t># df_excel &lt;- read_excel("data/junk.csv")</a:t>
+            </a:r>
+          </a:p>
+        </p:txBody>
+      </p:sp>
+    </p:spTree>
+  </p:cSld>
+</p:sld>
+</file>
+
+<file path=ppt/slides/slide16.xml><?xml version="1.0" encoding="utf-8"?>
+<p:sld xmlns:a="http://schemas.openxmlformats.org/drawingml/2006/main" xmlns:r="http://schemas.openxmlformats.org/officeDocument/2006/relationships" xmlns:p="http://schemas.openxmlformats.org/presentationml/2006/main">
+  <p:cSld>
+    <p:spTree>
+      <p:nvGrpSpPr>
+        <p:cNvPr id="1" name=""/>
+        <p:cNvGrpSpPr/>
+        <p:nvPr/>
+      </p:nvGrpSpPr>
+      <p:grpSpPr>
+        <a:xfrm>
+          <a:off x="0" y="0"/>
+          <a:ext cx="0" cy="0"/>
+          <a:chOff x="0" y="0"/>
+          <a:chExt cx="0" cy="0"/>
+        </a:xfrm>
+      </p:grpSpPr>
+    </p:spTree>
+  </p:cSld>
+</p:sld>
+</file>
+
+<file path=ppt/slides/slide17.xml><?xml version="1.0" encoding="utf-8"?>
 <p:sld xmlns:a="http://schemas.openxmlformats.org/drawingml/2006/main" xmlns:r="http://schemas.openxmlformats.org/officeDocument/2006/relationships" xmlns:p="http://schemas.openxmlformats.org/presentationml/2006/main">
   <p:cSld>
     <p:spTree>
@@ -4082,7 +4574,7 @@
 </p:sld>
 </file>
 
-<file path=ppt/slides/slide14.xml><?xml version="1.0" encoding="utf-8"?>
+<file path=ppt/slides/slide18.xml><?xml version="1.0" encoding="utf-8"?>
 <p:sld xmlns:a="http://schemas.openxmlformats.org/drawingml/2006/main" xmlns:r="http://schemas.openxmlformats.org/officeDocument/2006/relationships" xmlns:p="http://schemas.openxmlformats.org/presentationml/2006/main">
   <p:cSld>
     <p:spTree>
@@ -4260,7 +4752,276 @@
 </p:sld>
 </file>
 
-<file path=ppt/slides/slide15.xml><?xml version="1.0" encoding="utf-8"?>
+<file path=ppt/slides/slide19.xml><?xml version="1.0" encoding="utf-8"?>
+<p:sld xmlns:a="http://schemas.openxmlformats.org/drawingml/2006/main" xmlns:r="http://schemas.openxmlformats.org/officeDocument/2006/relationships" xmlns:p="http://schemas.openxmlformats.org/presentationml/2006/main">
+  <p:cSld>
+    <p:spTree>
+      <p:nvGrpSpPr>
+        <p:cNvPr id="1" name=""/>
+        <p:cNvGrpSpPr/>
+        <p:nvPr/>
+      </p:nvGrpSpPr>
+      <p:grpSpPr>
+        <a:xfrm>
+          <a:off x="0" y="0"/>
+          <a:ext cx="0" cy="0"/>
+          <a:chOff x="0" y="0"/>
+          <a:chExt cx="0" cy="0"/>
+        </a:xfrm>
+      </p:grpSpPr>
+      <p:sp>
+        <p:nvSpPr>
+          <p:cNvPr id="3" name="Content Placeholder 2"/>
+          <p:cNvSpPr>
+            <a:spLocks noGrp="1"/>
+          </p:cNvSpPr>
+          <p:nvPr>
+            <p:ph idx="1"/>
+          </p:nvPr>
+        </p:nvSpPr>
+        <p:spPr/>
+        <p:txBody>
+          <a:bodyPr/>
+          <a:lstStyle/>
+          <a:p>
+            <a:pPr lvl="0" indent="0" marL="1270000">
+              <a:buNone/>
+            </a:pPr>
+            <a:r>
+              <a:rPr sz="2000" b="1"/>
+              <a:t>Practice Exercise 3: Are there ways to deal with excel and why is it a problem</a:t>
+            </a:r>
+          </a:p>
+          <a:p>
+            <a:pPr lvl="0" indent="0" marL="1270000">
+              <a:buNone/>
+            </a:pPr>
+            <a:r>
+              <a:rPr sz="2000"/>
+              <a:t>Let’s look at junk.xlsx</a:t>
+            </a:r>
+          </a:p>
+          <a:p>
+            <a:pPr lvl="0" indent="0">
+              <a:buNone/>
+            </a:pPr>
+            <a:r>
+              <a:rPr>
+                <a:solidFill>
+                  <a:srgbClr val="5E5E5E"/>
+                </a:solidFill>
+                <a:latin typeface="Courier"/>
+              </a:rPr>
+              <a:t># Write your code here to create a histogram of fish lengths from Toolik Lake</a:t>
+            </a:r>
+            <a:br/>
+            <a:r>
+              <a:rPr>
+                <a:solidFill>
+                  <a:srgbClr val="5E5E5E"/>
+                </a:solidFill>
+                <a:latin typeface="Courier"/>
+              </a:rPr>
+              <a:t># Remember to use the pipe operator %&gt;% and ggplot with geom_histogram()</a:t>
+            </a:r>
+            <a:br/>
+            <a:r>
+              <a:rPr>
+                <a:solidFill>
+                  <a:srgbClr val="5E5E5E"/>
+                </a:solidFill>
+                <a:latin typeface="Courier"/>
+              </a:rPr>
+              <a:t># copy the date to a new cell and make a number!</a:t>
+            </a:r>
+          </a:p>
+        </p:txBody>
+      </p:sp>
+    </p:spTree>
+  </p:cSld>
+</p:sld>
+</file>
+
+<file path=ppt/slides/slide2.xml><?xml version="1.0" encoding="utf-8"?>
+<p:sld xmlns:a="http://schemas.openxmlformats.org/drawingml/2006/main" xmlns:r="http://schemas.openxmlformats.org/officeDocument/2006/relationships" xmlns:p="http://schemas.openxmlformats.org/presentationml/2006/main">
+  <p:cSld>
+    <p:spTree>
+      <p:nvGrpSpPr>
+        <p:cNvPr id="1" name=""/>
+        <p:cNvGrpSpPr/>
+        <p:nvPr/>
+      </p:nvGrpSpPr>
+      <p:grpSpPr>
+        <a:xfrm>
+          <a:off x="0" y="0"/>
+          <a:ext cx="0" cy="0"/>
+          <a:chOff x="0" y="0"/>
+          <a:chExt cx="0" cy="0"/>
+        </a:xfrm>
+      </p:grpSpPr>
+      <p:sp>
+        <p:nvSpPr>
+          <p:cNvPr id="2" name="Title 1"/>
+          <p:cNvSpPr>
+            <a:spLocks noGrp="1"/>
+          </p:cNvSpPr>
+          <p:nvPr>
+            <p:ph type="title"/>
+          </p:nvPr>
+        </p:nvSpPr>
+        <p:spPr>
+          <a:xfrm>
+            <a:off x="139485" y="78119"/>
+            <a:ext cx="8229600" cy="607682"/>
+          </a:xfrm>
+        </p:spPr>
+        <p:txBody>
+          <a:bodyPr/>
+          <a:lstStyle/>
+          <a:p>
+            <a:pPr lvl="0" indent="0" marL="0">
+              <a:buNone/>
+            </a:pPr>
+            <a:r>
+              <a:rPr b="1"/>
+              <a:t>Lecture 2: Review</a:t>
+            </a:r>
+          </a:p>
+        </p:txBody>
+      </p:sp>
+      <p:sp>
+        <p:nvSpPr>
+          <p:cNvPr id="3" name="Text Placeholder 2"/>
+          <p:cNvSpPr>
+            <a:spLocks noGrp="1"/>
+          </p:cNvSpPr>
+          <p:nvPr>
+            <p:ph idx="1" type="body"/>
+          </p:nvPr>
+        </p:nvSpPr>
+        <p:spPr/>
+        <p:txBody>
+          <a:bodyPr/>
+          <a:lstStyle/>
+          <a:p>
+            <a:pPr lvl="0"/>
+            <a:r>
+              <a:rPr/>
+              <a:t>We covered inductive vs deductive reasoning</a:t>
+            </a:r>
+          </a:p>
+          <a:p>
+            <a:pPr lvl="0"/>
+            <a:r>
+              <a:rPr/>
+              <a:t>How to begin to ask questions</a:t>
+            </a:r>
+          </a:p>
+          <a:p>
+            <a:pPr lvl="0"/>
+            <a:r>
+              <a:rPr/>
+              <a:t>Accuracy and precision</a:t>
+            </a:r>
+          </a:p>
+          <a:p>
+            <a:pPr lvl="0"/>
+            <a:r>
+              <a:rPr/>
+              <a:t>What are general types of data</a:t>
+            </a:r>
+          </a:p>
+          <a:p>
+            <a:pPr lvl="0"/>
+            <a:r>
+              <a:rPr/>
+              <a:t>How to set up an R project in Rstudio</a:t>
+            </a:r>
+          </a:p>
+          <a:p>
+            <a:pPr lvl="0"/>
+            <a:r>
+              <a:rPr/>
+              <a:t>How to install and load libraries</a:t>
+            </a:r>
+          </a:p>
+          <a:p>
+            <a:pPr lvl="0"/>
+            <a:r>
+              <a:rPr/>
+              <a:t>How to read a file into R</a:t>
+            </a:r>
+          </a:p>
+          <a:p>
+            <a:pPr lvl="0"/>
+            <a:r>
+              <a:rPr/>
+              <a:t>How to make a graph</a:t>
+            </a:r>
+          </a:p>
+        </p:txBody>
+      </p:sp>
+      <p:sp>
+        <p:nvSpPr>
+          <p:cNvPr id="5" name="Text Placeholder 4"/>
+          <p:cNvSpPr>
+            <a:spLocks noGrp="1"/>
+          </p:cNvSpPr>
+          <p:nvPr>
+            <p:ph idx="3" sz="quarter" type="body"/>
+          </p:nvPr>
+        </p:nvSpPr>
+        <p:spPr/>
+        <p:txBody>
+          <a:bodyPr/>
+          <a:lstStyle/>
+          <a:p>
+            <a:pPr lvl="0" indent="0" marL="0">
+              <a:buNone/>
+            </a:pPr>
+            <a:r>
+              <a:rPr/>
+              <a:t>Our first graph</a:t>
+            </a:r>
+          </a:p>
+        </p:txBody>
+      </p:sp>
+      <p:pic>
+        <p:nvPicPr>
+          <p:cNvPr descr="images/graph_1.png" id="0" name="Picture 1"/>
+          <p:cNvPicPr>
+            <a:picLocks noGrp="1" noChangeAspect="1"/>
+          </p:cNvPicPr>
+          <p:nvPr/>
+        </p:nvPicPr>
+        <p:blipFill>
+          <a:blip r:embed="rId2"/>
+          <a:stretch>
+            <a:fillRect/>
+          </a:stretch>
+        </p:blipFill>
+        <p:spPr bwMode="auto">
+          <a:xfrm>
+            <a:off x="4749800" y="1485900"/>
+            <a:ext cx="4038600" cy="2882900"/>
+          </a:xfrm>
+          <a:prstGeom prst="rect">
+            <a:avLst/>
+          </a:prstGeom>
+          <a:noFill/>
+          <a:ln w="9525">
+            <a:noFill/>
+            <a:headEnd/>
+            <a:tailEnd/>
+          </a:ln>
+        </p:spPr>
+      </p:pic>
+    </p:spTree>
+  </p:cSld>
+</p:sld>
+</file>
+
+<file path=ppt/slides/slide20.xml><?xml version="1.0" encoding="utf-8"?>
 <p:sld xmlns:a="http://schemas.openxmlformats.org/drawingml/2006/main" xmlns:r="http://schemas.openxmlformats.org/officeDocument/2006/relationships" xmlns:p="http://schemas.openxmlformats.org/presentationml/2006/main">
   <p:cSld>
     <p:spTree>
@@ -4408,7 +5169,7 @@
 </p:sld>
 </file>
 
-<file path=ppt/slides/slide16.xml><?xml version="1.0" encoding="utf-8"?>
+<file path=ppt/slides/slide21.xml><?xml version="1.0" encoding="utf-8"?>
 <p:sld xmlns:a="http://schemas.openxmlformats.org/drawingml/2006/main" xmlns:r="http://schemas.openxmlformats.org/officeDocument/2006/relationships" xmlns:p="http://schemas.openxmlformats.org/presentationml/2006/main">
   <p:cSld>
     <p:spTree>
@@ -4612,7 +5373,7 @@
 </p:sld>
 </file>
 
-<file path=ppt/slides/slide17.xml><?xml version="1.0" encoding="utf-8"?>
+<file path=ppt/slides/slide22.xml><?xml version="1.0" encoding="utf-8"?>
 <p:sld xmlns:a="http://schemas.openxmlformats.org/drawingml/2006/main" xmlns:r="http://schemas.openxmlformats.org/officeDocument/2006/relationships" xmlns:p="http://schemas.openxmlformats.org/presentationml/2006/main">
   <p:cSld>
     <p:spTree>
@@ -4629,185 +5390,6 @@
           <a:chExt cx="0" cy="0"/>
         </a:xfrm>
       </p:grpSpPr>
-    </p:spTree>
-  </p:cSld>
-</p:sld>
-</file>
-
-<file path=ppt/slides/slide2.xml><?xml version="1.0" encoding="utf-8"?>
-<p:sld xmlns:a="http://schemas.openxmlformats.org/drawingml/2006/main" xmlns:r="http://schemas.openxmlformats.org/officeDocument/2006/relationships" xmlns:p="http://schemas.openxmlformats.org/presentationml/2006/main">
-  <p:cSld>
-    <p:spTree>
-      <p:nvGrpSpPr>
-        <p:cNvPr id="1" name=""/>
-        <p:cNvGrpSpPr/>
-        <p:nvPr/>
-      </p:nvGrpSpPr>
-      <p:grpSpPr>
-        <a:xfrm>
-          <a:off x="0" y="0"/>
-          <a:ext cx="0" cy="0"/>
-          <a:chOff x="0" y="0"/>
-          <a:chExt cx="0" cy="0"/>
-        </a:xfrm>
-      </p:grpSpPr>
-      <p:sp>
-        <p:nvSpPr>
-          <p:cNvPr id="2" name="Title 1"/>
-          <p:cNvSpPr>
-            <a:spLocks noGrp="1"/>
-          </p:cNvSpPr>
-          <p:nvPr>
-            <p:ph type="title"/>
-          </p:nvPr>
-        </p:nvSpPr>
-        <p:spPr>
-          <a:xfrm>
-            <a:off x="139485" y="78119"/>
-            <a:ext cx="8229600" cy="607682"/>
-          </a:xfrm>
-        </p:spPr>
-        <p:txBody>
-          <a:bodyPr/>
-          <a:lstStyle/>
-          <a:p>
-            <a:pPr lvl="0" indent="0" marL="0">
-              <a:buNone/>
-            </a:pPr>
-            <a:r>
-              <a:rPr b="1"/>
-              <a:t>Lecture 2: Review</a:t>
-            </a:r>
-          </a:p>
-        </p:txBody>
-      </p:sp>
-      <p:sp>
-        <p:nvSpPr>
-          <p:cNvPr id="3" name="Text Placeholder 2"/>
-          <p:cNvSpPr>
-            <a:spLocks noGrp="1"/>
-          </p:cNvSpPr>
-          <p:nvPr>
-            <p:ph idx="1" type="body"/>
-          </p:nvPr>
-        </p:nvSpPr>
-        <p:spPr/>
-        <p:txBody>
-          <a:bodyPr/>
-          <a:lstStyle/>
-          <a:p>
-            <a:pPr lvl="0"/>
-            <a:r>
-              <a:rPr/>
-              <a:t>We covered inductive vs deductive reasoning</a:t>
-            </a:r>
-          </a:p>
-          <a:p>
-            <a:pPr lvl="0"/>
-            <a:r>
-              <a:rPr/>
-              <a:t>How to begin to ask questions</a:t>
-            </a:r>
-          </a:p>
-          <a:p>
-            <a:pPr lvl="0"/>
-            <a:r>
-              <a:rPr/>
-              <a:t>Accuracy and precision</a:t>
-            </a:r>
-          </a:p>
-          <a:p>
-            <a:pPr lvl="0"/>
-            <a:r>
-              <a:rPr/>
-              <a:t>What are general types of data</a:t>
-            </a:r>
-          </a:p>
-          <a:p>
-            <a:pPr lvl="0"/>
-            <a:r>
-              <a:rPr/>
-              <a:t>How to set up an R project in Rstudio</a:t>
-            </a:r>
-          </a:p>
-          <a:p>
-            <a:pPr lvl="0"/>
-            <a:r>
-              <a:rPr/>
-              <a:t>How to install and load libraries</a:t>
-            </a:r>
-          </a:p>
-          <a:p>
-            <a:pPr lvl="0"/>
-            <a:r>
-              <a:rPr/>
-              <a:t>How to read a file into R</a:t>
-            </a:r>
-          </a:p>
-          <a:p>
-            <a:pPr lvl="0"/>
-            <a:r>
-              <a:rPr/>
-              <a:t>How to make a graph</a:t>
-            </a:r>
-          </a:p>
-        </p:txBody>
-      </p:sp>
-      <p:sp>
-        <p:nvSpPr>
-          <p:cNvPr id="5" name="Text Placeholder 4"/>
-          <p:cNvSpPr>
-            <a:spLocks noGrp="1"/>
-          </p:cNvSpPr>
-          <p:nvPr>
-            <p:ph idx="3" sz="quarter" type="body"/>
-          </p:nvPr>
-        </p:nvSpPr>
-        <p:spPr/>
-        <p:txBody>
-          <a:bodyPr/>
-          <a:lstStyle/>
-          <a:p>
-            <a:pPr lvl="0" indent="0" marL="0">
-              <a:buNone/>
-            </a:pPr>
-            <a:r>
-              <a:rPr/>
-              <a:t>Our first graph</a:t>
-            </a:r>
-          </a:p>
-        </p:txBody>
-      </p:sp>
-      <p:pic>
-        <p:nvPicPr>
-          <p:cNvPr descr="images/graph_1.png" id="0" name="Picture 1"/>
-          <p:cNvPicPr>
-            <a:picLocks noGrp="1" noChangeAspect="1"/>
-          </p:cNvPicPr>
-          <p:nvPr/>
-        </p:nvPicPr>
-        <p:blipFill>
-          <a:blip r:embed="rId2"/>
-          <a:stretch>
-            <a:fillRect/>
-          </a:stretch>
-        </p:blipFill>
-        <p:spPr bwMode="auto">
-          <a:xfrm>
-            <a:off x="4749800" y="1485900"/>
-            <a:ext cx="4038600" cy="2882900"/>
-          </a:xfrm>
-          <a:prstGeom prst="rect">
-            <a:avLst/>
-          </a:prstGeom>
-          <a:noFill/>
-          <a:ln w="9525">
-            <a:noFill/>
-            <a:headEnd/>
-            <a:tailEnd/>
-          </a:ln>
-        </p:spPr>
-      </p:pic>
     </p:spTree>
   </p:cSld>
 </p:sld>
@@ -4918,31 +5500,36 @@
           </a:p>
         </p:txBody>
       </p:sp>
-      <p:sp>
-        <p:nvSpPr>
-          <p:cNvPr id="4" name="Content Placeholder 3"/>
-          <p:cNvSpPr>
-            <a:spLocks noGrp="1"/>
-          </p:cNvSpPr>
-          <p:nvPr>
-            <p:ph idx="2" sz="half"/>
-          </p:nvPr>
-        </p:nvSpPr>
-        <p:spPr/>
-        <p:txBody>
-          <a:bodyPr/>
-          <a:lstStyle/>
-          <a:p>
-            <a:pPr lvl="0" indent="0" marL="0">
-              <a:buNone/>
-            </a:pPr>
-            <a:r>
-              <a:rPr/>
-              <a:t>New image here</a:t>
-            </a:r>
-          </a:p>
-        </p:txBody>
-      </p:sp>
+      <p:pic>
+        <p:nvPicPr>
+          <p:cNvPr descr="images/clipboard-568492770.png" id="0" name="Picture 1"/>
+          <p:cNvPicPr>
+            <a:picLocks noGrp="1" noChangeAspect="1"/>
+          </p:cNvPicPr>
+          <p:nvPr/>
+        </p:nvPicPr>
+        <p:blipFill>
+          <a:blip r:embed="rId2"/>
+          <a:stretch>
+            <a:fillRect/>
+          </a:stretch>
+        </p:blipFill>
+        <p:spPr bwMode="auto">
+          <a:xfrm>
+            <a:off x="6121400" y="2108200"/>
+            <a:ext cx="2781300" cy="1562100"/>
+          </a:xfrm>
+          <a:prstGeom prst="rect">
+            <a:avLst/>
+          </a:prstGeom>
+          <a:noFill/>
+          <a:ln w="9525">
+            <a:noFill/>
+            <a:headEnd/>
+            <a:tailEnd/>
+          </a:ln>
+        </p:spPr>
+      </p:pic>
     </p:spTree>
   </p:cSld>
 </p:sld>
@@ -5027,14 +5614,14 @@
             <a:pPr lvl="0"/>
             <a:r>
               <a:rPr/>
-              <a:t>Data management and curation often underemphasized</a:t>
+              <a:t>Data management and curation often under emphasized</a:t>
             </a:r>
           </a:p>
           <a:p>
             <a:pPr lvl="0"/>
             <a:r>
               <a:rPr/>
-              <a:t>Good data management: owe it to our funders, colleagues, supervisors, and study systems</a:t>
+              <a:t>Good data management: owe it to our funding agencies, colleagues, supervisors, and study systems</a:t>
             </a:r>
           </a:p>
         </p:txBody>
@@ -5263,6 +5850,96 @@
       </p:grpSpPr>
       <p:sp>
         <p:nvSpPr>
+          <p:cNvPr id="3" name="Content Placeholder 2"/>
+          <p:cNvSpPr>
+            <a:spLocks noGrp="1"/>
+          </p:cNvSpPr>
+          <p:nvPr>
+            <p:ph idx="1"/>
+          </p:nvPr>
+        </p:nvSpPr>
+        <p:spPr/>
+        <p:txBody>
+          <a:bodyPr/>
+          <a:lstStyle/>
+          <a:p>
+            <a:pPr lvl="0" indent="0" marL="1270000">
+              <a:buNone/>
+            </a:pPr>
+            <a:r>
+              <a:rPr sz="2000" b="1"/>
+              <a:t>Practice Exercise 1: Can you do this for the pine data we have collected?</a:t>
+            </a:r>
+          </a:p>
+          <a:p>
+            <a:pPr lvl="0" indent="0" marL="1270000">
+              <a:buNone/>
+            </a:pPr>
+            <a:r>
+              <a:rPr sz="2000"/>
+              <a:t>Let’s recreate the basic histogram of fish lengths from our last class. Use the </a:t>
+            </a:r>
+            <a:r>
+              <a:rPr sz="2000">
+                <a:latin typeface="Courier"/>
+              </a:rPr>
+              <a:t>sculpin_df</a:t>
+            </a:r>
+            <a:r>
+              <a:rPr sz="2000"/>
+              <a:t> data frame that’s already loaded.</a:t>
+            </a:r>
+          </a:p>
+          <a:p>
+            <a:pPr lvl="0" indent="0">
+              <a:buNone/>
+            </a:pPr>
+            <a:r>
+              <a:rPr>
+                <a:solidFill>
+                  <a:srgbClr val="5E5E5E"/>
+                </a:solidFill>
+                <a:latin typeface="Courier"/>
+              </a:rPr>
+              <a:t># Write your code here to read in the file</a:t>
+            </a:r>
+            <a:br/>
+            <a:r>
+              <a:rPr>
+                <a:solidFill>
+                  <a:srgbClr val="5E5E5E"/>
+                </a:solidFill>
+                <a:latin typeface="Courier"/>
+              </a:rPr>
+              <a:t># How do you examine the data - what are the ways you think and lets try it!</a:t>
+            </a:r>
+          </a:p>
+        </p:txBody>
+      </p:sp>
+    </p:spTree>
+  </p:cSld>
+</p:sld>
+</file>
+
+<file path=ppt/slides/slide7.xml><?xml version="1.0" encoding="utf-8"?>
+<p:sld xmlns:a="http://schemas.openxmlformats.org/drawingml/2006/main" xmlns:r="http://schemas.openxmlformats.org/officeDocument/2006/relationships" xmlns:p="http://schemas.openxmlformats.org/presentationml/2006/main">
+  <p:cSld>
+    <p:spTree>
+      <p:nvGrpSpPr>
+        <p:cNvPr id="1" name=""/>
+        <p:cNvGrpSpPr/>
+        <p:nvPr/>
+      </p:nvGrpSpPr>
+      <p:grpSpPr>
+        <a:xfrm>
+          <a:off x="0" y="0"/>
+          <a:ext cx="0" cy="0"/>
+          <a:chOff x="0" y="0"/>
+          <a:chExt cx="0" cy="0"/>
+        </a:xfrm>
+      </p:grpSpPr>
+      <p:sp>
+        <p:nvSpPr>
           <p:cNvPr id="2" name="Title 1"/>
           <p:cNvSpPr>
             <a:spLocks noGrp="1"/>
@@ -5408,7 +6085,7 @@
 </p:sld>
 </file>
 
-<file path=ppt/slides/slide7.xml><?xml version="1.0" encoding="utf-8"?>
+<file path=ppt/slides/slide8.xml><?xml version="1.0" encoding="utf-8"?>
 <p:sld xmlns:a="http://schemas.openxmlformats.org/drawingml/2006/main" xmlns:r="http://schemas.openxmlformats.org/officeDocument/2006/relationships" xmlns:p="http://schemas.openxmlformats.org/presentationml/2006/main">
   <p:cSld>
     <p:spTree>
@@ -5741,147 +6418,6 @@
 </p:sld>
 </file>
 
-<file path=ppt/slides/slide8.xml><?xml version="1.0" encoding="utf-8"?>
-<p:sld xmlns:a="http://schemas.openxmlformats.org/drawingml/2006/main" xmlns:r="http://schemas.openxmlformats.org/officeDocument/2006/relationships" xmlns:p="http://schemas.openxmlformats.org/presentationml/2006/main">
-  <p:cSld>
-    <p:spTree>
-      <p:nvGrpSpPr>
-        <p:cNvPr id="1" name=""/>
-        <p:cNvGrpSpPr/>
-        <p:nvPr/>
-      </p:nvGrpSpPr>
-      <p:grpSpPr>
-        <a:xfrm>
-          <a:off x="0" y="0"/>
-          <a:ext cx="0" cy="0"/>
-          <a:chOff x="0" y="0"/>
-          <a:chExt cx="0" cy="0"/>
-        </a:xfrm>
-      </p:grpSpPr>
-      <p:sp>
-        <p:nvSpPr>
-          <p:cNvPr id="2" name="Title 1"/>
-          <p:cNvSpPr>
-            <a:spLocks noGrp="1"/>
-          </p:cNvSpPr>
-          <p:nvPr>
-            <p:ph type="title"/>
-          </p:nvPr>
-        </p:nvSpPr>
-        <p:spPr>
-          <a:xfrm>
-            <a:off x="0" y="0"/>
-            <a:ext cx="9144000" cy="602780"/>
-          </a:xfrm>
-          <a:solidFill>
-            <a:srgbClr val="70121D"/>
-          </a:solidFill>
-        </p:spPr>
-        <p:txBody>
-          <a:bodyPr/>
-          <a:lstStyle/>
-          <a:p>
-            <a:pPr lvl="0" indent="0" marL="0">
-              <a:buNone/>
-            </a:pPr>
-            <a:r>
-              <a:rPr/>
-              <a:t>Lecture 2: Data gathering - managing</a:t>
-            </a:r>
-          </a:p>
-        </p:txBody>
-      </p:sp>
-      <p:sp>
-        <p:nvSpPr>
-          <p:cNvPr id="3" name="Content Placeholder 2"/>
-          <p:cNvSpPr>
-            <a:spLocks noGrp="1"/>
-          </p:cNvSpPr>
-          <p:nvPr>
-            <p:ph idx="1" sz="half"/>
-          </p:nvPr>
-        </p:nvSpPr>
-        <p:spPr/>
-        <p:txBody>
-          <a:bodyPr/>
-          <a:lstStyle/>
-          <a:p>
-            <a:pPr lvl="0" indent="0" marL="0">
-              <a:buNone/>
-            </a:pPr>
-            <a:r>
-              <a:rPr b="1"/>
-              <a:t>Step 5</a:t>
-            </a:r>
-          </a:p>
-          <a:p>
-            <a:pPr lvl="0" indent="0" marL="0">
-              <a:buNone/>
-            </a:pPr>
-            <a:r>
-              <a:rPr/>
-              <a:t>Cleaning Data -</a:t>
-            </a:r>
-          </a:p>
-          <a:p>
-            <a:pPr lvl="0" indent="-342900" marL="342900">
-              <a:buAutoNum type="arabicPeriod"/>
-            </a:pPr>
-            <a:r>
-              <a:rPr/>
-              <a:t>Correct erors, fill missing data with “NA”, resolve outliers</a:t>
-            </a:r>
-          </a:p>
-          <a:p>
-            <a:pPr lvl="0" indent="-342900" marL="342900">
-              <a:buAutoNum type="arabicPeriod"/>
-            </a:pPr>
-            <a:r>
-              <a:rPr/>
-              <a:t>save a clean data file as the master file - often good to make read only</a:t>
-            </a:r>
-          </a:p>
-          <a:p>
-            <a:pPr lvl="0" indent="-342900" marL="342900">
-              <a:buAutoNum type="arabicPeriod"/>
-            </a:pPr>
-            <a:r>
-              <a:rPr/>
-              <a:t>Add information in a notes column or text file about what was done and why.</a:t>
-            </a:r>
-          </a:p>
-        </p:txBody>
-      </p:sp>
-      <p:sp>
-        <p:nvSpPr>
-          <p:cNvPr id="4" name="Content Placeholder 3"/>
-          <p:cNvSpPr>
-            <a:spLocks noGrp="1"/>
-          </p:cNvSpPr>
-          <p:nvPr>
-            <p:ph idx="2" sz="half"/>
-          </p:nvPr>
-        </p:nvSpPr>
-        <p:spPr/>
-        <p:txBody>
-          <a:bodyPr/>
-          <a:lstStyle/>
-          <a:p>
-            <a:pPr lvl="0" indent="0" marL="0">
-              <a:buNone/>
-            </a:pPr>
-            <a:r>
-              <a:rPr/>
-              <a:t>image</a:t>
-            </a:r>
-          </a:p>
-        </p:txBody>
-      </p:sp>
-    </p:spTree>
-  </p:cSld>
-</p:sld>
-</file>
-
 <file path=ppt/slides/slide9.xml><?xml version="1.0" encoding="utf-8"?>
 <p:sld xmlns:a="http://schemas.openxmlformats.org/drawingml/2006/main" xmlns:r="http://schemas.openxmlformats.org/officeDocument/2006/relationships" xmlns:p="http://schemas.openxmlformats.org/presentationml/2006/main">
   <p:cSld>
@@ -5901,42 +6437,12 @@
       </p:grpSpPr>
       <p:sp>
         <p:nvSpPr>
-          <p:cNvPr id="2" name="Title 1"/>
-          <p:cNvSpPr>
-            <a:spLocks noGrp="1"/>
-          </p:cNvSpPr>
-          <p:nvPr>
-            <p:ph type="title"/>
-          </p:nvPr>
-        </p:nvSpPr>
-        <p:spPr>
-          <a:xfrm>
-            <a:off x="139485" y="78119"/>
-            <a:ext cx="8229600" cy="607682"/>
-          </a:xfrm>
-        </p:spPr>
-        <p:txBody>
-          <a:bodyPr/>
-          <a:lstStyle/>
-          <a:p>
-            <a:pPr lvl="0" indent="0" marL="0">
-              <a:buNone/>
-            </a:pPr>
-            <a:r>
-              <a:rPr/>
-              <a:t>Lecture 2: Data gathering - managing</a:t>
-            </a:r>
-          </a:p>
-        </p:txBody>
-      </p:sp>
-      <p:sp>
-        <p:nvSpPr>
-          <p:cNvPr id="3" name="Text Placeholder 2"/>
-          <p:cNvSpPr>
-            <a:spLocks noGrp="1"/>
-          </p:cNvSpPr>
-          <p:nvPr>
-            <p:ph idx="1" type="body"/>
+          <p:cNvPr id="3" name="Content Placeholder 2"/>
+          <p:cNvSpPr>
+            <a:spLocks noGrp="1"/>
+          </p:cNvSpPr>
+          <p:nvPr>
+            <p:ph idx="1"/>
           </p:nvPr>
         </p:nvSpPr>
         <p:spPr/>
@@ -5944,89 +6450,49 @@
           <a:bodyPr/>
           <a:lstStyle/>
           <a:p>
-            <a:pPr lvl="0" indent="0" marL="0">
-              <a:buNone/>
-            </a:pPr>
-            <a:r>
-              <a:rPr b="1"/>
-              <a:t>Step 6</a:t>
-            </a:r>
-          </a:p>
-          <a:p>
-            <a:pPr lvl="0" indent="-342900" marL="342900">
-              <a:buAutoNum type="arabicPeriod"/>
-            </a:pPr>
-            <a:r>
-              <a:rPr/>
-              <a:t>Time to graph the data and explore, summarize, and transform data</a:t>
-            </a:r>
-          </a:p>
-          <a:p>
-            <a:pPr lvl="0" indent="-342900" marL="342900">
-              <a:buAutoNum type="arabicPeriod"/>
-            </a:pPr>
-            <a:r>
-              <a:rPr/>
-              <a:t>If there are a lot of steps in cleaning and doing transfomations and calculations save them to new output file.</a:t>
-            </a:r>
-          </a:p>
-        </p:txBody>
-      </p:sp>
-      <p:sp>
-        <p:nvSpPr>
-          <p:cNvPr id="5" name="Text Placeholder 4"/>
-          <p:cNvSpPr>
-            <a:spLocks noGrp="1"/>
-          </p:cNvSpPr>
-          <p:nvPr>
-            <p:ph idx="3" sz="quarter" type="body"/>
-          </p:nvPr>
-        </p:nvSpPr>
-        <p:spPr/>
-        <p:txBody>
-          <a:bodyPr/>
-          <a:lstStyle/>
-          <a:p>
-            <a:pPr lvl="0" indent="0" marL="0">
-              <a:buNone/>
-            </a:pPr>
-            <a:r>
-              <a:rPr/>
-              <a:t>A good way to organize script files is number them in the order they get run.</a:t>
-            </a:r>
-          </a:p>
-        </p:txBody>
-      </p:sp>
-      <p:pic>
-        <p:nvPicPr>
-          <p:cNvPr descr="images/clipboard-2204984243.png" id="0" name="Picture 1"/>
-          <p:cNvPicPr>
-            <a:picLocks noGrp="1" noChangeAspect="1"/>
-          </p:cNvPicPr>
-          <p:nvPr/>
-        </p:nvPicPr>
-        <p:blipFill>
-          <a:blip r:embed="rId2"/>
-          <a:stretch>
-            <a:fillRect/>
-          </a:stretch>
-        </p:blipFill>
-        <p:spPr bwMode="auto">
-          <a:xfrm>
-            <a:off x="4749800" y="1968500"/>
-            <a:ext cx="4038600" cy="1943100"/>
-          </a:xfrm>
-          <a:prstGeom prst="rect">
-            <a:avLst/>
-          </a:prstGeom>
-          <a:noFill/>
-          <a:ln w="9525">
-            <a:noFill/>
-            <a:headEnd/>
-            <a:tailEnd/>
-          </a:ln>
-        </p:spPr>
-      </p:pic>
+            <a:pPr lvl="0" indent="0" marL="1270000">
+              <a:buNone/>
+            </a:pPr>
+            <a:r>
+              <a:rPr sz="2000" b="1"/>
+              <a:t>Practice Exercise 2: Lets plot our data again</a:t>
+            </a:r>
+          </a:p>
+          <a:p>
+            <a:pPr lvl="0" indent="0" marL="1270000">
+              <a:buNone/>
+            </a:pPr>
+            <a:r>
+              <a:rPr sz="2000"/>
+              <a:t>Let’s recreate the basic plots you might use to visualize the data and lets see what it looks like.</a:t>
+            </a:r>
+          </a:p>
+          <a:p>
+            <a:pPr lvl="0" indent="0">
+              <a:buNone/>
+            </a:pPr>
+            <a:r>
+              <a:rPr>
+                <a:solidFill>
+                  <a:srgbClr val="5E5E5E"/>
+                </a:solidFill>
+                <a:latin typeface="Courier"/>
+              </a:rPr>
+              <a:t># Lets practice making a plot!</a:t>
+            </a:r>
+            <a:br/>
+            <a:r>
+              <a:rPr>
+                <a:solidFill>
+                  <a:srgbClr val="5E5E5E"/>
+                </a:solidFill>
+                <a:latin typeface="Courier"/>
+              </a:rPr>
+              <a:t># What are the ways you want to see data and lets try them!</a:t>
+            </a:r>
+          </a:p>
+        </p:txBody>
+      </p:sp>
     </p:spTree>
   </p:cSld>
 </p:sld>

--- a/docs/lectures/lecture_02/02_01_lecture_powerpoint.pptx
+++ b/docs/lectures/lecture_02/02_01_lecture_powerpoint.pptx
@@ -4509,7 +4509,7 @@
                       </a:pPr>
                       <a:r>
                         <a:rPr/>
-                        <a:t>mean_len_mm</a:t>
+                        <a:t>mean_length_mm</a:t>
                       </a:r>
                     </a:p>
                   </a:txBody>
@@ -4525,7 +4525,7 @@
                       </a:pPr>
                       <a:r>
                         <a:rPr/>
-                        <a:t>sd_len_mm</a:t>
+                        <a:t>sd_length_mm</a:t>
                       </a:r>
                     </a:p>
                   </a:txBody>
@@ -4541,7 +4541,7 @@
                       </a:pPr>
                       <a:r>
                         <a:rPr/>
-                        <a:t>min_len_mms</a:t>
+                        <a:t>min_length_mms</a:t>
                       </a:r>
                     </a:p>
                   </a:txBody>
@@ -4557,7 +4557,7 @@
                       </a:pPr>
                       <a:r>
                         <a:rPr/>
-                        <a:t>max_len_mm</a:t>
+                        <a:t>max_length_mm</a:t>
                       </a:r>
                     </a:p>
                   </a:txBody>
@@ -6400,7 +6400,7 @@
                 </a:solidFill>
                 <a:latin typeface="Courier"/>
               </a:rPr>
-              <a:t> len_mm)) </a:t>
+              <a:t> length_mm)) </a:t>
             </a:r>
             <a:r>
               <a:rPr>
@@ -7263,7 +7263,7 @@
                 </a:solidFill>
                 <a:latin typeface="Courier"/>
               </a:rPr>
-              <a:t> len_mm)) </a:t>
+              <a:t> length_mm)) </a:t>
             </a:r>
             <a:r>
               <a:rPr>
@@ -9714,7 +9714,7 @@
                 </a:solidFill>
                 <a:latin typeface="Courier"/>
               </a:rPr>
-              <a:t> len_mm, </a:t>
+              <a:t> length_mm, </a:t>
             </a:r>
             <a:r>
               <a:rPr>
@@ -12490,12 +12490,12 @@
               </a:rPr>
               <a:t>Rows: 48
 Columns: 6
-$ date    &lt;chr&gt; "3/20/25", "3/20/25", "3/20/25", "3/20/25", "3/20/25", "3/20/2…
-$ group   &lt;chr&gt; "cephalopods", "cephalopods", "cephalopods", "cephalopods", "c…
-$ n_s     &lt;chr&gt; "n", "n", "n", "n", "n", "n", "s", "s", "s", "s", "s", "s", "n…
-$ wind    &lt;chr&gt; "lee", "lee", "lee", "lee", "lee", "lee", "wind", "wind", "win…
-$ tree_no &lt;dbl&gt; 1, 1, 1, 1, 1, 1, 1, 1, 1, 1, 1, 1, 2, 2, 2, 2, 2, 2, 2, 2, 2,…
-$ len_mm  &lt;dbl&gt; 20, 21, 23, 25, 21, 16, 15, 16, 14, 17, 13, 15, 19, 18, 20, 23…</a:t>
+$ date      &lt;chr&gt; "3/20/25", "3/20/25", "3/20/25", "3/20/25", "3/20/25", "3/20…
+$ group     &lt;chr&gt; "cephalopods", "cephalopods", "cephalopods", "cephalopods", …
+$ n_s       &lt;chr&gt; "n", "n", "n", "n", "n", "n", "s", "s", "s", "s", "s", "s", …
+$ wind      &lt;chr&gt; "lee", "lee", "lee", "lee", "lee", "lee", "wind", "wind", "w…
+$ tree_no   &lt;dbl&gt; 1, 1, 1, 1, 1, 1, 1, 1, 1, 1, 1, 1, 2, 2, 2, 2, 2, 2, 2, 2, …
+$ length_mm &lt;dbl&gt; 20, 21, 23, 25, 21, 16, 15, 16, 14, 17, 13, 15, 19, 18, 20, …</a:t>
             </a:r>
           </a:p>
           <a:p>

--- a/docs/lectures/lecture_02/02_01_lecture_powerpoint.pptx
+++ b/docs/lectures/lecture_02/02_01_lecture_powerpoint.pptx
@@ -4366,11 +4366,8 @@
         <p:spPr>
           <a:xfrm>
             <a:off x="0" y="0"/>
-            <a:ext cx="9144000" cy="602780"/>
+            <a:ext cx="9144000" cy="582780"/>
           </a:xfrm>
-          <a:solidFill>
-            <a:srgbClr val="70121D"/>
-          </a:solidFill>
         </p:spPr>
         <p:txBody>
           <a:bodyPr/>
@@ -4397,7 +4394,7 @@
             <a:spLocks noGrp="1"/>
           </p:cNvSpPr>
           <p:nvPr>
-            <p:ph idx="1" sz="half"/>
+            <p:ph idx="1"/>
           </p:nvPr>
         </p:nvSpPr>
         <p:spPr/>
@@ -4438,314 +4435,1132 @@
           </a:p>
         </p:txBody>
       </p:sp>
-      <p:graphicFrame>
+      <p:graphicFrame xmlns:a="http://schemas.openxmlformats.org/drawingml/2006/main" xmlns:r="http://schemas.openxmlformats.org/officeDocument/2006/relationships" xmlns:p="http://schemas.openxmlformats.org/presentationml/2006/main">
         <p:nvGraphicFramePr>
-          <p:cNvPr id="6" name="Content Placeholder 5"/>
+          <p:cNvPr id="867139727" name=""/>
           <p:cNvGraphicFramePr>
-            <a:graphicFrameLocks noGrp="1"/>
+            <a:graphicFrameLocks noGrp="true"/>
           </p:cNvGraphicFramePr>
-          <p:nvPr>
-            <p:ph idx="1"/>
-          </p:nvPr>
+          <p:nvPr/>
         </p:nvGraphicFramePr>
-        <p:xfrm>
-          <a:off x="6121400" y="660400"/>
-          <a:ext cx="2781300" cy="4470400"/>
+        <p:xfrm rot="0">
+          <a:off x="914400" y="1828800"/>
+          <a:ext cx="9144000" cy="5486400"/>
         </p:xfrm>
         <a:graphic>
           <a:graphicData uri="http://schemas.openxmlformats.org/drawingml/2006/table">
             <a:tbl>
-              <a:tblPr firstRow="1" bandRow="1">
-                <a:tableStyleId>{5C22544A-7EE6-4342-B048-85BDC9FD1C3A}</a:tableStyleId>
-              </a:tblPr>
+              <a:tblPr/>
               <a:tblGrid>
-                <a:gridCol w="457200"/>
-                <a:gridCol w="457200"/>
-                <a:gridCol w="457200"/>
-                <a:gridCol w="457200"/>
-                <a:gridCol w="457200"/>
-                <a:gridCol w="457200"/>
+                <a:gridCol w="685800"/>
+                <a:gridCol w="685800"/>
+                <a:gridCol w="685800"/>
+                <a:gridCol w="685800"/>
+                <a:gridCol w="685800"/>
+                <a:gridCol w="685800"/>
               </a:tblGrid>
-              <a:tr h="0">
+              <a:tr h="228600">
                 <a:tc>
                   <a:txBody>
                     <a:bodyPr/>
                     <a:lstStyle/>
                     <a:p>
-                      <a:pPr lvl="0" indent="0" marL="0" algn="l">
+                      <a:pPr algn="l" marL="63500" marR="63500">
+                        <a:lnSpc>
+                          <a:spcPct val="100000"/>
+                        </a:lnSpc>
+                        <a:spcBef>
+                          <a:spcPts val="500"/>
+                        </a:spcBef>
+                        <a:spcAft>
+                          <a:spcPts val="500"/>
+                        </a:spcAft>
                         <a:buNone/>
                       </a:pPr>
                       <a:r>
-                        <a:rPr/>
+                        <a:rPr cap="none" sz="1100" i="0" b="0" u="none">
+                          <a:solidFill>
+                            <a:srgbClr val="000000">
+                              <a:alpha val="100000"/>
+                            </a:srgbClr>
+                          </a:solidFill>
+                          <a:latin typeface="Helvetica"/>
+                          <a:cs typeface="Helvetica"/>
+                          <a:ea typeface="Helvetica"/>
+                          <a:sym typeface="Helvetica"/>
+                        </a:rPr>
                         <a:t>wind</a:t>
                       </a:r>
                     </a:p>
                   </a:txBody>
-                  <a:tcPr/>
+                  <a:tcPr anchor="ctr" marB="63500" marT="63500" marR="0" marL="0">
+                    <a:lnL algn="ctr" cmpd="sng" cap="flat" w="0">
+                      <a:noFill/>
+                      <a:prstDash val="solid"/>
+                    </a:lnL>
+                    <a:lnR algn="ctr" cmpd="sng" cap="flat" w="0">
+                      <a:noFill/>
+                      <a:prstDash val="solid"/>
+                    </a:lnR>
+                    <a:lnT algn="ctr" cmpd="sng" cap="flat" w="19050">
+                      <a:solidFill>
+                        <a:srgbClr val="666666">
+                          <a:alpha val="100000"/>
+                        </a:srgbClr>
+                      </a:solidFill>
+                      <a:prstDash val="solid"/>
+                    </a:lnT>
+                    <a:lnB algn="ctr" cmpd="sng" cap="flat" w="19050">
+                      <a:solidFill>
+                        <a:srgbClr val="666666">
+                          <a:alpha val="100000"/>
+                        </a:srgbClr>
+                      </a:solidFill>
+                      <a:prstDash val="solid"/>
+                    </a:lnB>
+                    <a:solidFill>
+                      <a:srgbClr val="FFFFFF">
+                        <a:alpha val="0"/>
+                      </a:srgbClr>
+                    </a:solidFill>
+                  </a:tcPr>
                 </a:tc>
                 <a:tc>
                   <a:txBody>
                     <a:bodyPr/>
                     <a:lstStyle/>
                     <a:p>
-                      <a:pPr lvl="0" indent="0" marL="0" algn="r">
+                      <a:pPr algn="r" marL="63500" marR="63500">
+                        <a:lnSpc>
+                          <a:spcPct val="100000"/>
+                        </a:lnSpc>
+                        <a:spcBef>
+                          <a:spcPts val="500"/>
+                        </a:spcBef>
+                        <a:spcAft>
+                          <a:spcPts val="500"/>
+                        </a:spcAft>
                         <a:buNone/>
                       </a:pPr>
                       <a:r>
-                        <a:rPr/>
+                        <a:rPr cap="none" sz="1100" i="0" b="0" u="none">
+                          <a:solidFill>
+                            <a:srgbClr val="000000">
+                              <a:alpha val="100000"/>
+                            </a:srgbClr>
+                          </a:solidFill>
+                          <a:latin typeface="Helvetica"/>
+                          <a:cs typeface="Helvetica"/>
+                          <a:ea typeface="Helvetica"/>
+                          <a:sym typeface="Helvetica"/>
+                        </a:rPr>
                         <a:t>n</a:t>
                       </a:r>
                     </a:p>
                   </a:txBody>
-                  <a:tcPr/>
+                  <a:tcPr anchor="ctr" marB="63500" marT="63500" marR="0" marL="0">
+                    <a:lnL algn="ctr" cmpd="sng" cap="flat" w="0">
+                      <a:noFill/>
+                      <a:prstDash val="solid"/>
+                    </a:lnL>
+                    <a:lnR algn="ctr" cmpd="sng" cap="flat" w="0">
+                      <a:noFill/>
+                      <a:prstDash val="solid"/>
+                    </a:lnR>
+                    <a:lnT algn="ctr" cmpd="sng" cap="flat" w="19050">
+                      <a:solidFill>
+                        <a:srgbClr val="666666">
+                          <a:alpha val="100000"/>
+                        </a:srgbClr>
+                      </a:solidFill>
+                      <a:prstDash val="solid"/>
+                    </a:lnT>
+                    <a:lnB algn="ctr" cmpd="sng" cap="flat" w="19050">
+                      <a:solidFill>
+                        <a:srgbClr val="666666">
+                          <a:alpha val="100000"/>
+                        </a:srgbClr>
+                      </a:solidFill>
+                      <a:prstDash val="solid"/>
+                    </a:lnB>
+                    <a:solidFill>
+                      <a:srgbClr val="FFFFFF">
+                        <a:alpha val="0"/>
+                      </a:srgbClr>
+                    </a:solidFill>
+                  </a:tcPr>
                 </a:tc>
                 <a:tc>
                   <a:txBody>
                     <a:bodyPr/>
                     <a:lstStyle/>
                     <a:p>
-                      <a:pPr lvl="0" indent="0" marL="0" algn="r">
+                      <a:pPr algn="r" marL="63500" marR="63500">
+                        <a:lnSpc>
+                          <a:spcPct val="100000"/>
+                        </a:lnSpc>
+                        <a:spcBef>
+                          <a:spcPts val="500"/>
+                        </a:spcBef>
+                        <a:spcAft>
+                          <a:spcPts val="500"/>
+                        </a:spcAft>
                         <a:buNone/>
                       </a:pPr>
                       <a:r>
-                        <a:rPr/>
-                        <a:t>mean_length_mm</a:t>
+                        <a:rPr cap="none" sz="1100" i="0" b="0" u="none">
+                          <a:solidFill>
+                            <a:srgbClr val="000000">
+                              <a:alpha val="100000"/>
+                            </a:srgbClr>
+                          </a:solidFill>
+                          <a:latin typeface="Helvetica"/>
+                          <a:cs typeface="Helvetica"/>
+                          <a:ea typeface="Helvetica"/>
+                          <a:sym typeface="Helvetica"/>
+                        </a:rPr>
+                        <a:t>mean_mm</a:t>
                       </a:r>
                     </a:p>
                   </a:txBody>
-                  <a:tcPr/>
+                  <a:tcPr anchor="ctr" marB="63500" marT="63500" marR="0" marL="0">
+                    <a:lnL algn="ctr" cmpd="sng" cap="flat" w="0">
+                      <a:noFill/>
+                      <a:prstDash val="solid"/>
+                    </a:lnL>
+                    <a:lnR algn="ctr" cmpd="sng" cap="flat" w="0">
+                      <a:noFill/>
+                      <a:prstDash val="solid"/>
+                    </a:lnR>
+                    <a:lnT algn="ctr" cmpd="sng" cap="flat" w="19050">
+                      <a:solidFill>
+                        <a:srgbClr val="666666">
+                          <a:alpha val="100000"/>
+                        </a:srgbClr>
+                      </a:solidFill>
+                      <a:prstDash val="solid"/>
+                    </a:lnT>
+                    <a:lnB algn="ctr" cmpd="sng" cap="flat" w="19050">
+                      <a:solidFill>
+                        <a:srgbClr val="666666">
+                          <a:alpha val="100000"/>
+                        </a:srgbClr>
+                      </a:solidFill>
+                      <a:prstDash val="solid"/>
+                    </a:lnB>
+                    <a:solidFill>
+                      <a:srgbClr val="FFFFFF">
+                        <a:alpha val="0"/>
+                      </a:srgbClr>
+                    </a:solidFill>
+                  </a:tcPr>
                 </a:tc>
                 <a:tc>
                   <a:txBody>
                     <a:bodyPr/>
                     <a:lstStyle/>
                     <a:p>
-                      <a:pPr lvl="0" indent="0" marL="0" algn="r">
+                      <a:pPr algn="r" marL="63500" marR="63500">
+                        <a:lnSpc>
+                          <a:spcPct val="100000"/>
+                        </a:lnSpc>
+                        <a:spcBef>
+                          <a:spcPts val="500"/>
+                        </a:spcBef>
+                        <a:spcAft>
+                          <a:spcPts val="500"/>
+                        </a:spcAft>
                         <a:buNone/>
                       </a:pPr>
                       <a:r>
-                        <a:rPr/>
-                        <a:t>sd_length_mm</a:t>
+                        <a:rPr cap="none" sz="1100" i="0" b="0" u="none">
+                          <a:solidFill>
+                            <a:srgbClr val="000000">
+                              <a:alpha val="100000"/>
+                            </a:srgbClr>
+                          </a:solidFill>
+                          <a:latin typeface="Helvetica"/>
+                          <a:cs typeface="Helvetica"/>
+                          <a:ea typeface="Helvetica"/>
+                          <a:sym typeface="Helvetica"/>
+                        </a:rPr>
+                        <a:t>sd_mm</a:t>
                       </a:r>
                     </a:p>
                   </a:txBody>
-                  <a:tcPr/>
+                  <a:tcPr anchor="ctr" marB="63500" marT="63500" marR="0" marL="0">
+                    <a:lnL algn="ctr" cmpd="sng" cap="flat" w="0">
+                      <a:noFill/>
+                      <a:prstDash val="solid"/>
+                    </a:lnL>
+                    <a:lnR algn="ctr" cmpd="sng" cap="flat" w="0">
+                      <a:noFill/>
+                      <a:prstDash val="solid"/>
+                    </a:lnR>
+                    <a:lnT algn="ctr" cmpd="sng" cap="flat" w="19050">
+                      <a:solidFill>
+                        <a:srgbClr val="666666">
+                          <a:alpha val="100000"/>
+                        </a:srgbClr>
+                      </a:solidFill>
+                      <a:prstDash val="solid"/>
+                    </a:lnT>
+                    <a:lnB algn="ctr" cmpd="sng" cap="flat" w="19050">
+                      <a:solidFill>
+                        <a:srgbClr val="666666">
+                          <a:alpha val="100000"/>
+                        </a:srgbClr>
+                      </a:solidFill>
+                      <a:prstDash val="solid"/>
+                    </a:lnB>
+                    <a:solidFill>
+                      <a:srgbClr val="FFFFFF">
+                        <a:alpha val="0"/>
+                      </a:srgbClr>
+                    </a:solidFill>
+                  </a:tcPr>
                 </a:tc>
                 <a:tc>
                   <a:txBody>
                     <a:bodyPr/>
                     <a:lstStyle/>
                     <a:p>
-                      <a:pPr lvl="0" indent="0" marL="0" algn="r">
+                      <a:pPr algn="r" marL="63500" marR="63500">
+                        <a:lnSpc>
+                          <a:spcPct val="100000"/>
+                        </a:lnSpc>
+                        <a:spcBef>
+                          <a:spcPts val="500"/>
+                        </a:spcBef>
+                        <a:spcAft>
+                          <a:spcPts val="500"/>
+                        </a:spcAft>
                         <a:buNone/>
                       </a:pPr>
                       <a:r>
-                        <a:rPr/>
-                        <a:t>min_length_mms</a:t>
+                        <a:rPr cap="none" sz="1100" i="0" b="0" u="none">
+                          <a:solidFill>
+                            <a:srgbClr val="000000">
+                              <a:alpha val="100000"/>
+                            </a:srgbClr>
+                          </a:solidFill>
+                          <a:latin typeface="Helvetica"/>
+                          <a:cs typeface="Helvetica"/>
+                          <a:ea typeface="Helvetica"/>
+                          <a:sym typeface="Helvetica"/>
+                        </a:rPr>
+                        <a:t>min_mms</a:t>
                       </a:r>
                     </a:p>
                   </a:txBody>
-                  <a:tcPr/>
+                  <a:tcPr anchor="ctr" marB="63500" marT="63500" marR="0" marL="0">
+                    <a:lnL algn="ctr" cmpd="sng" cap="flat" w="0">
+                      <a:noFill/>
+                      <a:prstDash val="solid"/>
+                    </a:lnL>
+                    <a:lnR algn="ctr" cmpd="sng" cap="flat" w="0">
+                      <a:noFill/>
+                      <a:prstDash val="solid"/>
+                    </a:lnR>
+                    <a:lnT algn="ctr" cmpd="sng" cap="flat" w="19050">
+                      <a:solidFill>
+                        <a:srgbClr val="666666">
+                          <a:alpha val="100000"/>
+                        </a:srgbClr>
+                      </a:solidFill>
+                      <a:prstDash val="solid"/>
+                    </a:lnT>
+                    <a:lnB algn="ctr" cmpd="sng" cap="flat" w="19050">
+                      <a:solidFill>
+                        <a:srgbClr val="666666">
+                          <a:alpha val="100000"/>
+                        </a:srgbClr>
+                      </a:solidFill>
+                      <a:prstDash val="solid"/>
+                    </a:lnB>
+                    <a:solidFill>
+                      <a:srgbClr val="FFFFFF">
+                        <a:alpha val="0"/>
+                      </a:srgbClr>
+                    </a:solidFill>
+                  </a:tcPr>
                 </a:tc>
                 <a:tc>
                   <a:txBody>
                     <a:bodyPr/>
                     <a:lstStyle/>
                     <a:p>
-                      <a:pPr lvl="0" indent="0" marL="0" algn="r">
+                      <a:pPr algn="r" marL="63500" marR="63500">
+                        <a:lnSpc>
+                          <a:spcPct val="100000"/>
+                        </a:lnSpc>
+                        <a:spcBef>
+                          <a:spcPts val="500"/>
+                        </a:spcBef>
+                        <a:spcAft>
+                          <a:spcPts val="500"/>
+                        </a:spcAft>
                         <a:buNone/>
                       </a:pPr>
                       <a:r>
-                        <a:rPr/>
-                        <a:t>max_length_mm</a:t>
+                        <a:rPr cap="none" sz="1100" i="0" b="0" u="none">
+                          <a:solidFill>
+                            <a:srgbClr val="000000">
+                              <a:alpha val="100000"/>
+                            </a:srgbClr>
+                          </a:solidFill>
+                          <a:latin typeface="Helvetica"/>
+                          <a:cs typeface="Helvetica"/>
+                          <a:ea typeface="Helvetica"/>
+                          <a:sym typeface="Helvetica"/>
+                        </a:rPr>
+                        <a:t>max_mm</a:t>
                       </a:r>
                     </a:p>
                   </a:txBody>
-                  <a:tcPr/>
+                  <a:tcPr anchor="ctr" marB="63500" marT="63500" marR="0" marL="0">
+                    <a:lnL algn="ctr" cmpd="sng" cap="flat" w="0">
+                      <a:noFill/>
+                      <a:prstDash val="solid"/>
+                    </a:lnL>
+                    <a:lnR algn="ctr" cmpd="sng" cap="flat" w="0">
+                      <a:noFill/>
+                      <a:prstDash val="solid"/>
+                    </a:lnR>
+                    <a:lnT algn="ctr" cmpd="sng" cap="flat" w="19050">
+                      <a:solidFill>
+                        <a:srgbClr val="666666">
+                          <a:alpha val="100000"/>
+                        </a:srgbClr>
+                      </a:solidFill>
+                      <a:prstDash val="solid"/>
+                    </a:lnT>
+                    <a:lnB algn="ctr" cmpd="sng" cap="flat" w="19050">
+                      <a:solidFill>
+                        <a:srgbClr val="666666">
+                          <a:alpha val="100000"/>
+                        </a:srgbClr>
+                      </a:solidFill>
+                      <a:prstDash val="solid"/>
+                    </a:lnB>
+                    <a:solidFill>
+                      <a:srgbClr val="FFFFFF">
+                        <a:alpha val="0"/>
+                      </a:srgbClr>
+                    </a:solidFill>
+                  </a:tcPr>
                 </a:tc>
               </a:tr>
-              <a:tr h="0">
+              <a:tr h="228600">
                 <a:tc>
                   <a:txBody>
                     <a:bodyPr/>
                     <a:lstStyle/>
                     <a:p>
-                      <a:pPr lvl="0" indent="0" marL="0" algn="l">
+                      <a:pPr algn="l" marL="63500" marR="63500">
+                        <a:lnSpc>
+                          <a:spcPct val="100000"/>
+                        </a:lnSpc>
+                        <a:spcBef>
+                          <a:spcPts val="500"/>
+                        </a:spcBef>
+                        <a:spcAft>
+                          <a:spcPts val="500"/>
+                        </a:spcAft>
                         <a:buNone/>
                       </a:pPr>
                       <a:r>
-                        <a:rPr/>
+                        <a:rPr cap="none" sz="1100" i="0" b="0" u="none">
+                          <a:solidFill>
+                            <a:srgbClr val="000000">
+                              <a:alpha val="100000"/>
+                            </a:srgbClr>
+                          </a:solidFill>
+                          <a:latin typeface="Helvetica"/>
+                          <a:cs typeface="Helvetica"/>
+                          <a:ea typeface="Helvetica"/>
+                          <a:sym typeface="Helvetica"/>
+                        </a:rPr>
                         <a:t>lee</a:t>
                       </a:r>
                     </a:p>
                   </a:txBody>
+                  <a:tcPr anchor="ctr" marB="63500" marT="63500" marR="0" marL="0">
+                    <a:lnL algn="ctr" cmpd="sng" cap="flat" w="0">
+                      <a:noFill/>
+                      <a:prstDash val="solid"/>
+                    </a:lnL>
+                    <a:lnR algn="ctr" cmpd="sng" cap="flat" w="0">
+                      <a:noFill/>
+                      <a:prstDash val="solid"/>
+                    </a:lnR>
+                    <a:lnT algn="ctr" cmpd="sng" cap="flat" w="0">
+                      <a:noFill/>
+                      <a:prstDash val="solid"/>
+                    </a:lnT>
+                    <a:lnB algn="ctr" cmpd="sng" cap="flat" w="0">
+                      <a:noFill/>
+                      <a:prstDash val="solid"/>
+                    </a:lnB>
+                    <a:solidFill>
+                      <a:srgbClr val="FFFFFF">
+                        <a:alpha val="0"/>
+                      </a:srgbClr>
+                    </a:solidFill>
+                  </a:tcPr>
                 </a:tc>
                 <a:tc>
                   <a:txBody>
                     <a:bodyPr/>
                     <a:lstStyle/>
                     <a:p>
-                      <a:pPr lvl="0" indent="0" marL="0" algn="r">
+                      <a:pPr algn="r" marL="63500" marR="63500">
+                        <a:lnSpc>
+                          <a:spcPct val="100000"/>
+                        </a:lnSpc>
+                        <a:spcBef>
+                          <a:spcPts val="500"/>
+                        </a:spcBef>
+                        <a:spcAft>
+                          <a:spcPts val="500"/>
+                        </a:spcAft>
                         <a:buNone/>
                       </a:pPr>
                       <a:r>
-                        <a:rPr/>
+                        <a:rPr cap="none" sz="1100" i="0" b="0" u="none">
+                          <a:solidFill>
+                            <a:srgbClr val="000000">
+                              <a:alpha val="100000"/>
+                            </a:srgbClr>
+                          </a:solidFill>
+                          <a:latin typeface="Helvetica"/>
+                          <a:cs typeface="Helvetica"/>
+                          <a:ea typeface="Helvetica"/>
+                          <a:sym typeface="Helvetica"/>
+                        </a:rPr>
                         <a:t>24</a:t>
                       </a:r>
                     </a:p>
                   </a:txBody>
+                  <a:tcPr anchor="ctr" marB="63500" marT="63500" marR="0" marL="0">
+                    <a:lnL algn="ctr" cmpd="sng" cap="flat" w="0">
+                      <a:noFill/>
+                      <a:prstDash val="solid"/>
+                    </a:lnL>
+                    <a:lnR algn="ctr" cmpd="sng" cap="flat" w="0">
+                      <a:noFill/>
+                      <a:prstDash val="solid"/>
+                    </a:lnR>
+                    <a:lnT algn="ctr" cmpd="sng" cap="flat" w="0">
+                      <a:noFill/>
+                      <a:prstDash val="solid"/>
+                    </a:lnT>
+                    <a:lnB algn="ctr" cmpd="sng" cap="flat" w="0">
+                      <a:noFill/>
+                      <a:prstDash val="solid"/>
+                    </a:lnB>
+                    <a:solidFill>
+                      <a:srgbClr val="FFFFFF">
+                        <a:alpha val="0"/>
+                      </a:srgbClr>
+                    </a:solidFill>
+                  </a:tcPr>
                 </a:tc>
                 <a:tc>
                   <a:txBody>
                     <a:bodyPr/>
                     <a:lstStyle/>
                     <a:p>
-                      <a:pPr lvl="0" indent="0" marL="0" algn="r">
+                      <a:pPr algn="r" marL="63500" marR="63500">
+                        <a:lnSpc>
+                          <a:spcPct val="100000"/>
+                        </a:lnSpc>
+                        <a:spcBef>
+                          <a:spcPts val="500"/>
+                        </a:spcBef>
+                        <a:spcAft>
+                          <a:spcPts val="500"/>
+                        </a:spcAft>
                         <a:buNone/>
                       </a:pPr>
                       <a:r>
-                        <a:rPr/>
+                        <a:rPr cap="none" sz="1100" i="0" b="0" u="none">
+                          <a:solidFill>
+                            <a:srgbClr val="000000">
+                              <a:alpha val="100000"/>
+                            </a:srgbClr>
+                          </a:solidFill>
+                          <a:latin typeface="Helvetica"/>
+                          <a:cs typeface="Helvetica"/>
+                          <a:ea typeface="Helvetica"/>
+                          <a:sym typeface="Helvetica"/>
+                        </a:rPr>
                         <a:t>20</a:t>
                       </a:r>
                     </a:p>
                   </a:txBody>
+                  <a:tcPr anchor="ctr" marB="63500" marT="63500" marR="0" marL="0">
+                    <a:lnL algn="ctr" cmpd="sng" cap="flat" w="0">
+                      <a:noFill/>
+                      <a:prstDash val="solid"/>
+                    </a:lnL>
+                    <a:lnR algn="ctr" cmpd="sng" cap="flat" w="0">
+                      <a:noFill/>
+                      <a:prstDash val="solid"/>
+                    </a:lnR>
+                    <a:lnT algn="ctr" cmpd="sng" cap="flat" w="0">
+                      <a:noFill/>
+                      <a:prstDash val="solid"/>
+                    </a:lnT>
+                    <a:lnB algn="ctr" cmpd="sng" cap="flat" w="0">
+                      <a:noFill/>
+                      <a:prstDash val="solid"/>
+                    </a:lnB>
+                    <a:solidFill>
+                      <a:srgbClr val="FFFFFF">
+                        <a:alpha val="0"/>
+                      </a:srgbClr>
+                    </a:solidFill>
+                  </a:tcPr>
                 </a:tc>
                 <a:tc>
                   <a:txBody>
                     <a:bodyPr/>
                     <a:lstStyle/>
                     <a:p>
-                      <a:pPr lvl="0" indent="0" marL="0" algn="r">
+                      <a:pPr algn="r" marL="63500" marR="63500">
+                        <a:lnSpc>
+                          <a:spcPct val="100000"/>
+                        </a:lnSpc>
+                        <a:spcBef>
+                          <a:spcPts val="500"/>
+                        </a:spcBef>
+                        <a:spcAft>
+                          <a:spcPts val="500"/>
+                        </a:spcAft>
                         <a:buNone/>
                       </a:pPr>
                       <a:r>
-                        <a:rPr/>
+                        <a:rPr cap="none" sz="1100" i="0" b="0" u="none">
+                          <a:solidFill>
+                            <a:srgbClr val="000000">
+                              <a:alpha val="100000"/>
+                            </a:srgbClr>
+                          </a:solidFill>
+                          <a:latin typeface="Helvetica"/>
+                          <a:cs typeface="Helvetica"/>
+                          <a:ea typeface="Helvetica"/>
+                          <a:sym typeface="Helvetica"/>
+                        </a:rPr>
                         <a:t>2.45</a:t>
                       </a:r>
                     </a:p>
                   </a:txBody>
+                  <a:tcPr anchor="ctr" marB="63500" marT="63500" marR="0" marL="0">
+                    <a:lnL algn="ctr" cmpd="sng" cap="flat" w="0">
+                      <a:noFill/>
+                      <a:prstDash val="solid"/>
+                    </a:lnL>
+                    <a:lnR algn="ctr" cmpd="sng" cap="flat" w="0">
+                      <a:noFill/>
+                      <a:prstDash val="solid"/>
+                    </a:lnR>
+                    <a:lnT algn="ctr" cmpd="sng" cap="flat" w="0">
+                      <a:noFill/>
+                      <a:prstDash val="solid"/>
+                    </a:lnT>
+                    <a:lnB algn="ctr" cmpd="sng" cap="flat" w="0">
+                      <a:noFill/>
+                      <a:prstDash val="solid"/>
+                    </a:lnB>
+                    <a:solidFill>
+                      <a:srgbClr val="FFFFFF">
+                        <a:alpha val="0"/>
+                      </a:srgbClr>
+                    </a:solidFill>
+                  </a:tcPr>
                 </a:tc>
                 <a:tc>
                   <a:txBody>
                     <a:bodyPr/>
                     <a:lstStyle/>
                     <a:p>
-                      <a:pPr lvl="0" indent="0" marL="0" algn="r">
+                      <a:pPr algn="r" marL="63500" marR="63500">
+                        <a:lnSpc>
+                          <a:spcPct val="100000"/>
+                        </a:lnSpc>
+                        <a:spcBef>
+                          <a:spcPts val="500"/>
+                        </a:spcBef>
+                        <a:spcAft>
+                          <a:spcPts val="500"/>
+                        </a:spcAft>
                         <a:buNone/>
                       </a:pPr>
                       <a:r>
-                        <a:rPr/>
+                        <a:rPr cap="none" sz="1100" i="0" b="0" u="none">
+                          <a:solidFill>
+                            <a:srgbClr val="000000">
+                              <a:alpha val="100000"/>
+                            </a:srgbClr>
+                          </a:solidFill>
+                          <a:latin typeface="Helvetica"/>
+                          <a:cs typeface="Helvetica"/>
+                          <a:ea typeface="Helvetica"/>
+                          <a:sym typeface="Helvetica"/>
+                        </a:rPr>
                         <a:t>16</a:t>
                       </a:r>
                     </a:p>
                   </a:txBody>
+                  <a:tcPr anchor="ctr" marB="63500" marT="63500" marR="0" marL="0">
+                    <a:lnL algn="ctr" cmpd="sng" cap="flat" w="0">
+                      <a:noFill/>
+                      <a:prstDash val="solid"/>
+                    </a:lnL>
+                    <a:lnR algn="ctr" cmpd="sng" cap="flat" w="0">
+                      <a:noFill/>
+                      <a:prstDash val="solid"/>
+                    </a:lnR>
+                    <a:lnT algn="ctr" cmpd="sng" cap="flat" w="0">
+                      <a:noFill/>
+                      <a:prstDash val="solid"/>
+                    </a:lnT>
+                    <a:lnB algn="ctr" cmpd="sng" cap="flat" w="0">
+                      <a:noFill/>
+                      <a:prstDash val="solid"/>
+                    </a:lnB>
+                    <a:solidFill>
+                      <a:srgbClr val="FFFFFF">
+                        <a:alpha val="0"/>
+                      </a:srgbClr>
+                    </a:solidFill>
+                  </a:tcPr>
                 </a:tc>
                 <a:tc>
                   <a:txBody>
                     <a:bodyPr/>
                     <a:lstStyle/>
                     <a:p>
-                      <a:pPr lvl="0" indent="0" marL="0" algn="r">
+                      <a:pPr algn="r" marL="63500" marR="63500">
+                        <a:lnSpc>
+                          <a:spcPct val="100000"/>
+                        </a:lnSpc>
+                        <a:spcBef>
+                          <a:spcPts val="500"/>
+                        </a:spcBef>
+                        <a:spcAft>
+                          <a:spcPts val="500"/>
+                        </a:spcAft>
                         <a:buNone/>
                       </a:pPr>
                       <a:r>
-                        <a:rPr/>
+                        <a:rPr cap="none" sz="1100" i="0" b="0" u="none">
+                          <a:solidFill>
+                            <a:srgbClr val="000000">
+                              <a:alpha val="100000"/>
+                            </a:srgbClr>
+                          </a:solidFill>
+                          <a:latin typeface="Helvetica"/>
+                          <a:cs typeface="Helvetica"/>
+                          <a:ea typeface="Helvetica"/>
+                          <a:sym typeface="Helvetica"/>
+                        </a:rPr>
                         <a:t>25</a:t>
                       </a:r>
                     </a:p>
                   </a:txBody>
+                  <a:tcPr anchor="ctr" marB="63500" marT="63500" marR="0" marL="0">
+                    <a:lnL algn="ctr" cmpd="sng" cap="flat" w="0">
+                      <a:noFill/>
+                      <a:prstDash val="solid"/>
+                    </a:lnL>
+                    <a:lnR algn="ctr" cmpd="sng" cap="flat" w="0">
+                      <a:noFill/>
+                      <a:prstDash val="solid"/>
+                    </a:lnR>
+                    <a:lnT algn="ctr" cmpd="sng" cap="flat" w="0">
+                      <a:noFill/>
+                      <a:prstDash val="solid"/>
+                    </a:lnT>
+                    <a:lnB algn="ctr" cmpd="sng" cap="flat" w="0">
+                      <a:noFill/>
+                      <a:prstDash val="solid"/>
+                    </a:lnB>
+                    <a:solidFill>
+                      <a:srgbClr val="FFFFFF">
+                        <a:alpha val="0"/>
+                      </a:srgbClr>
+                    </a:solidFill>
+                  </a:tcPr>
                 </a:tc>
               </a:tr>
-              <a:tr h="0">
+              <a:tr h="228600">
                 <a:tc>
                   <a:txBody>
                     <a:bodyPr/>
                     <a:lstStyle/>
                     <a:p>
-                      <a:pPr lvl="0" indent="0" marL="0" algn="l">
+                      <a:pPr algn="l" marL="63500" marR="63500">
+                        <a:lnSpc>
+                          <a:spcPct val="100000"/>
+                        </a:lnSpc>
+                        <a:spcBef>
+                          <a:spcPts val="500"/>
+                        </a:spcBef>
+                        <a:spcAft>
+                          <a:spcPts val="500"/>
+                        </a:spcAft>
                         <a:buNone/>
                       </a:pPr>
                       <a:r>
-                        <a:rPr/>
+                        <a:rPr cap="none" sz="1100" i="0" b="0" u="none">
+                          <a:solidFill>
+                            <a:srgbClr val="000000">
+                              <a:alpha val="100000"/>
+                            </a:srgbClr>
+                          </a:solidFill>
+                          <a:latin typeface="Helvetica"/>
+                          <a:cs typeface="Helvetica"/>
+                          <a:ea typeface="Helvetica"/>
+                          <a:sym typeface="Helvetica"/>
+                        </a:rPr>
                         <a:t>wind</a:t>
                       </a:r>
                     </a:p>
                   </a:txBody>
+                  <a:tcPr anchor="ctr" marB="63500" marT="63500" marR="0" marL="0">
+                    <a:lnL algn="ctr" cmpd="sng" cap="flat" w="0">
+                      <a:noFill/>
+                      <a:prstDash val="solid"/>
+                    </a:lnL>
+                    <a:lnR algn="ctr" cmpd="sng" cap="flat" w="0">
+                      <a:noFill/>
+                      <a:prstDash val="solid"/>
+                    </a:lnR>
+                    <a:lnT algn="ctr" cmpd="sng" cap="flat" w="0">
+                      <a:noFill/>
+                      <a:prstDash val="solid"/>
+                    </a:lnT>
+                    <a:lnB algn="ctr" cmpd="sng" cap="flat" w="19050">
+                      <a:solidFill>
+                        <a:srgbClr val="666666">
+                          <a:alpha val="100000"/>
+                        </a:srgbClr>
+                      </a:solidFill>
+                      <a:prstDash val="solid"/>
+                    </a:lnB>
+                    <a:solidFill>
+                      <a:srgbClr val="FFFFFF">
+                        <a:alpha val="0"/>
+                      </a:srgbClr>
+                    </a:solidFill>
+                  </a:tcPr>
                 </a:tc>
                 <a:tc>
                   <a:txBody>
                     <a:bodyPr/>
                     <a:lstStyle/>
                     <a:p>
-                      <a:pPr lvl="0" indent="0" marL="0" algn="r">
+                      <a:pPr algn="r" marL="63500" marR="63500">
+                        <a:lnSpc>
+                          <a:spcPct val="100000"/>
+                        </a:lnSpc>
+                        <a:spcBef>
+                          <a:spcPts val="500"/>
+                        </a:spcBef>
+                        <a:spcAft>
+                          <a:spcPts val="500"/>
+                        </a:spcAft>
                         <a:buNone/>
                       </a:pPr>
                       <a:r>
-                        <a:rPr/>
+                        <a:rPr cap="none" sz="1100" i="0" b="0" u="none">
+                          <a:solidFill>
+                            <a:srgbClr val="000000">
+                              <a:alpha val="100000"/>
+                            </a:srgbClr>
+                          </a:solidFill>
+                          <a:latin typeface="Helvetica"/>
+                          <a:cs typeface="Helvetica"/>
+                          <a:ea typeface="Helvetica"/>
+                          <a:sym typeface="Helvetica"/>
+                        </a:rPr>
                         <a:t>24</a:t>
                       </a:r>
                     </a:p>
                   </a:txBody>
+                  <a:tcPr anchor="ctr" marB="63500" marT="63500" marR="0" marL="0">
+                    <a:lnL algn="ctr" cmpd="sng" cap="flat" w="0">
+                      <a:noFill/>
+                      <a:prstDash val="solid"/>
+                    </a:lnL>
+                    <a:lnR algn="ctr" cmpd="sng" cap="flat" w="0">
+                      <a:noFill/>
+                      <a:prstDash val="solid"/>
+                    </a:lnR>
+                    <a:lnT algn="ctr" cmpd="sng" cap="flat" w="0">
+                      <a:noFill/>
+                      <a:prstDash val="solid"/>
+                    </a:lnT>
+                    <a:lnB algn="ctr" cmpd="sng" cap="flat" w="19050">
+                      <a:solidFill>
+                        <a:srgbClr val="666666">
+                          <a:alpha val="100000"/>
+                        </a:srgbClr>
+                      </a:solidFill>
+                      <a:prstDash val="solid"/>
+                    </a:lnB>
+                    <a:solidFill>
+                      <a:srgbClr val="FFFFFF">
+                        <a:alpha val="0"/>
+                      </a:srgbClr>
+                    </a:solidFill>
+                  </a:tcPr>
                 </a:tc>
                 <a:tc>
                   <a:txBody>
                     <a:bodyPr/>
                     <a:lstStyle/>
                     <a:p>
-                      <a:pPr lvl="0" indent="0" marL="0" algn="r">
+                      <a:pPr algn="r" marL="63500" marR="63500">
+                        <a:lnSpc>
+                          <a:spcPct val="100000"/>
+                        </a:lnSpc>
+                        <a:spcBef>
+                          <a:spcPts val="500"/>
+                        </a:spcBef>
+                        <a:spcAft>
+                          <a:spcPts val="500"/>
+                        </a:spcAft>
                         <a:buNone/>
                       </a:pPr>
                       <a:r>
-                        <a:rPr/>
+                        <a:rPr cap="none" sz="1100" i="0" b="0" u="none">
+                          <a:solidFill>
+                            <a:srgbClr val="000000">
+                              <a:alpha val="100000"/>
+                            </a:srgbClr>
+                          </a:solidFill>
+                          <a:latin typeface="Helvetica"/>
+                          <a:cs typeface="Helvetica"/>
+                          <a:ea typeface="Helvetica"/>
+                          <a:sym typeface="Helvetica"/>
+                        </a:rPr>
                         <a:t>15</a:t>
                       </a:r>
                     </a:p>
                   </a:txBody>
+                  <a:tcPr anchor="ctr" marB="63500" marT="63500" marR="0" marL="0">
+                    <a:lnL algn="ctr" cmpd="sng" cap="flat" w="0">
+                      <a:noFill/>
+                      <a:prstDash val="solid"/>
+                    </a:lnL>
+                    <a:lnR algn="ctr" cmpd="sng" cap="flat" w="0">
+                      <a:noFill/>
+                      <a:prstDash val="solid"/>
+                    </a:lnR>
+                    <a:lnT algn="ctr" cmpd="sng" cap="flat" w="0">
+                      <a:noFill/>
+                      <a:prstDash val="solid"/>
+                    </a:lnT>
+                    <a:lnB algn="ctr" cmpd="sng" cap="flat" w="19050">
+                      <a:solidFill>
+                        <a:srgbClr val="666666">
+                          <a:alpha val="100000"/>
+                        </a:srgbClr>
+                      </a:solidFill>
+                      <a:prstDash val="solid"/>
+                    </a:lnB>
+                    <a:solidFill>
+                      <a:srgbClr val="FFFFFF">
+                        <a:alpha val="0"/>
+                      </a:srgbClr>
+                    </a:solidFill>
+                  </a:tcPr>
                 </a:tc>
                 <a:tc>
                   <a:txBody>
                     <a:bodyPr/>
                     <a:lstStyle/>
                     <a:p>
-                      <a:pPr lvl="0" indent="0" marL="0" algn="r">
+                      <a:pPr algn="r" marL="63500" marR="63500">
+                        <a:lnSpc>
+                          <a:spcPct val="100000"/>
+                        </a:lnSpc>
+                        <a:spcBef>
+                          <a:spcPts val="500"/>
+                        </a:spcBef>
+                        <a:spcAft>
+                          <a:spcPts val="500"/>
+                        </a:spcAft>
                         <a:buNone/>
                       </a:pPr>
                       <a:r>
-                        <a:rPr/>
+                        <a:rPr cap="none" sz="1100" i="0" b="0" u="none">
+                          <a:solidFill>
+                            <a:srgbClr val="000000">
+                              <a:alpha val="100000"/>
+                            </a:srgbClr>
+                          </a:solidFill>
+                          <a:latin typeface="Helvetica"/>
+                          <a:cs typeface="Helvetica"/>
+                          <a:ea typeface="Helvetica"/>
+                          <a:sym typeface="Helvetica"/>
+                        </a:rPr>
                         <a:t>1.91</a:t>
                       </a:r>
                     </a:p>
                   </a:txBody>
+                  <a:tcPr anchor="ctr" marB="63500" marT="63500" marR="0" marL="0">
+                    <a:lnL algn="ctr" cmpd="sng" cap="flat" w="0">
+                      <a:noFill/>
+                      <a:prstDash val="solid"/>
+                    </a:lnL>
+                    <a:lnR algn="ctr" cmpd="sng" cap="flat" w="0">
+                      <a:noFill/>
+                      <a:prstDash val="solid"/>
+                    </a:lnR>
+                    <a:lnT algn="ctr" cmpd="sng" cap="flat" w="0">
+                      <a:noFill/>
+                      <a:prstDash val="solid"/>
+                    </a:lnT>
+                    <a:lnB algn="ctr" cmpd="sng" cap="flat" w="19050">
+                      <a:solidFill>
+                        <a:srgbClr val="666666">
+                          <a:alpha val="100000"/>
+                        </a:srgbClr>
+                      </a:solidFill>
+                      <a:prstDash val="solid"/>
+                    </a:lnB>
+                    <a:solidFill>
+                      <a:srgbClr val="FFFFFF">
+                        <a:alpha val="0"/>
+                      </a:srgbClr>
+                    </a:solidFill>
+                  </a:tcPr>
                 </a:tc>
                 <a:tc>
                   <a:txBody>
                     <a:bodyPr/>
                     <a:lstStyle/>
                     <a:p>
-                      <a:pPr lvl="0" indent="0" marL="0" algn="r">
+                      <a:pPr algn="r" marL="63500" marR="63500">
+                        <a:lnSpc>
+                          <a:spcPct val="100000"/>
+                        </a:lnSpc>
+                        <a:spcBef>
+                          <a:spcPts val="500"/>
+                        </a:spcBef>
+                        <a:spcAft>
+                          <a:spcPts val="500"/>
+                        </a:spcAft>
                         <a:buNone/>
                       </a:pPr>
                       <a:r>
-                        <a:rPr/>
+                        <a:rPr cap="none" sz="1100" i="0" b="0" u="none">
+                          <a:solidFill>
+                            <a:srgbClr val="000000">
+                              <a:alpha val="100000"/>
+                            </a:srgbClr>
+                          </a:solidFill>
+                          <a:latin typeface="Helvetica"/>
+                          <a:cs typeface="Helvetica"/>
+                          <a:ea typeface="Helvetica"/>
+                          <a:sym typeface="Helvetica"/>
+                        </a:rPr>
                         <a:t>12</a:t>
                       </a:r>
                     </a:p>
                   </a:txBody>
+                  <a:tcPr anchor="ctr" marB="63500" marT="63500" marR="0" marL="0">
+                    <a:lnL algn="ctr" cmpd="sng" cap="flat" w="0">
+                      <a:noFill/>
+                      <a:prstDash val="solid"/>
+                    </a:lnL>
+                    <a:lnR algn="ctr" cmpd="sng" cap="flat" w="0">
+                      <a:noFill/>
+                      <a:prstDash val="solid"/>
+                    </a:lnR>
+                    <a:lnT algn="ctr" cmpd="sng" cap="flat" w="0">
+                      <a:noFill/>
+                      <a:prstDash val="solid"/>
+                    </a:lnT>
+                    <a:lnB algn="ctr" cmpd="sng" cap="flat" w="19050">
+                      <a:solidFill>
+                        <a:srgbClr val="666666">
+                          <a:alpha val="100000"/>
+                        </a:srgbClr>
+                      </a:solidFill>
+                      <a:prstDash val="solid"/>
+                    </a:lnB>
+                    <a:solidFill>
+                      <a:srgbClr val="FFFFFF">
+                        <a:alpha val="0"/>
+                      </a:srgbClr>
+                    </a:solidFill>
+                  </a:tcPr>
                 </a:tc>
                 <a:tc>
                   <a:txBody>
                     <a:bodyPr/>
                     <a:lstStyle/>
                     <a:p>
-                      <a:pPr lvl="0" indent="0" marL="0" algn="r">
+                      <a:pPr algn="r" marL="63500" marR="63500">
+                        <a:lnSpc>
+                          <a:spcPct val="100000"/>
+                        </a:lnSpc>
+                        <a:spcBef>
+                          <a:spcPts val="500"/>
+                        </a:spcBef>
+                        <a:spcAft>
+                          <a:spcPts val="500"/>
+                        </a:spcAft>
                         <a:buNone/>
                       </a:pPr>
                       <a:r>
-                        <a:rPr/>
+                        <a:rPr cap="none" sz="1100" i="0" b="0" u="none">
+                          <a:solidFill>
+                            <a:srgbClr val="000000">
+                              <a:alpha val="100000"/>
+                            </a:srgbClr>
+                          </a:solidFill>
+                          <a:latin typeface="Helvetica"/>
+                          <a:cs typeface="Helvetica"/>
+                          <a:ea typeface="Helvetica"/>
+                          <a:sym typeface="Helvetica"/>
+                        </a:rPr>
                         <a:t>19</a:t>
                       </a:r>
                     </a:p>
                   </a:txBody>
+                  <a:tcPr anchor="ctr" marB="63500" marT="63500" marR="0" marL="0">
+                    <a:lnL algn="ctr" cmpd="sng" cap="flat" w="0">
+                      <a:noFill/>
+                      <a:prstDash val="solid"/>
+                    </a:lnL>
+                    <a:lnR algn="ctr" cmpd="sng" cap="flat" w="0">
+                      <a:noFill/>
+                      <a:prstDash val="solid"/>
+                    </a:lnR>
+                    <a:lnT algn="ctr" cmpd="sng" cap="flat" w="0">
+                      <a:noFill/>
+                      <a:prstDash val="solid"/>
+                    </a:lnT>
+                    <a:lnB algn="ctr" cmpd="sng" cap="flat" w="19050">
+                      <a:solidFill>
+                        <a:srgbClr val="666666">
+                          <a:alpha val="100000"/>
+                        </a:srgbClr>
+                      </a:solidFill>
+                      <a:prstDash val="solid"/>
+                    </a:lnB>
+                    <a:solidFill>
+                      <a:srgbClr val="FFFFFF">
+                        <a:alpha val="0"/>
+                      </a:srgbClr>
+                    </a:solidFill>
+                  </a:tcPr>
                 </a:tc>
               </a:tr>
             </a:tbl>
@@ -4942,11 +5757,8 @@
         <p:spPr>
           <a:xfrm>
             <a:off x="0" y="0"/>
-            <a:ext cx="9144000" cy="602780"/>
+            <a:ext cx="9144000" cy="582780"/>
           </a:xfrm>
-          <a:solidFill>
-            <a:srgbClr val="70121D"/>
-          </a:solidFill>
         </p:spPr>
         <p:txBody>
           <a:bodyPr/>
@@ -4973,7 +5785,7 @@
             <a:spLocks noGrp="1"/>
           </p:cNvSpPr>
           <p:nvPr>
-            <p:ph idx="1" sz="half"/>
+            <p:ph idx="1"/>
           </p:nvPr>
         </p:nvSpPr>
         <p:spPr/>
@@ -5092,575 +5904,2118 @@
           </a:p>
         </p:txBody>
       </p:sp>
-      <p:graphicFrame>
+      <p:graphicFrame xmlns:a="http://schemas.openxmlformats.org/drawingml/2006/main" xmlns:r="http://schemas.openxmlformats.org/officeDocument/2006/relationships" xmlns:p="http://schemas.openxmlformats.org/presentationml/2006/main">
         <p:nvGraphicFramePr>
-          <p:cNvPr id="6" name="Content Placeholder 5"/>
+          <p:cNvPr id="223782494" name=""/>
           <p:cNvGraphicFramePr>
-            <a:graphicFrameLocks noGrp="1"/>
+            <a:graphicFrameLocks noGrp="true"/>
           </p:cNvGraphicFramePr>
-          <p:nvPr>
-            <p:ph idx="1"/>
-          </p:nvPr>
+          <p:nvPr/>
         </p:nvGraphicFramePr>
-        <p:xfrm>
-          <a:off x="6121400" y="660400"/>
-          <a:ext cx="2781300" cy="4470400"/>
+        <p:xfrm rot="0">
+          <a:off x="914400" y="1828800"/>
+          <a:ext cx="9144000" cy="5486400"/>
         </p:xfrm>
         <a:graphic>
           <a:graphicData uri="http://schemas.openxmlformats.org/drawingml/2006/table">
             <a:tbl>
-              <a:tblPr firstRow="1" bandRow="1">
-                <a:tableStyleId>{5C22544A-7EE6-4342-B048-85BDC9FD1C3A}</a:tableStyleId>
-              </a:tblPr>
+              <a:tblPr/>
               <a:tblGrid>
-                <a:gridCol w="508000"/>
-                <a:gridCol w="508000"/>
-                <a:gridCol w="419100"/>
-                <a:gridCol w="127000"/>
-                <a:gridCol w="419100"/>
-                <a:gridCol w="381000"/>
-                <a:gridCol w="419100"/>
+                <a:gridCol w="685800"/>
+                <a:gridCol w="685800"/>
+                <a:gridCol w="685800"/>
+                <a:gridCol w="685800"/>
+                <a:gridCol w="685800"/>
+                <a:gridCol w="685800"/>
+                <a:gridCol w="685800"/>
               </a:tblGrid>
-              <a:tr h="0">
+              <a:tr h="228600">
                 <a:tc>
                   <a:txBody>
                     <a:bodyPr/>
                     <a:lstStyle/>
                     <a:p>
-                      <a:pPr lvl="0" indent="0" marL="0" algn="l">
+                      <a:pPr algn="l" marL="63500" marR="63500">
+                        <a:lnSpc>
+                          <a:spcPct val="100000"/>
+                        </a:lnSpc>
+                        <a:spcBef>
+                          <a:spcPts val="500"/>
+                        </a:spcBef>
+                        <a:spcAft>
+                          <a:spcPts val="500"/>
+                        </a:spcAft>
                         <a:buNone/>
                       </a:pPr>
                       <a:r>
-                        <a:rPr/>
+                        <a:rPr cap="none" sz="1100" i="0" b="0" u="none">
+                          <a:solidFill>
+                            <a:srgbClr val="000000">
+                              <a:alpha val="100000"/>
+                            </a:srgbClr>
+                          </a:solidFill>
+                          <a:latin typeface="Helvetica"/>
+                          <a:cs typeface="Helvetica"/>
+                          <a:ea typeface="Helvetica"/>
+                          <a:sym typeface="Helvetica"/>
+                        </a:rPr>
                         <a:t>group</a:t>
                       </a:r>
                     </a:p>
                   </a:txBody>
-                  <a:tcPr/>
+                  <a:tcPr anchor="ctr" marB="63500" marT="63500" marR="0" marL="0">
+                    <a:lnL algn="ctr" cmpd="sng" cap="flat" w="0">
+                      <a:noFill/>
+                      <a:prstDash val="solid"/>
+                    </a:lnL>
+                    <a:lnR algn="ctr" cmpd="sng" cap="flat" w="0">
+                      <a:noFill/>
+                      <a:prstDash val="solid"/>
+                    </a:lnR>
+                    <a:lnT algn="ctr" cmpd="sng" cap="flat" w="19050">
+                      <a:solidFill>
+                        <a:srgbClr val="666666">
+                          <a:alpha val="100000"/>
+                        </a:srgbClr>
+                      </a:solidFill>
+                      <a:prstDash val="solid"/>
+                    </a:lnT>
+                    <a:lnB algn="ctr" cmpd="sng" cap="flat" w="19050">
+                      <a:solidFill>
+                        <a:srgbClr val="666666">
+                          <a:alpha val="100000"/>
+                        </a:srgbClr>
+                      </a:solidFill>
+                      <a:prstDash val="solid"/>
+                    </a:lnB>
+                    <a:solidFill>
+                      <a:srgbClr val="FFFFFF">
+                        <a:alpha val="0"/>
+                      </a:srgbClr>
+                    </a:solidFill>
+                  </a:tcPr>
                 </a:tc>
                 <a:tc>
                   <a:txBody>
                     <a:bodyPr/>
                     <a:lstStyle/>
                     <a:p>
-                      <a:pPr lvl="0" indent="0" marL="0" algn="r">
+                      <a:pPr algn="r" marL="63500" marR="63500">
+                        <a:lnSpc>
+                          <a:spcPct val="100000"/>
+                        </a:lnSpc>
+                        <a:spcBef>
+                          <a:spcPts val="500"/>
+                        </a:spcBef>
+                        <a:spcAft>
+                          <a:spcPts val="500"/>
+                        </a:spcAft>
                         <a:buNone/>
                       </a:pPr>
                       <a:r>
-                        <a:rPr/>
-                        <a:t>mean_length</a:t>
+                        <a:rPr cap="none" sz="1100" i="0" b="0" u="none">
+                          <a:solidFill>
+                            <a:srgbClr val="000000">
+                              <a:alpha val="100000"/>
+                            </a:srgbClr>
+                          </a:solidFill>
+                          <a:latin typeface="Helvetica"/>
+                          <a:cs typeface="Helvetica"/>
+                          <a:ea typeface="Helvetica"/>
+                          <a:sym typeface="Helvetica"/>
+                        </a:rPr>
+                        <a:t>mean_mm</a:t>
                       </a:r>
                     </a:p>
                   </a:txBody>
-                  <a:tcPr/>
+                  <a:tcPr anchor="ctr" marB="63500" marT="63500" marR="0" marL="0">
+                    <a:lnL algn="ctr" cmpd="sng" cap="flat" w="0">
+                      <a:noFill/>
+                      <a:prstDash val="solid"/>
+                    </a:lnL>
+                    <a:lnR algn="ctr" cmpd="sng" cap="flat" w="0">
+                      <a:noFill/>
+                      <a:prstDash val="solid"/>
+                    </a:lnR>
+                    <a:lnT algn="ctr" cmpd="sng" cap="flat" w="19050">
+                      <a:solidFill>
+                        <a:srgbClr val="666666">
+                          <a:alpha val="100000"/>
+                        </a:srgbClr>
+                      </a:solidFill>
+                      <a:prstDash val="solid"/>
+                    </a:lnT>
+                    <a:lnB algn="ctr" cmpd="sng" cap="flat" w="19050">
+                      <a:solidFill>
+                        <a:srgbClr val="666666">
+                          <a:alpha val="100000"/>
+                        </a:srgbClr>
+                      </a:solidFill>
+                      <a:prstDash val="solid"/>
+                    </a:lnB>
+                    <a:solidFill>
+                      <a:srgbClr val="FFFFFF">
+                        <a:alpha val="0"/>
+                      </a:srgbClr>
+                    </a:solidFill>
+                  </a:tcPr>
                 </a:tc>
                 <a:tc>
                   <a:txBody>
                     <a:bodyPr/>
                     <a:lstStyle/>
                     <a:p>
-                      <a:pPr lvl="0" indent="0" marL="0" algn="r">
+                      <a:pPr algn="r" marL="63500" marR="63500">
+                        <a:lnSpc>
+                          <a:spcPct val="100000"/>
+                        </a:lnSpc>
+                        <a:spcBef>
+                          <a:spcPts val="500"/>
+                        </a:spcBef>
+                        <a:spcAft>
+                          <a:spcPts val="500"/>
+                        </a:spcAft>
                         <a:buNone/>
                       </a:pPr>
                       <a:r>
-                        <a:rPr/>
-                        <a:t>sd_length</a:t>
+                        <a:rPr cap="none" sz="1100" i="0" b="0" u="none">
+                          <a:solidFill>
+                            <a:srgbClr val="000000">
+                              <a:alpha val="100000"/>
+                            </a:srgbClr>
+                          </a:solidFill>
+                          <a:latin typeface="Helvetica"/>
+                          <a:cs typeface="Helvetica"/>
+                          <a:ea typeface="Helvetica"/>
+                          <a:sym typeface="Helvetica"/>
+                        </a:rPr>
+                        <a:t>sd_mm</a:t>
                       </a:r>
                     </a:p>
                   </a:txBody>
-                  <a:tcPr/>
+                  <a:tcPr anchor="ctr" marB="63500" marT="63500" marR="0" marL="0">
+                    <a:lnL algn="ctr" cmpd="sng" cap="flat" w="0">
+                      <a:noFill/>
+                      <a:prstDash val="solid"/>
+                    </a:lnL>
+                    <a:lnR algn="ctr" cmpd="sng" cap="flat" w="0">
+                      <a:noFill/>
+                      <a:prstDash val="solid"/>
+                    </a:lnR>
+                    <a:lnT algn="ctr" cmpd="sng" cap="flat" w="19050">
+                      <a:solidFill>
+                        <a:srgbClr val="666666">
+                          <a:alpha val="100000"/>
+                        </a:srgbClr>
+                      </a:solidFill>
+                      <a:prstDash val="solid"/>
+                    </a:lnT>
+                    <a:lnB algn="ctr" cmpd="sng" cap="flat" w="19050">
+                      <a:solidFill>
+                        <a:srgbClr val="666666">
+                          <a:alpha val="100000"/>
+                        </a:srgbClr>
+                      </a:solidFill>
+                      <a:prstDash val="solid"/>
+                    </a:lnB>
+                    <a:solidFill>
+                      <a:srgbClr val="FFFFFF">
+                        <a:alpha val="0"/>
+                      </a:srgbClr>
+                    </a:solidFill>
+                  </a:tcPr>
                 </a:tc>
                 <a:tc>
                   <a:txBody>
                     <a:bodyPr/>
                     <a:lstStyle/>
                     <a:p>
-                      <a:pPr lvl="0" indent="0" marL="0" algn="r">
+                      <a:pPr algn="r" marL="63500" marR="63500">
+                        <a:lnSpc>
+                          <a:spcPct val="100000"/>
+                        </a:lnSpc>
+                        <a:spcBef>
+                          <a:spcPts val="500"/>
+                        </a:spcBef>
+                        <a:spcAft>
+                          <a:spcPts val="500"/>
+                        </a:spcAft>
                         <a:buNone/>
                       </a:pPr>
                       <a:r>
-                        <a:rPr/>
+                        <a:rPr cap="none" sz="1100" i="0" b="0" u="none">
+                          <a:solidFill>
+                            <a:srgbClr val="000000">
+                              <a:alpha val="100000"/>
+                            </a:srgbClr>
+                          </a:solidFill>
+                          <a:latin typeface="Helvetica"/>
+                          <a:cs typeface="Helvetica"/>
+                          <a:ea typeface="Helvetica"/>
+                          <a:sym typeface="Helvetica"/>
+                        </a:rPr>
                         <a:t>n</a:t>
                       </a:r>
                     </a:p>
                   </a:txBody>
-                  <a:tcPr/>
+                  <a:tcPr anchor="ctr" marB="63500" marT="63500" marR="0" marL="0">
+                    <a:lnL algn="ctr" cmpd="sng" cap="flat" w="0">
+                      <a:noFill/>
+                      <a:prstDash val="solid"/>
+                    </a:lnL>
+                    <a:lnR algn="ctr" cmpd="sng" cap="flat" w="0">
+                      <a:noFill/>
+                      <a:prstDash val="solid"/>
+                    </a:lnR>
+                    <a:lnT algn="ctr" cmpd="sng" cap="flat" w="19050">
+                      <a:solidFill>
+                        <a:srgbClr val="666666">
+                          <a:alpha val="100000"/>
+                        </a:srgbClr>
+                      </a:solidFill>
+                      <a:prstDash val="solid"/>
+                    </a:lnT>
+                    <a:lnB algn="ctr" cmpd="sng" cap="flat" w="19050">
+                      <a:solidFill>
+                        <a:srgbClr val="666666">
+                          <a:alpha val="100000"/>
+                        </a:srgbClr>
+                      </a:solidFill>
+                      <a:prstDash val="solid"/>
+                    </a:lnB>
+                    <a:solidFill>
+                      <a:srgbClr val="FFFFFF">
+                        <a:alpha val="0"/>
+                      </a:srgbClr>
+                    </a:solidFill>
+                  </a:tcPr>
                 </a:tc>
                 <a:tc>
                   <a:txBody>
                     <a:bodyPr/>
                     <a:lstStyle/>
                     <a:p>
-                      <a:pPr lvl="0" indent="0" marL="0" algn="r">
+                      <a:pPr algn="r" marL="63500" marR="63500">
+                        <a:lnSpc>
+                          <a:spcPct val="100000"/>
+                        </a:lnSpc>
+                        <a:spcBef>
+                          <a:spcPts val="500"/>
+                        </a:spcBef>
+                        <a:spcAft>
+                          <a:spcPts val="500"/>
+                        </a:spcAft>
                         <a:buNone/>
                       </a:pPr>
                       <a:r>
-                        <a:rPr/>
-                        <a:t>se_length</a:t>
+                        <a:rPr cap="none" sz="1100" i="0" b="0" u="none">
+                          <a:solidFill>
+                            <a:srgbClr val="000000">
+                              <a:alpha val="100000"/>
+                            </a:srgbClr>
+                          </a:solidFill>
+                          <a:latin typeface="Helvetica"/>
+                          <a:cs typeface="Helvetica"/>
+                          <a:ea typeface="Helvetica"/>
+                          <a:sym typeface="Helvetica"/>
+                        </a:rPr>
+                        <a:t>se_mm</a:t>
                       </a:r>
                     </a:p>
                   </a:txBody>
-                  <a:tcPr/>
+                  <a:tcPr anchor="ctr" marB="63500" marT="63500" marR="0" marL="0">
+                    <a:lnL algn="ctr" cmpd="sng" cap="flat" w="0">
+                      <a:noFill/>
+                      <a:prstDash val="solid"/>
+                    </a:lnL>
+                    <a:lnR algn="ctr" cmpd="sng" cap="flat" w="0">
+                      <a:noFill/>
+                      <a:prstDash val="solid"/>
+                    </a:lnR>
+                    <a:lnT algn="ctr" cmpd="sng" cap="flat" w="19050">
+                      <a:solidFill>
+                        <a:srgbClr val="666666">
+                          <a:alpha val="100000"/>
+                        </a:srgbClr>
+                      </a:solidFill>
+                      <a:prstDash val="solid"/>
+                    </a:lnT>
+                    <a:lnB algn="ctr" cmpd="sng" cap="flat" w="19050">
+                      <a:solidFill>
+                        <a:srgbClr val="666666">
+                          <a:alpha val="100000"/>
+                        </a:srgbClr>
+                      </a:solidFill>
+                      <a:prstDash val="solid"/>
+                    </a:lnB>
+                    <a:solidFill>
+                      <a:srgbClr val="FFFFFF">
+                        <a:alpha val="0"/>
+                      </a:srgbClr>
+                    </a:solidFill>
+                  </a:tcPr>
                 </a:tc>
                 <a:tc>
                   <a:txBody>
                     <a:bodyPr/>
                     <a:lstStyle/>
                     <a:p>
-                      <a:pPr lvl="0" indent="0" marL="0" algn="r">
+                      <a:pPr algn="r" marL="63500" marR="63500">
+                        <a:lnSpc>
+                          <a:spcPct val="100000"/>
+                        </a:lnSpc>
+                        <a:spcBef>
+                          <a:spcPts val="500"/>
+                        </a:spcBef>
+                        <a:spcAft>
+                          <a:spcPts val="500"/>
+                        </a:spcAft>
                         <a:buNone/>
                       </a:pPr>
                       <a:r>
-                        <a:rPr/>
+                        <a:rPr cap="none" sz="1100" i="0" b="0" u="none">
+                          <a:solidFill>
+                            <a:srgbClr val="000000">
+                              <a:alpha val="100000"/>
+                            </a:srgbClr>
+                          </a:solidFill>
+                          <a:latin typeface="Helvetica"/>
+                          <a:cs typeface="Helvetica"/>
+                          <a:ea typeface="Helvetica"/>
+                          <a:sym typeface="Helvetica"/>
+                        </a:rPr>
                         <a:t>conf_low</a:t>
                       </a:r>
                     </a:p>
                   </a:txBody>
-                  <a:tcPr/>
+                  <a:tcPr anchor="ctr" marB="63500" marT="63500" marR="0" marL="0">
+                    <a:lnL algn="ctr" cmpd="sng" cap="flat" w="0">
+                      <a:noFill/>
+                      <a:prstDash val="solid"/>
+                    </a:lnL>
+                    <a:lnR algn="ctr" cmpd="sng" cap="flat" w="0">
+                      <a:noFill/>
+                      <a:prstDash val="solid"/>
+                    </a:lnR>
+                    <a:lnT algn="ctr" cmpd="sng" cap="flat" w="19050">
+                      <a:solidFill>
+                        <a:srgbClr val="666666">
+                          <a:alpha val="100000"/>
+                        </a:srgbClr>
+                      </a:solidFill>
+                      <a:prstDash val="solid"/>
+                    </a:lnT>
+                    <a:lnB algn="ctr" cmpd="sng" cap="flat" w="19050">
+                      <a:solidFill>
+                        <a:srgbClr val="666666">
+                          <a:alpha val="100000"/>
+                        </a:srgbClr>
+                      </a:solidFill>
+                      <a:prstDash val="solid"/>
+                    </a:lnB>
+                    <a:solidFill>
+                      <a:srgbClr val="FFFFFF">
+                        <a:alpha val="0"/>
+                      </a:srgbClr>
+                    </a:solidFill>
+                  </a:tcPr>
                 </a:tc>
                 <a:tc>
                   <a:txBody>
                     <a:bodyPr/>
                     <a:lstStyle/>
                     <a:p>
-                      <a:pPr lvl="0" indent="0" marL="0" algn="r">
+                      <a:pPr algn="r" marL="63500" marR="63500">
+                        <a:lnSpc>
+                          <a:spcPct val="100000"/>
+                        </a:lnSpc>
+                        <a:spcBef>
+                          <a:spcPts val="500"/>
+                        </a:spcBef>
+                        <a:spcAft>
+                          <a:spcPts val="500"/>
+                        </a:spcAft>
                         <a:buNone/>
                       </a:pPr>
                       <a:r>
-                        <a:rPr/>
+                        <a:rPr cap="none" sz="1100" i="0" b="0" u="none">
+                          <a:solidFill>
+                            <a:srgbClr val="000000">
+                              <a:alpha val="100000"/>
+                            </a:srgbClr>
+                          </a:solidFill>
+                          <a:latin typeface="Helvetica"/>
+                          <a:cs typeface="Helvetica"/>
+                          <a:ea typeface="Helvetica"/>
+                          <a:sym typeface="Helvetica"/>
+                        </a:rPr>
                         <a:t>conf_high</a:t>
                       </a:r>
                     </a:p>
                   </a:txBody>
-                  <a:tcPr/>
+                  <a:tcPr anchor="ctr" marB="63500" marT="63500" marR="0" marL="0">
+                    <a:lnL algn="ctr" cmpd="sng" cap="flat" w="0">
+                      <a:noFill/>
+                      <a:prstDash val="solid"/>
+                    </a:lnL>
+                    <a:lnR algn="ctr" cmpd="sng" cap="flat" w="0">
+                      <a:noFill/>
+                      <a:prstDash val="solid"/>
+                    </a:lnR>
+                    <a:lnT algn="ctr" cmpd="sng" cap="flat" w="19050">
+                      <a:solidFill>
+                        <a:srgbClr val="666666">
+                          <a:alpha val="100000"/>
+                        </a:srgbClr>
+                      </a:solidFill>
+                      <a:prstDash val="solid"/>
+                    </a:lnT>
+                    <a:lnB algn="ctr" cmpd="sng" cap="flat" w="19050">
+                      <a:solidFill>
+                        <a:srgbClr val="666666">
+                          <a:alpha val="100000"/>
+                        </a:srgbClr>
+                      </a:solidFill>
+                      <a:prstDash val="solid"/>
+                    </a:lnB>
+                    <a:solidFill>
+                      <a:srgbClr val="FFFFFF">
+                        <a:alpha val="0"/>
+                      </a:srgbClr>
+                    </a:solidFill>
+                  </a:tcPr>
                 </a:tc>
               </a:tr>
-              <a:tr h="0">
+              <a:tr h="228600">
                 <a:tc>
                   <a:txBody>
                     <a:bodyPr/>
                     <a:lstStyle/>
                     <a:p>
-                      <a:pPr lvl="0" indent="0" marL="0" algn="l">
+                      <a:pPr algn="l" marL="63500" marR="63500">
+                        <a:lnSpc>
+                          <a:spcPct val="100000"/>
+                        </a:lnSpc>
+                        <a:spcBef>
+                          <a:spcPts val="500"/>
+                        </a:spcBef>
+                        <a:spcAft>
+                          <a:spcPts val="500"/>
+                        </a:spcAft>
                         <a:buNone/>
                       </a:pPr>
                       <a:r>
-                        <a:rPr/>
+                        <a:rPr cap="none" sz="1100" i="0" b="0" u="none">
+                          <a:solidFill>
+                            <a:srgbClr val="000000">
+                              <a:alpha val="100000"/>
+                            </a:srgbClr>
+                          </a:solidFill>
+                          <a:latin typeface="Helvetica"/>
+                          <a:cs typeface="Helvetica"/>
+                          <a:ea typeface="Helvetica"/>
+                          <a:sym typeface="Helvetica"/>
+                        </a:rPr>
                         <a:t>cephalopods</a:t>
                       </a:r>
                     </a:p>
                   </a:txBody>
+                  <a:tcPr anchor="ctr" marB="63500" marT="63500" marR="0" marL="0">
+                    <a:lnL algn="ctr" cmpd="sng" cap="flat" w="0">
+                      <a:noFill/>
+                      <a:prstDash val="solid"/>
+                    </a:lnL>
+                    <a:lnR algn="ctr" cmpd="sng" cap="flat" w="0">
+                      <a:noFill/>
+                      <a:prstDash val="solid"/>
+                    </a:lnR>
+                    <a:lnT algn="ctr" cmpd="sng" cap="flat" w="0">
+                      <a:noFill/>
+                      <a:prstDash val="solid"/>
+                    </a:lnT>
+                    <a:lnB algn="ctr" cmpd="sng" cap="flat" w="0">
+                      <a:noFill/>
+                      <a:prstDash val="solid"/>
+                    </a:lnB>
+                    <a:solidFill>
+                      <a:srgbClr val="FFFFFF">
+                        <a:alpha val="0"/>
+                      </a:srgbClr>
+                    </a:solidFill>
+                  </a:tcPr>
                 </a:tc>
                 <a:tc>
                   <a:txBody>
                     <a:bodyPr/>
                     <a:lstStyle/>
                     <a:p>
-                      <a:pPr lvl="0" indent="0" marL="0" algn="r">
+                      <a:pPr algn="r" marL="63500" marR="63500">
+                        <a:lnSpc>
+                          <a:spcPct val="100000"/>
+                        </a:lnSpc>
+                        <a:spcBef>
+                          <a:spcPts val="500"/>
+                        </a:spcBef>
+                        <a:spcAft>
+                          <a:spcPts val="500"/>
+                        </a:spcAft>
                         <a:buNone/>
                       </a:pPr>
                       <a:r>
-                        <a:rPr/>
+                        <a:rPr cap="none" sz="1100" i="0" b="0" u="none">
+                          <a:solidFill>
+                            <a:srgbClr val="000000">
+                              <a:alpha val="100000"/>
+                            </a:srgbClr>
+                          </a:solidFill>
+                          <a:latin typeface="Helvetica"/>
+                          <a:cs typeface="Helvetica"/>
+                          <a:ea typeface="Helvetica"/>
+                          <a:sym typeface="Helvetica"/>
+                        </a:rPr>
                         <a:t>18.00000</a:t>
                       </a:r>
                     </a:p>
                   </a:txBody>
+                  <a:tcPr anchor="ctr" marB="63500" marT="63500" marR="0" marL="0">
+                    <a:lnL algn="ctr" cmpd="sng" cap="flat" w="0">
+                      <a:noFill/>
+                      <a:prstDash val="solid"/>
+                    </a:lnL>
+                    <a:lnR algn="ctr" cmpd="sng" cap="flat" w="0">
+                      <a:noFill/>
+                      <a:prstDash val="solid"/>
+                    </a:lnR>
+                    <a:lnT algn="ctr" cmpd="sng" cap="flat" w="0">
+                      <a:noFill/>
+                      <a:prstDash val="solid"/>
+                    </a:lnT>
+                    <a:lnB algn="ctr" cmpd="sng" cap="flat" w="0">
+                      <a:noFill/>
+                      <a:prstDash val="solid"/>
+                    </a:lnB>
+                    <a:solidFill>
+                      <a:srgbClr val="FFFFFF">
+                        <a:alpha val="0"/>
+                      </a:srgbClr>
+                    </a:solidFill>
+                  </a:tcPr>
                 </a:tc>
                 <a:tc>
                   <a:txBody>
                     <a:bodyPr/>
                     <a:lstStyle/>
                     <a:p>
-                      <a:pPr lvl="0" indent="0" marL="0" algn="r">
+                      <a:pPr algn="r" marL="63500" marR="63500">
+                        <a:lnSpc>
+                          <a:spcPct val="100000"/>
+                        </a:lnSpc>
+                        <a:spcBef>
+                          <a:spcPts val="500"/>
+                        </a:spcBef>
+                        <a:spcAft>
+                          <a:spcPts val="500"/>
+                        </a:spcAft>
                         <a:buNone/>
                       </a:pPr>
                       <a:r>
-                        <a:rPr/>
+                        <a:rPr cap="none" sz="1100" i="0" b="0" u="none">
+                          <a:solidFill>
+                            <a:srgbClr val="000000">
+                              <a:alpha val="100000"/>
+                            </a:srgbClr>
+                          </a:solidFill>
+                          <a:latin typeface="Helvetica"/>
+                          <a:cs typeface="Helvetica"/>
+                          <a:ea typeface="Helvetica"/>
+                          <a:sym typeface="Helvetica"/>
+                        </a:rPr>
                         <a:t>3.861229</a:t>
                       </a:r>
                     </a:p>
                   </a:txBody>
+                  <a:tcPr anchor="ctr" marB="63500" marT="63500" marR="0" marL="0">
+                    <a:lnL algn="ctr" cmpd="sng" cap="flat" w="0">
+                      <a:noFill/>
+                      <a:prstDash val="solid"/>
+                    </a:lnL>
+                    <a:lnR algn="ctr" cmpd="sng" cap="flat" w="0">
+                      <a:noFill/>
+                      <a:prstDash val="solid"/>
+                    </a:lnR>
+                    <a:lnT algn="ctr" cmpd="sng" cap="flat" w="0">
+                      <a:noFill/>
+                      <a:prstDash val="solid"/>
+                    </a:lnT>
+                    <a:lnB algn="ctr" cmpd="sng" cap="flat" w="0">
+                      <a:noFill/>
+                      <a:prstDash val="solid"/>
+                    </a:lnB>
+                    <a:solidFill>
+                      <a:srgbClr val="FFFFFF">
+                        <a:alpha val="0"/>
+                      </a:srgbClr>
+                    </a:solidFill>
+                  </a:tcPr>
                 </a:tc>
                 <a:tc>
                   <a:txBody>
                     <a:bodyPr/>
                     <a:lstStyle/>
                     <a:p>
-                      <a:pPr lvl="0" indent="0" marL="0" algn="r">
+                      <a:pPr algn="r" marL="63500" marR="63500">
+                        <a:lnSpc>
+                          <a:spcPct val="100000"/>
+                        </a:lnSpc>
+                        <a:spcBef>
+                          <a:spcPts val="500"/>
+                        </a:spcBef>
+                        <a:spcAft>
+                          <a:spcPts val="500"/>
+                        </a:spcAft>
                         <a:buNone/>
                       </a:pPr>
                       <a:r>
-                        <a:rPr/>
+                        <a:rPr cap="none" sz="1100" i="0" b="0" u="none">
+                          <a:solidFill>
+                            <a:srgbClr val="000000">
+                              <a:alpha val="100000"/>
+                            </a:srgbClr>
+                          </a:solidFill>
+                          <a:latin typeface="Helvetica"/>
+                          <a:cs typeface="Helvetica"/>
+                          <a:ea typeface="Helvetica"/>
+                          <a:sym typeface="Helvetica"/>
+                        </a:rPr>
                         <a:t>12</a:t>
                       </a:r>
                     </a:p>
                   </a:txBody>
+                  <a:tcPr anchor="ctr" marB="63500" marT="63500" marR="0" marL="0">
+                    <a:lnL algn="ctr" cmpd="sng" cap="flat" w="0">
+                      <a:noFill/>
+                      <a:prstDash val="solid"/>
+                    </a:lnL>
+                    <a:lnR algn="ctr" cmpd="sng" cap="flat" w="0">
+                      <a:noFill/>
+                      <a:prstDash val="solid"/>
+                    </a:lnR>
+                    <a:lnT algn="ctr" cmpd="sng" cap="flat" w="0">
+                      <a:noFill/>
+                      <a:prstDash val="solid"/>
+                    </a:lnT>
+                    <a:lnB algn="ctr" cmpd="sng" cap="flat" w="0">
+                      <a:noFill/>
+                      <a:prstDash val="solid"/>
+                    </a:lnB>
+                    <a:solidFill>
+                      <a:srgbClr val="FFFFFF">
+                        <a:alpha val="0"/>
+                      </a:srgbClr>
+                    </a:solidFill>
+                  </a:tcPr>
                 </a:tc>
                 <a:tc>
                   <a:txBody>
                     <a:bodyPr/>
                     <a:lstStyle/>
                     <a:p>
-                      <a:pPr lvl="0" indent="0" marL="0" algn="r">
+                      <a:pPr algn="r" marL="63500" marR="63500">
+                        <a:lnSpc>
+                          <a:spcPct val="100000"/>
+                        </a:lnSpc>
+                        <a:spcBef>
+                          <a:spcPts val="500"/>
+                        </a:spcBef>
+                        <a:spcAft>
+                          <a:spcPts val="500"/>
+                        </a:spcAft>
                         <a:buNone/>
                       </a:pPr>
                       <a:r>
-                        <a:rPr/>
+                        <a:rPr cap="none" sz="1100" i="0" b="0" u="none">
+                          <a:solidFill>
+                            <a:srgbClr val="000000">
+                              <a:alpha val="100000"/>
+                            </a:srgbClr>
+                          </a:solidFill>
+                          <a:latin typeface="Helvetica"/>
+                          <a:cs typeface="Helvetica"/>
+                          <a:ea typeface="Helvetica"/>
+                          <a:sym typeface="Helvetica"/>
+                        </a:rPr>
                         <a:t>1.1146409</a:t>
                       </a:r>
                     </a:p>
                   </a:txBody>
+                  <a:tcPr anchor="ctr" marB="63500" marT="63500" marR="0" marL="0">
+                    <a:lnL algn="ctr" cmpd="sng" cap="flat" w="0">
+                      <a:noFill/>
+                      <a:prstDash val="solid"/>
+                    </a:lnL>
+                    <a:lnR algn="ctr" cmpd="sng" cap="flat" w="0">
+                      <a:noFill/>
+                      <a:prstDash val="solid"/>
+                    </a:lnR>
+                    <a:lnT algn="ctr" cmpd="sng" cap="flat" w="0">
+                      <a:noFill/>
+                      <a:prstDash val="solid"/>
+                    </a:lnT>
+                    <a:lnB algn="ctr" cmpd="sng" cap="flat" w="0">
+                      <a:noFill/>
+                      <a:prstDash val="solid"/>
+                    </a:lnB>
+                    <a:solidFill>
+                      <a:srgbClr val="FFFFFF">
+                        <a:alpha val="0"/>
+                      </a:srgbClr>
+                    </a:solidFill>
+                  </a:tcPr>
                 </a:tc>
                 <a:tc>
                   <a:txBody>
                     <a:bodyPr/>
                     <a:lstStyle/>
                     <a:p>
-                      <a:pPr lvl="0" indent="0" marL="0" algn="r">
+                      <a:pPr algn="r" marL="63500" marR="63500">
+                        <a:lnSpc>
+                          <a:spcPct val="100000"/>
+                        </a:lnSpc>
+                        <a:spcBef>
+                          <a:spcPts val="500"/>
+                        </a:spcBef>
+                        <a:spcAft>
+                          <a:spcPts val="500"/>
+                        </a:spcAft>
                         <a:buNone/>
                       </a:pPr>
                       <a:r>
-                        <a:rPr/>
+                        <a:rPr cap="none" sz="1100" i="0" b="0" u="none">
+                          <a:solidFill>
+                            <a:srgbClr val="000000">
+                              <a:alpha val="100000"/>
+                            </a:srgbClr>
+                          </a:solidFill>
+                          <a:latin typeface="Helvetica"/>
+                          <a:cs typeface="Helvetica"/>
+                          <a:ea typeface="Helvetica"/>
+                          <a:sym typeface="Helvetica"/>
+                        </a:rPr>
                         <a:t>15.54669</a:t>
                       </a:r>
                     </a:p>
                   </a:txBody>
+                  <a:tcPr anchor="ctr" marB="63500" marT="63500" marR="0" marL="0">
+                    <a:lnL algn="ctr" cmpd="sng" cap="flat" w="0">
+                      <a:noFill/>
+                      <a:prstDash val="solid"/>
+                    </a:lnL>
+                    <a:lnR algn="ctr" cmpd="sng" cap="flat" w="0">
+                      <a:noFill/>
+                      <a:prstDash val="solid"/>
+                    </a:lnR>
+                    <a:lnT algn="ctr" cmpd="sng" cap="flat" w="0">
+                      <a:noFill/>
+                      <a:prstDash val="solid"/>
+                    </a:lnT>
+                    <a:lnB algn="ctr" cmpd="sng" cap="flat" w="0">
+                      <a:noFill/>
+                      <a:prstDash val="solid"/>
+                    </a:lnB>
+                    <a:solidFill>
+                      <a:srgbClr val="FFFFFF">
+                        <a:alpha val="0"/>
+                      </a:srgbClr>
+                    </a:solidFill>
+                  </a:tcPr>
                 </a:tc>
                 <a:tc>
                   <a:txBody>
                     <a:bodyPr/>
                     <a:lstStyle/>
                     <a:p>
-                      <a:pPr lvl="0" indent="0" marL="0" algn="r">
+                      <a:pPr algn="r" marL="63500" marR="63500">
+                        <a:lnSpc>
+                          <a:spcPct val="100000"/>
+                        </a:lnSpc>
+                        <a:spcBef>
+                          <a:spcPts val="500"/>
+                        </a:spcBef>
+                        <a:spcAft>
+                          <a:spcPts val="500"/>
+                        </a:spcAft>
                         <a:buNone/>
                       </a:pPr>
                       <a:r>
-                        <a:rPr/>
+                        <a:rPr cap="none" sz="1100" i="0" b="0" u="none">
+                          <a:solidFill>
+                            <a:srgbClr val="000000">
+                              <a:alpha val="100000"/>
+                            </a:srgbClr>
+                          </a:solidFill>
+                          <a:latin typeface="Helvetica"/>
+                          <a:cs typeface="Helvetica"/>
+                          <a:ea typeface="Helvetica"/>
+                          <a:sym typeface="Helvetica"/>
+                        </a:rPr>
                         <a:t>20.45331</a:t>
                       </a:r>
                     </a:p>
                   </a:txBody>
+                  <a:tcPr anchor="ctr" marB="63500" marT="63500" marR="0" marL="0">
+                    <a:lnL algn="ctr" cmpd="sng" cap="flat" w="0">
+                      <a:noFill/>
+                      <a:prstDash val="solid"/>
+                    </a:lnL>
+                    <a:lnR algn="ctr" cmpd="sng" cap="flat" w="0">
+                      <a:noFill/>
+                      <a:prstDash val="solid"/>
+                    </a:lnR>
+                    <a:lnT algn="ctr" cmpd="sng" cap="flat" w="0">
+                      <a:noFill/>
+                      <a:prstDash val="solid"/>
+                    </a:lnT>
+                    <a:lnB algn="ctr" cmpd="sng" cap="flat" w="0">
+                      <a:noFill/>
+                      <a:prstDash val="solid"/>
+                    </a:lnB>
+                    <a:solidFill>
+                      <a:srgbClr val="FFFFFF">
+                        <a:alpha val="0"/>
+                      </a:srgbClr>
+                    </a:solidFill>
+                  </a:tcPr>
                 </a:tc>
               </a:tr>
-              <a:tr h="0">
+              <a:tr h="228600">
                 <a:tc>
                   <a:txBody>
                     <a:bodyPr/>
                     <a:lstStyle/>
                     <a:p>
-                      <a:pPr lvl="0" indent="0" marL="0" algn="l">
+                      <a:pPr algn="l" marL="63500" marR="63500">
+                        <a:lnSpc>
+                          <a:spcPct val="100000"/>
+                        </a:lnSpc>
+                        <a:spcBef>
+                          <a:spcPts val="500"/>
+                        </a:spcBef>
+                        <a:spcAft>
+                          <a:spcPts val="500"/>
+                        </a:spcAft>
                         <a:buNone/>
                       </a:pPr>
                       <a:r>
-                        <a:rPr/>
+                        <a:rPr cap="none" sz="1100" i="0" b="0" u="none">
+                          <a:solidFill>
+                            <a:srgbClr val="000000">
+                              <a:alpha val="100000"/>
+                            </a:srgbClr>
+                          </a:solidFill>
+                          <a:latin typeface="Helvetica"/>
+                          <a:cs typeface="Helvetica"/>
+                          <a:ea typeface="Helvetica"/>
+                          <a:sym typeface="Helvetica"/>
+                        </a:rPr>
                         <a:t>crayfish</a:t>
                       </a:r>
                     </a:p>
                   </a:txBody>
+                  <a:tcPr anchor="ctr" marB="63500" marT="63500" marR="0" marL="0">
+                    <a:lnL algn="ctr" cmpd="sng" cap="flat" w="0">
+                      <a:noFill/>
+                      <a:prstDash val="solid"/>
+                    </a:lnL>
+                    <a:lnR algn="ctr" cmpd="sng" cap="flat" w="0">
+                      <a:noFill/>
+                      <a:prstDash val="solid"/>
+                    </a:lnR>
+                    <a:lnT algn="ctr" cmpd="sng" cap="flat" w="0">
+                      <a:noFill/>
+                      <a:prstDash val="solid"/>
+                    </a:lnT>
+                    <a:lnB algn="ctr" cmpd="sng" cap="flat" w="0">
+                      <a:noFill/>
+                      <a:prstDash val="solid"/>
+                    </a:lnB>
+                    <a:solidFill>
+                      <a:srgbClr val="FFFFFF">
+                        <a:alpha val="0"/>
+                      </a:srgbClr>
+                    </a:solidFill>
+                  </a:tcPr>
                 </a:tc>
                 <a:tc>
                   <a:txBody>
                     <a:bodyPr/>
                     <a:lstStyle/>
                     <a:p>
-                      <a:pPr lvl="0" indent="0" marL="0" algn="r">
+                      <a:pPr algn="r" marL="63500" marR="63500">
+                        <a:lnSpc>
+                          <a:spcPct val="100000"/>
+                        </a:lnSpc>
+                        <a:spcBef>
+                          <a:spcPts val="500"/>
+                        </a:spcBef>
+                        <a:spcAft>
+                          <a:spcPts val="500"/>
+                        </a:spcAft>
                         <a:buNone/>
                       </a:pPr>
                       <a:r>
-                        <a:rPr/>
+                        <a:rPr cap="none" sz="1100" i="0" b="0" u="none">
+                          <a:solidFill>
+                            <a:srgbClr val="000000">
+                              <a:alpha val="100000"/>
+                            </a:srgbClr>
+                          </a:solidFill>
+                          <a:latin typeface="Helvetica"/>
+                          <a:cs typeface="Helvetica"/>
+                          <a:ea typeface="Helvetica"/>
+                          <a:sym typeface="Helvetica"/>
+                        </a:rPr>
                         <a:t>18.00000</a:t>
                       </a:r>
                     </a:p>
                   </a:txBody>
+                  <a:tcPr anchor="ctr" marB="63500" marT="63500" marR="0" marL="0">
+                    <a:lnL algn="ctr" cmpd="sng" cap="flat" w="0">
+                      <a:noFill/>
+                      <a:prstDash val="solid"/>
+                    </a:lnL>
+                    <a:lnR algn="ctr" cmpd="sng" cap="flat" w="0">
+                      <a:noFill/>
+                      <a:prstDash val="solid"/>
+                    </a:lnR>
+                    <a:lnT algn="ctr" cmpd="sng" cap="flat" w="0">
+                      <a:noFill/>
+                      <a:prstDash val="solid"/>
+                    </a:lnT>
+                    <a:lnB algn="ctr" cmpd="sng" cap="flat" w="0">
+                      <a:noFill/>
+                      <a:prstDash val="solid"/>
+                    </a:lnB>
+                    <a:solidFill>
+                      <a:srgbClr val="FFFFFF">
+                        <a:alpha val="0"/>
+                      </a:srgbClr>
+                    </a:solidFill>
+                  </a:tcPr>
                 </a:tc>
                 <a:tc>
                   <a:txBody>
                     <a:bodyPr/>
                     <a:lstStyle/>
                     <a:p>
-                      <a:pPr lvl="0" indent="0" marL="0" algn="r">
+                      <a:pPr algn="r" marL="63500" marR="63500">
+                        <a:lnSpc>
+                          <a:spcPct val="100000"/>
+                        </a:lnSpc>
+                        <a:spcBef>
+                          <a:spcPts val="500"/>
+                        </a:spcBef>
+                        <a:spcAft>
+                          <a:spcPts val="500"/>
+                        </a:spcAft>
                         <a:buNone/>
                       </a:pPr>
                       <a:r>
-                        <a:rPr/>
+                        <a:rPr cap="none" sz="1100" i="0" b="0" u="none">
+                          <a:solidFill>
+                            <a:srgbClr val="000000">
+                              <a:alpha val="100000"/>
+                            </a:srgbClr>
+                          </a:solidFill>
+                          <a:latin typeface="Helvetica"/>
+                          <a:cs typeface="Helvetica"/>
+                          <a:ea typeface="Helvetica"/>
+                          <a:sym typeface="Helvetica"/>
+                        </a:rPr>
                         <a:t>3.861229</a:t>
                       </a:r>
                     </a:p>
                   </a:txBody>
+                  <a:tcPr anchor="ctr" marB="63500" marT="63500" marR="0" marL="0">
+                    <a:lnL algn="ctr" cmpd="sng" cap="flat" w="0">
+                      <a:noFill/>
+                      <a:prstDash val="solid"/>
+                    </a:lnL>
+                    <a:lnR algn="ctr" cmpd="sng" cap="flat" w="0">
+                      <a:noFill/>
+                      <a:prstDash val="solid"/>
+                    </a:lnR>
+                    <a:lnT algn="ctr" cmpd="sng" cap="flat" w="0">
+                      <a:noFill/>
+                      <a:prstDash val="solid"/>
+                    </a:lnT>
+                    <a:lnB algn="ctr" cmpd="sng" cap="flat" w="0">
+                      <a:noFill/>
+                      <a:prstDash val="solid"/>
+                    </a:lnB>
+                    <a:solidFill>
+                      <a:srgbClr val="FFFFFF">
+                        <a:alpha val="0"/>
+                      </a:srgbClr>
+                    </a:solidFill>
+                  </a:tcPr>
                 </a:tc>
                 <a:tc>
                   <a:txBody>
                     <a:bodyPr/>
                     <a:lstStyle/>
                     <a:p>
-                      <a:pPr lvl="0" indent="0" marL="0" algn="r">
+                      <a:pPr algn="r" marL="63500" marR="63500">
+                        <a:lnSpc>
+                          <a:spcPct val="100000"/>
+                        </a:lnSpc>
+                        <a:spcBef>
+                          <a:spcPts val="500"/>
+                        </a:spcBef>
+                        <a:spcAft>
+                          <a:spcPts val="500"/>
+                        </a:spcAft>
                         <a:buNone/>
                       </a:pPr>
                       <a:r>
-                        <a:rPr/>
+                        <a:rPr cap="none" sz="1100" i="0" b="0" u="none">
+                          <a:solidFill>
+                            <a:srgbClr val="000000">
+                              <a:alpha val="100000"/>
+                            </a:srgbClr>
+                          </a:solidFill>
+                          <a:latin typeface="Helvetica"/>
+                          <a:cs typeface="Helvetica"/>
+                          <a:ea typeface="Helvetica"/>
+                          <a:sym typeface="Helvetica"/>
+                        </a:rPr>
                         <a:t>12</a:t>
                       </a:r>
                     </a:p>
                   </a:txBody>
+                  <a:tcPr anchor="ctr" marB="63500" marT="63500" marR="0" marL="0">
+                    <a:lnL algn="ctr" cmpd="sng" cap="flat" w="0">
+                      <a:noFill/>
+                      <a:prstDash val="solid"/>
+                    </a:lnL>
+                    <a:lnR algn="ctr" cmpd="sng" cap="flat" w="0">
+                      <a:noFill/>
+                      <a:prstDash val="solid"/>
+                    </a:lnR>
+                    <a:lnT algn="ctr" cmpd="sng" cap="flat" w="0">
+                      <a:noFill/>
+                      <a:prstDash val="solid"/>
+                    </a:lnT>
+                    <a:lnB algn="ctr" cmpd="sng" cap="flat" w="0">
+                      <a:noFill/>
+                      <a:prstDash val="solid"/>
+                    </a:lnB>
+                    <a:solidFill>
+                      <a:srgbClr val="FFFFFF">
+                        <a:alpha val="0"/>
+                      </a:srgbClr>
+                    </a:solidFill>
+                  </a:tcPr>
                 </a:tc>
                 <a:tc>
                   <a:txBody>
                     <a:bodyPr/>
                     <a:lstStyle/>
                     <a:p>
-                      <a:pPr lvl="0" indent="0" marL="0" algn="r">
+                      <a:pPr algn="r" marL="63500" marR="63500">
+                        <a:lnSpc>
+                          <a:spcPct val="100000"/>
+                        </a:lnSpc>
+                        <a:spcBef>
+                          <a:spcPts val="500"/>
+                        </a:spcBef>
+                        <a:spcAft>
+                          <a:spcPts val="500"/>
+                        </a:spcAft>
                         <a:buNone/>
                       </a:pPr>
                       <a:r>
-                        <a:rPr/>
+                        <a:rPr cap="none" sz="1100" i="0" b="0" u="none">
+                          <a:solidFill>
+                            <a:srgbClr val="000000">
+                              <a:alpha val="100000"/>
+                            </a:srgbClr>
+                          </a:solidFill>
+                          <a:latin typeface="Helvetica"/>
+                          <a:cs typeface="Helvetica"/>
+                          <a:ea typeface="Helvetica"/>
+                          <a:sym typeface="Helvetica"/>
+                        </a:rPr>
                         <a:t>1.1146409</a:t>
                       </a:r>
                     </a:p>
                   </a:txBody>
+                  <a:tcPr anchor="ctr" marB="63500" marT="63500" marR="0" marL="0">
+                    <a:lnL algn="ctr" cmpd="sng" cap="flat" w="0">
+                      <a:noFill/>
+                      <a:prstDash val="solid"/>
+                    </a:lnL>
+                    <a:lnR algn="ctr" cmpd="sng" cap="flat" w="0">
+                      <a:noFill/>
+                      <a:prstDash val="solid"/>
+                    </a:lnR>
+                    <a:lnT algn="ctr" cmpd="sng" cap="flat" w="0">
+                      <a:noFill/>
+                      <a:prstDash val="solid"/>
+                    </a:lnT>
+                    <a:lnB algn="ctr" cmpd="sng" cap="flat" w="0">
+                      <a:noFill/>
+                      <a:prstDash val="solid"/>
+                    </a:lnB>
+                    <a:solidFill>
+                      <a:srgbClr val="FFFFFF">
+                        <a:alpha val="0"/>
+                      </a:srgbClr>
+                    </a:solidFill>
+                  </a:tcPr>
                 </a:tc>
                 <a:tc>
                   <a:txBody>
                     <a:bodyPr/>
                     <a:lstStyle/>
                     <a:p>
-                      <a:pPr lvl="0" indent="0" marL="0" algn="r">
+                      <a:pPr algn="r" marL="63500" marR="63500">
+                        <a:lnSpc>
+                          <a:spcPct val="100000"/>
+                        </a:lnSpc>
+                        <a:spcBef>
+                          <a:spcPts val="500"/>
+                        </a:spcBef>
+                        <a:spcAft>
+                          <a:spcPts val="500"/>
+                        </a:spcAft>
                         <a:buNone/>
                       </a:pPr>
                       <a:r>
-                        <a:rPr/>
+                        <a:rPr cap="none" sz="1100" i="0" b="0" u="none">
+                          <a:solidFill>
+                            <a:srgbClr val="000000">
+                              <a:alpha val="100000"/>
+                            </a:srgbClr>
+                          </a:solidFill>
+                          <a:latin typeface="Helvetica"/>
+                          <a:cs typeface="Helvetica"/>
+                          <a:ea typeface="Helvetica"/>
+                          <a:sym typeface="Helvetica"/>
+                        </a:rPr>
                         <a:t>15.54669</a:t>
                       </a:r>
                     </a:p>
                   </a:txBody>
+                  <a:tcPr anchor="ctr" marB="63500" marT="63500" marR="0" marL="0">
+                    <a:lnL algn="ctr" cmpd="sng" cap="flat" w="0">
+                      <a:noFill/>
+                      <a:prstDash val="solid"/>
+                    </a:lnL>
+                    <a:lnR algn="ctr" cmpd="sng" cap="flat" w="0">
+                      <a:noFill/>
+                      <a:prstDash val="solid"/>
+                    </a:lnR>
+                    <a:lnT algn="ctr" cmpd="sng" cap="flat" w="0">
+                      <a:noFill/>
+                      <a:prstDash val="solid"/>
+                    </a:lnT>
+                    <a:lnB algn="ctr" cmpd="sng" cap="flat" w="0">
+                      <a:noFill/>
+                      <a:prstDash val="solid"/>
+                    </a:lnB>
+                    <a:solidFill>
+                      <a:srgbClr val="FFFFFF">
+                        <a:alpha val="0"/>
+                      </a:srgbClr>
+                    </a:solidFill>
+                  </a:tcPr>
                 </a:tc>
                 <a:tc>
                   <a:txBody>
                     <a:bodyPr/>
                     <a:lstStyle/>
                     <a:p>
-                      <a:pPr lvl="0" indent="0" marL="0" algn="r">
+                      <a:pPr algn="r" marL="63500" marR="63500">
+                        <a:lnSpc>
+                          <a:spcPct val="100000"/>
+                        </a:lnSpc>
+                        <a:spcBef>
+                          <a:spcPts val="500"/>
+                        </a:spcBef>
+                        <a:spcAft>
+                          <a:spcPts val="500"/>
+                        </a:spcAft>
                         <a:buNone/>
                       </a:pPr>
                       <a:r>
-                        <a:rPr/>
+                        <a:rPr cap="none" sz="1100" i="0" b="0" u="none">
+                          <a:solidFill>
+                            <a:srgbClr val="000000">
+                              <a:alpha val="100000"/>
+                            </a:srgbClr>
+                          </a:solidFill>
+                          <a:latin typeface="Helvetica"/>
+                          <a:cs typeface="Helvetica"/>
+                          <a:ea typeface="Helvetica"/>
+                          <a:sym typeface="Helvetica"/>
+                        </a:rPr>
                         <a:t>20.45331</a:t>
                       </a:r>
                     </a:p>
                   </a:txBody>
+                  <a:tcPr anchor="ctr" marB="63500" marT="63500" marR="0" marL="0">
+                    <a:lnL algn="ctr" cmpd="sng" cap="flat" w="0">
+                      <a:noFill/>
+                      <a:prstDash val="solid"/>
+                    </a:lnL>
+                    <a:lnR algn="ctr" cmpd="sng" cap="flat" w="0">
+                      <a:noFill/>
+                      <a:prstDash val="solid"/>
+                    </a:lnR>
+                    <a:lnT algn="ctr" cmpd="sng" cap="flat" w="0">
+                      <a:noFill/>
+                      <a:prstDash val="solid"/>
+                    </a:lnT>
+                    <a:lnB algn="ctr" cmpd="sng" cap="flat" w="0">
+                      <a:noFill/>
+                      <a:prstDash val="solid"/>
+                    </a:lnB>
+                    <a:solidFill>
+                      <a:srgbClr val="FFFFFF">
+                        <a:alpha val="0"/>
+                      </a:srgbClr>
+                    </a:solidFill>
+                  </a:tcPr>
                 </a:tc>
               </a:tr>
-              <a:tr h="0">
+              <a:tr h="228600">
                 <a:tc>
                   <a:txBody>
                     <a:bodyPr/>
                     <a:lstStyle/>
                     <a:p>
-                      <a:pPr lvl="0" indent="0" marL="0" algn="l">
+                      <a:pPr algn="l" marL="63500" marR="63500">
+                        <a:lnSpc>
+                          <a:spcPct val="100000"/>
+                        </a:lnSpc>
+                        <a:spcBef>
+                          <a:spcPts val="500"/>
+                        </a:spcBef>
+                        <a:spcAft>
+                          <a:spcPts val="500"/>
+                        </a:spcAft>
                         <a:buNone/>
                       </a:pPr>
                       <a:r>
-                        <a:rPr/>
+                        <a:rPr cap="none" sz="1100" i="0" b="0" u="none">
+                          <a:solidFill>
+                            <a:srgbClr val="000000">
+                              <a:alpha val="100000"/>
+                            </a:srgbClr>
+                          </a:solidFill>
+                          <a:latin typeface="Helvetica"/>
+                          <a:cs typeface="Helvetica"/>
+                          <a:ea typeface="Helvetica"/>
+                          <a:sym typeface="Helvetica"/>
+                        </a:rPr>
                         <a:t>salmon</a:t>
                       </a:r>
                     </a:p>
                   </a:txBody>
+                  <a:tcPr anchor="ctr" marB="63500" marT="63500" marR="0" marL="0">
+                    <a:lnL algn="ctr" cmpd="sng" cap="flat" w="0">
+                      <a:noFill/>
+                      <a:prstDash val="solid"/>
+                    </a:lnL>
+                    <a:lnR algn="ctr" cmpd="sng" cap="flat" w="0">
+                      <a:noFill/>
+                      <a:prstDash val="solid"/>
+                    </a:lnR>
+                    <a:lnT algn="ctr" cmpd="sng" cap="flat" w="0">
+                      <a:noFill/>
+                      <a:prstDash val="solid"/>
+                    </a:lnT>
+                    <a:lnB algn="ctr" cmpd="sng" cap="flat" w="0">
+                      <a:noFill/>
+                      <a:prstDash val="solid"/>
+                    </a:lnB>
+                    <a:solidFill>
+                      <a:srgbClr val="FFFFFF">
+                        <a:alpha val="0"/>
+                      </a:srgbClr>
+                    </a:solidFill>
+                  </a:tcPr>
                 </a:tc>
                 <a:tc>
                   <a:txBody>
                     <a:bodyPr/>
                     <a:lstStyle/>
                     <a:p>
-                      <a:pPr lvl="0" indent="0" marL="0" algn="r">
+                      <a:pPr algn="r" marL="63500" marR="63500">
+                        <a:lnSpc>
+                          <a:spcPct val="100000"/>
+                        </a:lnSpc>
+                        <a:spcBef>
+                          <a:spcPts val="500"/>
+                        </a:spcBef>
+                        <a:spcAft>
+                          <a:spcPts val="500"/>
+                        </a:spcAft>
                         <a:buNone/>
                       </a:pPr>
                       <a:r>
-                        <a:rPr/>
+                        <a:rPr cap="none" sz="1100" i="0" b="0" u="none">
+                          <a:solidFill>
+                            <a:srgbClr val="000000">
+                              <a:alpha val="100000"/>
+                            </a:srgbClr>
+                          </a:solidFill>
+                          <a:latin typeface="Helvetica"/>
+                          <a:cs typeface="Helvetica"/>
+                          <a:ea typeface="Helvetica"/>
+                          <a:sym typeface="Helvetica"/>
+                        </a:rPr>
                         <a:t>16.33333</a:t>
                       </a:r>
                     </a:p>
                   </a:txBody>
+                  <a:tcPr anchor="ctr" marB="63500" marT="63500" marR="0" marL="0">
+                    <a:lnL algn="ctr" cmpd="sng" cap="flat" w="0">
+                      <a:noFill/>
+                      <a:prstDash val="solid"/>
+                    </a:lnL>
+                    <a:lnR algn="ctr" cmpd="sng" cap="flat" w="0">
+                      <a:noFill/>
+                      <a:prstDash val="solid"/>
+                    </a:lnR>
+                    <a:lnT algn="ctr" cmpd="sng" cap="flat" w="0">
+                      <a:noFill/>
+                      <a:prstDash val="solid"/>
+                    </a:lnT>
+                    <a:lnB algn="ctr" cmpd="sng" cap="flat" w="0">
+                      <a:noFill/>
+                      <a:prstDash val="solid"/>
+                    </a:lnB>
+                    <a:solidFill>
+                      <a:srgbClr val="FFFFFF">
+                        <a:alpha val="0"/>
+                      </a:srgbClr>
+                    </a:solidFill>
+                  </a:tcPr>
                 </a:tc>
                 <a:tc>
                   <a:txBody>
                     <a:bodyPr/>
                     <a:lstStyle/>
                     <a:p>
-                      <a:pPr lvl="0" indent="0" marL="0" algn="r">
+                      <a:pPr algn="r" marL="63500" marR="63500">
+                        <a:lnSpc>
+                          <a:spcPct val="100000"/>
+                        </a:lnSpc>
+                        <a:spcBef>
+                          <a:spcPts val="500"/>
+                        </a:spcBef>
+                        <a:spcAft>
+                          <a:spcPts val="500"/>
+                        </a:spcAft>
                         <a:buNone/>
                       </a:pPr>
                       <a:r>
-                        <a:rPr/>
+                        <a:rPr cap="none" sz="1100" i="0" b="0" u="none">
+                          <a:solidFill>
+                            <a:srgbClr val="000000">
+                              <a:alpha val="100000"/>
+                            </a:srgbClr>
+                          </a:solidFill>
+                          <a:latin typeface="Helvetica"/>
+                          <a:cs typeface="Helvetica"/>
+                          <a:ea typeface="Helvetica"/>
+                          <a:sym typeface="Helvetica"/>
+                        </a:rPr>
                         <a:t>3.938928</a:t>
                       </a:r>
                     </a:p>
                   </a:txBody>
+                  <a:tcPr anchor="ctr" marB="63500" marT="63500" marR="0" marL="0">
+                    <a:lnL algn="ctr" cmpd="sng" cap="flat" w="0">
+                      <a:noFill/>
+                      <a:prstDash val="solid"/>
+                    </a:lnL>
+                    <a:lnR algn="ctr" cmpd="sng" cap="flat" w="0">
+                      <a:noFill/>
+                      <a:prstDash val="solid"/>
+                    </a:lnR>
+                    <a:lnT algn="ctr" cmpd="sng" cap="flat" w="0">
+                      <a:noFill/>
+                      <a:prstDash val="solid"/>
+                    </a:lnT>
+                    <a:lnB algn="ctr" cmpd="sng" cap="flat" w="0">
+                      <a:noFill/>
+                      <a:prstDash val="solid"/>
+                    </a:lnB>
+                    <a:solidFill>
+                      <a:srgbClr val="FFFFFF">
+                        <a:alpha val="0"/>
+                      </a:srgbClr>
+                    </a:solidFill>
+                  </a:tcPr>
                 </a:tc>
                 <a:tc>
                   <a:txBody>
                     <a:bodyPr/>
                     <a:lstStyle/>
                     <a:p>
-                      <a:pPr lvl="0" indent="0" marL="0" algn="r">
+                      <a:pPr algn="r" marL="63500" marR="63500">
+                        <a:lnSpc>
+                          <a:spcPct val="100000"/>
+                        </a:lnSpc>
+                        <a:spcBef>
+                          <a:spcPts val="500"/>
+                        </a:spcBef>
+                        <a:spcAft>
+                          <a:spcPts val="500"/>
+                        </a:spcAft>
                         <a:buNone/>
                       </a:pPr>
                       <a:r>
-                        <a:rPr/>
+                        <a:rPr cap="none" sz="1100" i="0" b="0" u="none">
+                          <a:solidFill>
+                            <a:srgbClr val="000000">
+                              <a:alpha val="100000"/>
+                            </a:srgbClr>
+                          </a:solidFill>
+                          <a:latin typeface="Helvetica"/>
+                          <a:cs typeface="Helvetica"/>
+                          <a:ea typeface="Helvetica"/>
+                          <a:sym typeface="Helvetica"/>
+                        </a:rPr>
                         <a:t>12</a:t>
                       </a:r>
                     </a:p>
                   </a:txBody>
+                  <a:tcPr anchor="ctr" marB="63500" marT="63500" marR="0" marL="0">
+                    <a:lnL algn="ctr" cmpd="sng" cap="flat" w="0">
+                      <a:noFill/>
+                      <a:prstDash val="solid"/>
+                    </a:lnL>
+                    <a:lnR algn="ctr" cmpd="sng" cap="flat" w="0">
+                      <a:noFill/>
+                      <a:prstDash val="solid"/>
+                    </a:lnR>
+                    <a:lnT algn="ctr" cmpd="sng" cap="flat" w="0">
+                      <a:noFill/>
+                      <a:prstDash val="solid"/>
+                    </a:lnT>
+                    <a:lnB algn="ctr" cmpd="sng" cap="flat" w="0">
+                      <a:noFill/>
+                      <a:prstDash val="solid"/>
+                    </a:lnB>
+                    <a:solidFill>
+                      <a:srgbClr val="FFFFFF">
+                        <a:alpha val="0"/>
+                      </a:srgbClr>
+                    </a:solidFill>
+                  </a:tcPr>
                 </a:tc>
                 <a:tc>
                   <a:txBody>
                     <a:bodyPr/>
                     <a:lstStyle/>
                     <a:p>
-                      <a:pPr lvl="0" indent="0" marL="0" algn="r">
+                      <a:pPr algn="r" marL="63500" marR="63500">
+                        <a:lnSpc>
+                          <a:spcPct val="100000"/>
+                        </a:lnSpc>
+                        <a:spcBef>
+                          <a:spcPts val="500"/>
+                        </a:spcBef>
+                        <a:spcAft>
+                          <a:spcPts val="500"/>
+                        </a:spcAft>
                         <a:buNone/>
                       </a:pPr>
                       <a:r>
-                        <a:rPr/>
+                        <a:rPr cap="none" sz="1100" i="0" b="0" u="none">
+                          <a:solidFill>
+                            <a:srgbClr val="000000">
+                              <a:alpha val="100000"/>
+                            </a:srgbClr>
+                          </a:solidFill>
+                          <a:latin typeface="Helvetica"/>
+                          <a:cs typeface="Helvetica"/>
+                          <a:ea typeface="Helvetica"/>
+                          <a:sym typeface="Helvetica"/>
+                        </a:rPr>
                         <a:t>1.1370705</a:t>
                       </a:r>
                     </a:p>
                   </a:txBody>
+                  <a:tcPr anchor="ctr" marB="63500" marT="63500" marR="0" marL="0">
+                    <a:lnL algn="ctr" cmpd="sng" cap="flat" w="0">
+                      <a:noFill/>
+                      <a:prstDash val="solid"/>
+                    </a:lnL>
+                    <a:lnR algn="ctr" cmpd="sng" cap="flat" w="0">
+                      <a:noFill/>
+                      <a:prstDash val="solid"/>
+                    </a:lnR>
+                    <a:lnT algn="ctr" cmpd="sng" cap="flat" w="0">
+                      <a:noFill/>
+                      <a:prstDash val="solid"/>
+                    </a:lnT>
+                    <a:lnB algn="ctr" cmpd="sng" cap="flat" w="0">
+                      <a:noFill/>
+                      <a:prstDash val="solid"/>
+                    </a:lnB>
+                    <a:solidFill>
+                      <a:srgbClr val="FFFFFF">
+                        <a:alpha val="0"/>
+                      </a:srgbClr>
+                    </a:solidFill>
+                  </a:tcPr>
                 </a:tc>
                 <a:tc>
                   <a:txBody>
                     <a:bodyPr/>
                     <a:lstStyle/>
                     <a:p>
-                      <a:pPr lvl="0" indent="0" marL="0" algn="r">
+                      <a:pPr algn="r" marL="63500" marR="63500">
+                        <a:lnSpc>
+                          <a:spcPct val="100000"/>
+                        </a:lnSpc>
+                        <a:spcBef>
+                          <a:spcPts val="500"/>
+                        </a:spcBef>
+                        <a:spcAft>
+                          <a:spcPts val="500"/>
+                        </a:spcAft>
                         <a:buNone/>
                       </a:pPr>
                       <a:r>
-                        <a:rPr/>
+                        <a:rPr cap="none" sz="1100" i="0" b="0" u="none">
+                          <a:solidFill>
+                            <a:srgbClr val="000000">
+                              <a:alpha val="100000"/>
+                            </a:srgbClr>
+                          </a:solidFill>
+                          <a:latin typeface="Helvetica"/>
+                          <a:cs typeface="Helvetica"/>
+                          <a:ea typeface="Helvetica"/>
+                          <a:sym typeface="Helvetica"/>
+                        </a:rPr>
                         <a:t>13.83066</a:t>
                       </a:r>
                     </a:p>
                   </a:txBody>
+                  <a:tcPr anchor="ctr" marB="63500" marT="63500" marR="0" marL="0">
+                    <a:lnL algn="ctr" cmpd="sng" cap="flat" w="0">
+                      <a:noFill/>
+                      <a:prstDash val="solid"/>
+                    </a:lnL>
+                    <a:lnR algn="ctr" cmpd="sng" cap="flat" w="0">
+                      <a:noFill/>
+                      <a:prstDash val="solid"/>
+                    </a:lnR>
+                    <a:lnT algn="ctr" cmpd="sng" cap="flat" w="0">
+                      <a:noFill/>
+                      <a:prstDash val="solid"/>
+                    </a:lnT>
+                    <a:lnB algn="ctr" cmpd="sng" cap="flat" w="0">
+                      <a:noFill/>
+                      <a:prstDash val="solid"/>
+                    </a:lnB>
+                    <a:solidFill>
+                      <a:srgbClr val="FFFFFF">
+                        <a:alpha val="0"/>
+                      </a:srgbClr>
+                    </a:solidFill>
+                  </a:tcPr>
                 </a:tc>
                 <a:tc>
                   <a:txBody>
                     <a:bodyPr/>
                     <a:lstStyle/>
                     <a:p>
-                      <a:pPr lvl="0" indent="0" marL="0" algn="r">
+                      <a:pPr algn="r" marL="63500" marR="63500">
+                        <a:lnSpc>
+                          <a:spcPct val="100000"/>
+                        </a:lnSpc>
+                        <a:spcBef>
+                          <a:spcPts val="500"/>
+                        </a:spcBef>
+                        <a:spcAft>
+                          <a:spcPts val="500"/>
+                        </a:spcAft>
                         <a:buNone/>
                       </a:pPr>
                       <a:r>
-                        <a:rPr/>
+                        <a:rPr cap="none" sz="1100" i="0" b="0" u="none">
+                          <a:solidFill>
+                            <a:srgbClr val="000000">
+                              <a:alpha val="100000"/>
+                            </a:srgbClr>
+                          </a:solidFill>
+                          <a:latin typeface="Helvetica"/>
+                          <a:cs typeface="Helvetica"/>
+                          <a:ea typeface="Helvetica"/>
+                          <a:sym typeface="Helvetica"/>
+                        </a:rPr>
                         <a:t>18.83601</a:t>
                       </a:r>
                     </a:p>
                   </a:txBody>
+                  <a:tcPr anchor="ctr" marB="63500" marT="63500" marR="0" marL="0">
+                    <a:lnL algn="ctr" cmpd="sng" cap="flat" w="0">
+                      <a:noFill/>
+                      <a:prstDash val="solid"/>
+                    </a:lnL>
+                    <a:lnR algn="ctr" cmpd="sng" cap="flat" w="0">
+                      <a:noFill/>
+                      <a:prstDash val="solid"/>
+                    </a:lnR>
+                    <a:lnT algn="ctr" cmpd="sng" cap="flat" w="0">
+                      <a:noFill/>
+                      <a:prstDash val="solid"/>
+                    </a:lnT>
+                    <a:lnB algn="ctr" cmpd="sng" cap="flat" w="0">
+                      <a:noFill/>
+                      <a:prstDash val="solid"/>
+                    </a:lnB>
+                    <a:solidFill>
+                      <a:srgbClr val="FFFFFF">
+                        <a:alpha val="0"/>
+                      </a:srgbClr>
+                    </a:solidFill>
+                  </a:tcPr>
                 </a:tc>
               </a:tr>
-              <a:tr h="0">
+              <a:tr h="228600">
                 <a:tc>
                   <a:txBody>
                     <a:bodyPr/>
                     <a:lstStyle/>
                     <a:p>
-                      <a:pPr lvl="0" indent="0" marL="0" algn="l">
+                      <a:pPr algn="l" marL="63500" marR="63500">
+                        <a:lnSpc>
+                          <a:spcPct val="100000"/>
+                        </a:lnSpc>
+                        <a:spcBef>
+                          <a:spcPts val="500"/>
+                        </a:spcBef>
+                        <a:spcAft>
+                          <a:spcPts val="500"/>
+                        </a:spcAft>
                         <a:buNone/>
                       </a:pPr>
                       <a:r>
-                        <a:rPr/>
+                        <a:rPr cap="none" sz="1100" i="0" b="0" u="none">
+                          <a:solidFill>
+                            <a:srgbClr val="000000">
+                              <a:alpha val="100000"/>
+                            </a:srgbClr>
+                          </a:solidFill>
+                          <a:latin typeface="Helvetica"/>
+                          <a:cs typeface="Helvetica"/>
+                          <a:ea typeface="Helvetica"/>
+                          <a:sym typeface="Helvetica"/>
+                        </a:rPr>
                         <a:t>snail</a:t>
                       </a:r>
                     </a:p>
                   </a:txBody>
+                  <a:tcPr anchor="ctr" marB="63500" marT="63500" marR="0" marL="0">
+                    <a:lnL algn="ctr" cmpd="sng" cap="flat" w="0">
+                      <a:noFill/>
+                      <a:prstDash val="solid"/>
+                    </a:lnL>
+                    <a:lnR algn="ctr" cmpd="sng" cap="flat" w="0">
+                      <a:noFill/>
+                      <a:prstDash val="solid"/>
+                    </a:lnR>
+                    <a:lnT algn="ctr" cmpd="sng" cap="flat" w="0">
+                      <a:noFill/>
+                      <a:prstDash val="solid"/>
+                    </a:lnT>
+                    <a:lnB algn="ctr" cmpd="sng" cap="flat" w="19050">
+                      <a:solidFill>
+                        <a:srgbClr val="666666">
+                          <a:alpha val="100000"/>
+                        </a:srgbClr>
+                      </a:solidFill>
+                      <a:prstDash val="solid"/>
+                    </a:lnB>
+                    <a:solidFill>
+                      <a:srgbClr val="FFFFFF">
+                        <a:alpha val="0"/>
+                      </a:srgbClr>
+                    </a:solidFill>
+                  </a:tcPr>
                 </a:tc>
                 <a:tc>
                   <a:txBody>
                     <a:bodyPr/>
                     <a:lstStyle/>
                     <a:p>
-                      <a:pPr lvl="0" indent="0" marL="0" algn="r">
+                      <a:pPr algn="r" marL="63500" marR="63500">
+                        <a:lnSpc>
+                          <a:spcPct val="100000"/>
+                        </a:lnSpc>
+                        <a:spcBef>
+                          <a:spcPts val="500"/>
+                        </a:spcBef>
+                        <a:spcAft>
+                          <a:spcPts val="500"/>
+                        </a:spcAft>
                         <a:buNone/>
                       </a:pPr>
                       <a:r>
-                        <a:rPr/>
+                        <a:rPr cap="none" sz="1100" i="0" b="0" u="none">
+                          <a:solidFill>
+                            <a:srgbClr val="000000">
+                              <a:alpha val="100000"/>
+                            </a:srgbClr>
+                          </a:solidFill>
+                          <a:latin typeface="Helvetica"/>
+                          <a:cs typeface="Helvetica"/>
+                          <a:ea typeface="Helvetica"/>
+                          <a:sym typeface="Helvetica"/>
+                        </a:rPr>
                         <a:t>18.33333</a:t>
                       </a:r>
                     </a:p>
                   </a:txBody>
+                  <a:tcPr anchor="ctr" marB="63500" marT="63500" marR="0" marL="0">
+                    <a:lnL algn="ctr" cmpd="sng" cap="flat" w="0">
+                      <a:noFill/>
+                      <a:prstDash val="solid"/>
+                    </a:lnL>
+                    <a:lnR algn="ctr" cmpd="sng" cap="flat" w="0">
+                      <a:noFill/>
+                      <a:prstDash val="solid"/>
+                    </a:lnR>
+                    <a:lnT algn="ctr" cmpd="sng" cap="flat" w="0">
+                      <a:noFill/>
+                      <a:prstDash val="solid"/>
+                    </a:lnT>
+                    <a:lnB algn="ctr" cmpd="sng" cap="flat" w="19050">
+                      <a:solidFill>
+                        <a:srgbClr val="666666">
+                          <a:alpha val="100000"/>
+                        </a:srgbClr>
+                      </a:solidFill>
+                      <a:prstDash val="solid"/>
+                    </a:lnB>
+                    <a:solidFill>
+                      <a:srgbClr val="FFFFFF">
+                        <a:alpha val="0"/>
+                      </a:srgbClr>
+                    </a:solidFill>
+                  </a:tcPr>
                 </a:tc>
                 <a:tc>
                   <a:txBody>
                     <a:bodyPr/>
                     <a:lstStyle/>
                     <a:p>
-                      <a:pPr lvl="0" indent="0" marL="0" algn="r">
+                      <a:pPr algn="r" marL="63500" marR="63500">
+                        <a:lnSpc>
+                          <a:spcPct val="100000"/>
+                        </a:lnSpc>
+                        <a:spcBef>
+                          <a:spcPts val="500"/>
+                        </a:spcBef>
+                        <a:spcAft>
+                          <a:spcPts val="500"/>
+                        </a:spcAft>
                         <a:buNone/>
                       </a:pPr>
                       <a:r>
-                        <a:rPr/>
+                        <a:rPr cap="none" sz="1100" i="0" b="0" u="none">
+                          <a:solidFill>
+                            <a:srgbClr val="000000">
+                              <a:alpha val="100000"/>
+                            </a:srgbClr>
+                          </a:solidFill>
+                          <a:latin typeface="Helvetica"/>
+                          <a:cs typeface="Helvetica"/>
+                          <a:ea typeface="Helvetica"/>
+                          <a:sym typeface="Helvetica"/>
+                        </a:rPr>
                         <a:t>2.269695</a:t>
                       </a:r>
                     </a:p>
                   </a:txBody>
+                  <a:tcPr anchor="ctr" marB="63500" marT="63500" marR="0" marL="0">
+                    <a:lnL algn="ctr" cmpd="sng" cap="flat" w="0">
+                      <a:noFill/>
+                      <a:prstDash val="solid"/>
+                    </a:lnL>
+                    <a:lnR algn="ctr" cmpd="sng" cap="flat" w="0">
+                      <a:noFill/>
+                      <a:prstDash val="solid"/>
+                    </a:lnR>
+                    <a:lnT algn="ctr" cmpd="sng" cap="flat" w="0">
+                      <a:noFill/>
+                      <a:prstDash val="solid"/>
+                    </a:lnT>
+                    <a:lnB algn="ctr" cmpd="sng" cap="flat" w="19050">
+                      <a:solidFill>
+                        <a:srgbClr val="666666">
+                          <a:alpha val="100000"/>
+                        </a:srgbClr>
+                      </a:solidFill>
+                      <a:prstDash val="solid"/>
+                    </a:lnB>
+                    <a:solidFill>
+                      <a:srgbClr val="FFFFFF">
+                        <a:alpha val="0"/>
+                      </a:srgbClr>
+                    </a:solidFill>
+                  </a:tcPr>
                 </a:tc>
                 <a:tc>
                   <a:txBody>
                     <a:bodyPr/>
                     <a:lstStyle/>
                     <a:p>
-                      <a:pPr lvl="0" indent="0" marL="0" algn="r">
+                      <a:pPr algn="r" marL="63500" marR="63500">
+                        <a:lnSpc>
+                          <a:spcPct val="100000"/>
+                        </a:lnSpc>
+                        <a:spcBef>
+                          <a:spcPts val="500"/>
+                        </a:spcBef>
+                        <a:spcAft>
+                          <a:spcPts val="500"/>
+                        </a:spcAft>
                         <a:buNone/>
                       </a:pPr>
                       <a:r>
-                        <a:rPr/>
+                        <a:rPr cap="none" sz="1100" i="0" b="0" u="none">
+                          <a:solidFill>
+                            <a:srgbClr val="000000">
+                              <a:alpha val="100000"/>
+                            </a:srgbClr>
+                          </a:solidFill>
+                          <a:latin typeface="Helvetica"/>
+                          <a:cs typeface="Helvetica"/>
+                          <a:ea typeface="Helvetica"/>
+                          <a:sym typeface="Helvetica"/>
+                        </a:rPr>
                         <a:t>12</a:t>
                       </a:r>
                     </a:p>
                   </a:txBody>
+                  <a:tcPr anchor="ctr" marB="63500" marT="63500" marR="0" marL="0">
+                    <a:lnL algn="ctr" cmpd="sng" cap="flat" w="0">
+                      <a:noFill/>
+                      <a:prstDash val="solid"/>
+                    </a:lnL>
+                    <a:lnR algn="ctr" cmpd="sng" cap="flat" w="0">
+                      <a:noFill/>
+                      <a:prstDash val="solid"/>
+                    </a:lnR>
+                    <a:lnT algn="ctr" cmpd="sng" cap="flat" w="0">
+                      <a:noFill/>
+                      <a:prstDash val="solid"/>
+                    </a:lnT>
+                    <a:lnB algn="ctr" cmpd="sng" cap="flat" w="19050">
+                      <a:solidFill>
+                        <a:srgbClr val="666666">
+                          <a:alpha val="100000"/>
+                        </a:srgbClr>
+                      </a:solidFill>
+                      <a:prstDash val="solid"/>
+                    </a:lnB>
+                    <a:solidFill>
+                      <a:srgbClr val="FFFFFF">
+                        <a:alpha val="0"/>
+                      </a:srgbClr>
+                    </a:solidFill>
+                  </a:tcPr>
                 </a:tc>
                 <a:tc>
                   <a:txBody>
                     <a:bodyPr/>
                     <a:lstStyle/>
                     <a:p>
-                      <a:pPr lvl="0" indent="0" marL="0" algn="r">
+                      <a:pPr algn="r" marL="63500" marR="63500">
+                        <a:lnSpc>
+                          <a:spcPct val="100000"/>
+                        </a:lnSpc>
+                        <a:spcBef>
+                          <a:spcPts val="500"/>
+                        </a:spcBef>
+                        <a:spcAft>
+                          <a:spcPts val="500"/>
+                        </a:spcAft>
                         <a:buNone/>
                       </a:pPr>
                       <a:r>
-                        <a:rPr/>
+                        <a:rPr cap="none" sz="1100" i="0" b="0" u="none">
+                          <a:solidFill>
+                            <a:srgbClr val="000000">
+                              <a:alpha val="100000"/>
+                            </a:srgbClr>
+                          </a:solidFill>
+                          <a:latin typeface="Helvetica"/>
+                          <a:cs typeface="Helvetica"/>
+                          <a:ea typeface="Helvetica"/>
+                          <a:sym typeface="Helvetica"/>
+                        </a:rPr>
                         <a:t>0.6552045</a:t>
                       </a:r>
                     </a:p>
                   </a:txBody>
+                  <a:tcPr anchor="ctr" marB="63500" marT="63500" marR="0" marL="0">
+                    <a:lnL algn="ctr" cmpd="sng" cap="flat" w="0">
+                      <a:noFill/>
+                      <a:prstDash val="solid"/>
+                    </a:lnL>
+                    <a:lnR algn="ctr" cmpd="sng" cap="flat" w="0">
+                      <a:noFill/>
+                      <a:prstDash val="solid"/>
+                    </a:lnR>
+                    <a:lnT algn="ctr" cmpd="sng" cap="flat" w="0">
+                      <a:noFill/>
+                      <a:prstDash val="solid"/>
+                    </a:lnT>
+                    <a:lnB algn="ctr" cmpd="sng" cap="flat" w="19050">
+                      <a:solidFill>
+                        <a:srgbClr val="666666">
+                          <a:alpha val="100000"/>
+                        </a:srgbClr>
+                      </a:solidFill>
+                      <a:prstDash val="solid"/>
+                    </a:lnB>
+                    <a:solidFill>
+                      <a:srgbClr val="FFFFFF">
+                        <a:alpha val="0"/>
+                      </a:srgbClr>
+                    </a:solidFill>
+                  </a:tcPr>
                 </a:tc>
                 <a:tc>
                   <a:txBody>
                     <a:bodyPr/>
                     <a:lstStyle/>
                     <a:p>
-                      <a:pPr lvl="0" indent="0" marL="0" algn="r">
+                      <a:pPr algn="r" marL="63500" marR="63500">
+                        <a:lnSpc>
+                          <a:spcPct val="100000"/>
+                        </a:lnSpc>
+                        <a:spcBef>
+                          <a:spcPts val="500"/>
+                        </a:spcBef>
+                        <a:spcAft>
+                          <a:spcPts val="500"/>
+                        </a:spcAft>
                         <a:buNone/>
                       </a:pPr>
                       <a:r>
-                        <a:rPr/>
+                        <a:rPr cap="none" sz="1100" i="0" b="0" u="none">
+                          <a:solidFill>
+                            <a:srgbClr val="000000">
+                              <a:alpha val="100000"/>
+                            </a:srgbClr>
+                          </a:solidFill>
+                          <a:latin typeface="Helvetica"/>
+                          <a:cs typeface="Helvetica"/>
+                          <a:ea typeface="Helvetica"/>
+                          <a:sym typeface="Helvetica"/>
+                        </a:rPr>
                         <a:t>16.89124</a:t>
                       </a:r>
                     </a:p>
                   </a:txBody>
+                  <a:tcPr anchor="ctr" marB="63500" marT="63500" marR="0" marL="0">
+                    <a:lnL algn="ctr" cmpd="sng" cap="flat" w="0">
+                      <a:noFill/>
+                      <a:prstDash val="solid"/>
+                    </a:lnL>
+                    <a:lnR algn="ctr" cmpd="sng" cap="flat" w="0">
+                      <a:noFill/>
+                      <a:prstDash val="solid"/>
+                    </a:lnR>
+                    <a:lnT algn="ctr" cmpd="sng" cap="flat" w="0">
+                      <a:noFill/>
+                      <a:prstDash val="solid"/>
+                    </a:lnT>
+                    <a:lnB algn="ctr" cmpd="sng" cap="flat" w="19050">
+                      <a:solidFill>
+                        <a:srgbClr val="666666">
+                          <a:alpha val="100000"/>
+                        </a:srgbClr>
+                      </a:solidFill>
+                      <a:prstDash val="solid"/>
+                    </a:lnB>
+                    <a:solidFill>
+                      <a:srgbClr val="FFFFFF">
+                        <a:alpha val="0"/>
+                      </a:srgbClr>
+                    </a:solidFill>
+                  </a:tcPr>
                 </a:tc>
                 <a:tc>
                   <a:txBody>
                     <a:bodyPr/>
                     <a:lstStyle/>
                     <a:p>
-                      <a:pPr lvl="0" indent="0" marL="0" algn="r">
+                      <a:pPr algn="r" marL="63500" marR="63500">
+                        <a:lnSpc>
+                          <a:spcPct val="100000"/>
+                        </a:lnSpc>
+                        <a:spcBef>
+                          <a:spcPts val="500"/>
+                        </a:spcBef>
+                        <a:spcAft>
+                          <a:spcPts val="500"/>
+                        </a:spcAft>
                         <a:buNone/>
                       </a:pPr>
                       <a:r>
-                        <a:rPr/>
+                        <a:rPr cap="none" sz="1100" i="0" b="0" u="none">
+                          <a:solidFill>
+                            <a:srgbClr val="000000">
+                              <a:alpha val="100000"/>
+                            </a:srgbClr>
+                          </a:solidFill>
+                          <a:latin typeface="Helvetica"/>
+                          <a:cs typeface="Helvetica"/>
+                          <a:ea typeface="Helvetica"/>
+                          <a:sym typeface="Helvetica"/>
+                        </a:rPr>
                         <a:t>19.77543</a:t>
                       </a:r>
                     </a:p>
                   </a:txBody>
+                  <a:tcPr anchor="ctr" marB="63500" marT="63500" marR="0" marL="0">
+                    <a:lnL algn="ctr" cmpd="sng" cap="flat" w="0">
+                      <a:noFill/>
+                      <a:prstDash val="solid"/>
+                    </a:lnL>
+                    <a:lnR algn="ctr" cmpd="sng" cap="flat" w="0">
+                      <a:noFill/>
+                      <a:prstDash val="solid"/>
+                    </a:lnR>
+                    <a:lnT algn="ctr" cmpd="sng" cap="flat" w="0">
+                      <a:noFill/>
+                      <a:prstDash val="solid"/>
+                    </a:lnT>
+                    <a:lnB algn="ctr" cmpd="sng" cap="flat" w="19050">
+                      <a:solidFill>
+                        <a:srgbClr val="666666">
+                          <a:alpha val="100000"/>
+                        </a:srgbClr>
+                      </a:solidFill>
+                      <a:prstDash val="solid"/>
+                    </a:lnB>
+                    <a:solidFill>
+                      <a:srgbClr val="FFFFFF">
+                        <a:alpha val="0"/>
+                      </a:srgbClr>
+                    </a:solidFill>
+                  </a:tcPr>
                 </a:tc>
               </a:tr>
             </a:tbl>
@@ -6278,697 +8633,6 @@
               <a:t>&lt;</a:t>
             </a:r>
           </a:p>
-          <a:p>
-            <a:pPr lvl="0" indent="0">
-              <a:buNone/>
-            </a:pPr>
-            <a:r>
-              <a:rPr>
-                <a:solidFill>
-                  <a:srgbClr val="5E5E5E"/>
-                </a:solidFill>
-                <a:latin typeface="Courier"/>
-              </a:rPr>
-              <a:t># Let's create two versions of the same plot</a:t>
-            </a:r>
-            <a:br/>
-            <a:r>
-              <a:rPr>
-                <a:solidFill>
-                  <a:srgbClr val="5E5E5E"/>
-                </a:solidFill>
-                <a:latin typeface="Courier"/>
-              </a:rPr>
-              <a:t># First, a "poor" version with low data-ink ratio</a:t>
-            </a:r>
-            <a:br/>
-            <a:r>
-              <a:rPr>
-                <a:solidFill>
-                  <a:srgbClr val="4758AB"/>
-                </a:solidFill>
-                <a:latin typeface="Courier"/>
-              </a:rPr>
-              <a:t>library</a:t>
-            </a:r>
-            <a:r>
-              <a:rPr>
-                <a:solidFill>
-                  <a:srgbClr val="003B4F"/>
-                </a:solidFill>
-                <a:latin typeface="Courier"/>
-              </a:rPr>
-              <a:t>(ggthemes)</a:t>
-            </a:r>
-            <a:br/>
-            <a:r>
-              <a:rPr>
-                <a:solidFill>
-                  <a:srgbClr val="003B4F"/>
-                </a:solidFill>
-                <a:latin typeface="Courier"/>
-              </a:rPr>
-              <a:t>poor_plot &lt;- </a:t>
-            </a:r>
-            <a:r>
-              <a:rPr>
-                <a:solidFill>
-                  <a:srgbClr val="4758AB"/>
-                </a:solidFill>
-                <a:latin typeface="Courier"/>
-              </a:rPr>
-              <a:t>ggplot</a:t>
-            </a:r>
-            <a:r>
-              <a:rPr>
-                <a:solidFill>
-                  <a:srgbClr val="003B4F"/>
-                </a:solidFill>
-                <a:latin typeface="Courier"/>
-              </a:rPr>
-              <a:t>(pine_df, </a:t>
-            </a:r>
-            <a:r>
-              <a:rPr>
-                <a:solidFill>
-                  <a:srgbClr val="4758AB"/>
-                </a:solidFill>
-                <a:latin typeface="Courier"/>
-              </a:rPr>
-              <a:t>aes</a:t>
-            </a:r>
-            <a:r>
-              <a:rPr>
-                <a:solidFill>
-                  <a:srgbClr val="003B4F"/>
-                </a:solidFill>
-                <a:latin typeface="Courier"/>
-              </a:rPr>
-              <a:t>(</a:t>
-            </a:r>
-            <a:r>
-              <a:rPr>
-                <a:solidFill>
-                  <a:srgbClr val="657422"/>
-                </a:solidFill>
-                <a:latin typeface="Courier"/>
-              </a:rPr>
-              <a:t>x =</a:t>
-            </a:r>
-            <a:r>
-              <a:rPr>
-                <a:solidFill>
-                  <a:srgbClr val="003B4F"/>
-                </a:solidFill>
-                <a:latin typeface="Courier"/>
-              </a:rPr>
-              <a:t> wind, </a:t>
-            </a:r>
-            <a:r>
-              <a:rPr>
-                <a:solidFill>
-                  <a:srgbClr val="657422"/>
-                </a:solidFill>
-                <a:latin typeface="Courier"/>
-              </a:rPr>
-              <a:t>y =</a:t>
-            </a:r>
-            <a:r>
-              <a:rPr>
-                <a:solidFill>
-                  <a:srgbClr val="003B4F"/>
-                </a:solidFill>
-                <a:latin typeface="Courier"/>
-              </a:rPr>
-              <a:t> length_mm)) </a:t>
-            </a:r>
-            <a:r>
-              <a:rPr>
-                <a:solidFill>
-                  <a:srgbClr val="5E5E5E"/>
-                </a:solidFill>
-                <a:latin typeface="Courier"/>
-              </a:rPr>
-              <a:t>+</a:t>
-            </a:r>
-            <a:br/>
-            <a:r>
-              <a:rPr>
-                <a:solidFill>
-                  <a:srgbClr val="003B4F"/>
-                </a:solidFill>
-                <a:latin typeface="Courier"/>
-              </a:rPr>
-              <a:t>  </a:t>
-            </a:r>
-            <a:r>
-              <a:rPr>
-                <a:solidFill>
-                  <a:srgbClr val="4758AB"/>
-                </a:solidFill>
-                <a:latin typeface="Courier"/>
-              </a:rPr>
-              <a:t>geom_bar</a:t>
-            </a:r>
-            <a:r>
-              <a:rPr>
-                <a:solidFill>
-                  <a:srgbClr val="003B4F"/>
-                </a:solidFill>
-                <a:latin typeface="Courier"/>
-              </a:rPr>
-              <a:t>(</a:t>
-            </a:r>
-            <a:r>
-              <a:rPr>
-                <a:solidFill>
-                  <a:srgbClr val="657422"/>
-                </a:solidFill>
-                <a:latin typeface="Courier"/>
-              </a:rPr>
-              <a:t>stat =</a:t>
-            </a:r>
-            <a:r>
-              <a:rPr>
-                <a:solidFill>
-                  <a:srgbClr val="003B4F"/>
-                </a:solidFill>
-                <a:latin typeface="Courier"/>
-              </a:rPr>
-              <a:t> </a:t>
-            </a:r>
-            <a:r>
-              <a:rPr>
-                <a:solidFill>
-                  <a:srgbClr val="20794D"/>
-                </a:solidFill>
-                <a:latin typeface="Courier"/>
-              </a:rPr>
-              <a:t>"summary"</a:t>
-            </a:r>
-            <a:r>
-              <a:rPr>
-                <a:solidFill>
-                  <a:srgbClr val="003B4F"/>
-                </a:solidFill>
-                <a:latin typeface="Courier"/>
-              </a:rPr>
-              <a:t>, </a:t>
-            </a:r>
-            <a:r>
-              <a:rPr>
-                <a:solidFill>
-                  <a:srgbClr val="657422"/>
-                </a:solidFill>
-                <a:latin typeface="Courier"/>
-              </a:rPr>
-              <a:t>fun =</a:t>
-            </a:r>
-            <a:r>
-              <a:rPr>
-                <a:solidFill>
-                  <a:srgbClr val="003B4F"/>
-                </a:solidFill>
-                <a:latin typeface="Courier"/>
-              </a:rPr>
-              <a:t> </a:t>
-            </a:r>
-            <a:r>
-              <a:rPr>
-                <a:solidFill>
-                  <a:srgbClr val="20794D"/>
-                </a:solidFill>
-                <a:latin typeface="Courier"/>
-              </a:rPr>
-              <a:t>"mean"</a:t>
-            </a:r>
-            <a:r>
-              <a:rPr>
-                <a:solidFill>
-                  <a:srgbClr val="003B4F"/>
-                </a:solidFill>
-                <a:latin typeface="Courier"/>
-              </a:rPr>
-              <a:t>, </a:t>
-            </a:r>
-            <a:r>
-              <a:rPr>
-                <a:solidFill>
-                  <a:srgbClr val="657422"/>
-                </a:solidFill>
-                <a:latin typeface="Courier"/>
-              </a:rPr>
-              <a:t>fill =</a:t>
-            </a:r>
-            <a:r>
-              <a:rPr>
-                <a:solidFill>
-                  <a:srgbClr val="003B4F"/>
-                </a:solidFill>
-                <a:latin typeface="Courier"/>
-              </a:rPr>
-              <a:t> </a:t>
-            </a:r>
-            <a:r>
-              <a:rPr>
-                <a:solidFill>
-                  <a:srgbClr val="20794D"/>
-                </a:solidFill>
-                <a:latin typeface="Courier"/>
-              </a:rPr>
-              <a:t>"lightblue"</a:t>
-            </a:r>
-            <a:r>
-              <a:rPr>
-                <a:solidFill>
-                  <a:srgbClr val="003B4F"/>
-                </a:solidFill>
-                <a:latin typeface="Courier"/>
-              </a:rPr>
-              <a:t>, </a:t>
-            </a:r>
-            <a:br/>
-            <a:r>
-              <a:rPr>
-                <a:solidFill>
-                  <a:srgbClr val="003B4F"/>
-                </a:solidFill>
-                <a:latin typeface="Courier"/>
-              </a:rPr>
-              <a:t>           </a:t>
-            </a:r>
-            <a:r>
-              <a:rPr>
-                <a:solidFill>
-                  <a:srgbClr val="657422"/>
-                </a:solidFill>
-                <a:latin typeface="Courier"/>
-              </a:rPr>
-              <a:t>color =</a:t>
-            </a:r>
-            <a:r>
-              <a:rPr>
-                <a:solidFill>
-                  <a:srgbClr val="003B4F"/>
-                </a:solidFill>
-                <a:latin typeface="Courier"/>
-              </a:rPr>
-              <a:t> </a:t>
-            </a:r>
-            <a:r>
-              <a:rPr>
-                <a:solidFill>
-                  <a:srgbClr val="20794D"/>
-                </a:solidFill>
-                <a:latin typeface="Courier"/>
-              </a:rPr>
-              <a:t>"black"</a:t>
-            </a:r>
-            <a:r>
-              <a:rPr>
-                <a:solidFill>
-                  <a:srgbClr val="003B4F"/>
-                </a:solidFill>
-                <a:latin typeface="Courier"/>
-              </a:rPr>
-              <a:t>) </a:t>
-            </a:r>
-            <a:r>
-              <a:rPr>
-                <a:solidFill>
-                  <a:srgbClr val="5E5E5E"/>
-                </a:solidFill>
-                <a:latin typeface="Courier"/>
-              </a:rPr>
-              <a:t>+</a:t>
-            </a:r>
-            <a:br/>
-            <a:r>
-              <a:rPr>
-                <a:solidFill>
-                  <a:srgbClr val="003B4F"/>
-                </a:solidFill>
-                <a:latin typeface="Courier"/>
-              </a:rPr>
-              <a:t>  </a:t>
-            </a:r>
-            <a:r>
-              <a:rPr>
-                <a:solidFill>
-                  <a:srgbClr val="4758AB"/>
-                </a:solidFill>
-                <a:latin typeface="Courier"/>
-              </a:rPr>
-              <a:t>geom_errorbar</a:t>
-            </a:r>
-            <a:r>
-              <a:rPr>
-                <a:solidFill>
-                  <a:srgbClr val="003B4F"/>
-                </a:solidFill>
-                <a:latin typeface="Courier"/>
-              </a:rPr>
-              <a:t>(</a:t>
-            </a:r>
-            <a:r>
-              <a:rPr>
-                <a:solidFill>
-                  <a:srgbClr val="657422"/>
-                </a:solidFill>
-                <a:latin typeface="Courier"/>
-              </a:rPr>
-              <a:t>stat =</a:t>
-            </a:r>
-            <a:r>
-              <a:rPr>
-                <a:solidFill>
-                  <a:srgbClr val="003B4F"/>
-                </a:solidFill>
-                <a:latin typeface="Courier"/>
-              </a:rPr>
-              <a:t> </a:t>
-            </a:r>
-            <a:r>
-              <a:rPr>
-                <a:solidFill>
-                  <a:srgbClr val="20794D"/>
-                </a:solidFill>
-                <a:latin typeface="Courier"/>
-              </a:rPr>
-              <a:t>"summary"</a:t>
-            </a:r>
-            <a:r>
-              <a:rPr>
-                <a:solidFill>
-                  <a:srgbClr val="003B4F"/>
-                </a:solidFill>
-                <a:latin typeface="Courier"/>
-              </a:rPr>
-              <a:t>, </a:t>
-            </a:r>
-            <a:r>
-              <a:rPr>
-                <a:solidFill>
-                  <a:srgbClr val="657422"/>
-                </a:solidFill>
-                <a:latin typeface="Courier"/>
-              </a:rPr>
-              <a:t>fun.data =</a:t>
-            </a:r>
-            <a:r>
-              <a:rPr>
-                <a:solidFill>
-                  <a:srgbClr val="003B4F"/>
-                </a:solidFill>
-                <a:latin typeface="Courier"/>
-              </a:rPr>
-              <a:t> </a:t>
-            </a:r>
-            <a:r>
-              <a:rPr>
-                <a:solidFill>
-                  <a:srgbClr val="20794D"/>
-                </a:solidFill>
-                <a:latin typeface="Courier"/>
-              </a:rPr>
-              <a:t>"mean_se"</a:t>
-            </a:r>
-            <a:r>
-              <a:rPr>
-                <a:solidFill>
-                  <a:srgbClr val="003B4F"/>
-                </a:solidFill>
-                <a:latin typeface="Courier"/>
-              </a:rPr>
-              <a:t>, </a:t>
-            </a:r>
-            <a:r>
-              <a:rPr>
-                <a:solidFill>
-                  <a:srgbClr val="657422"/>
-                </a:solidFill>
-                <a:latin typeface="Courier"/>
-              </a:rPr>
-              <a:t>width =</a:t>
-            </a:r>
-            <a:r>
-              <a:rPr>
-                <a:solidFill>
-                  <a:srgbClr val="003B4F"/>
-                </a:solidFill>
-                <a:latin typeface="Courier"/>
-              </a:rPr>
-              <a:t> </a:t>
-            </a:r>
-            <a:r>
-              <a:rPr>
-                <a:solidFill>
-                  <a:srgbClr val="AD0000"/>
-                </a:solidFill>
-                <a:latin typeface="Courier"/>
-              </a:rPr>
-              <a:t>0.5</a:t>
-            </a:r>
-            <a:r>
-              <a:rPr>
-                <a:solidFill>
-                  <a:srgbClr val="003B4F"/>
-                </a:solidFill>
-                <a:latin typeface="Courier"/>
-              </a:rPr>
-              <a:t>) </a:t>
-            </a:r>
-            <a:r>
-              <a:rPr>
-                <a:solidFill>
-                  <a:srgbClr val="5E5E5E"/>
-                </a:solidFill>
-                <a:latin typeface="Courier"/>
-              </a:rPr>
-              <a:t>+</a:t>
-            </a:r>
-            <a:br/>
-            <a:r>
-              <a:rPr>
-                <a:solidFill>
-                  <a:srgbClr val="003B4F"/>
-                </a:solidFill>
-                <a:latin typeface="Courier"/>
-              </a:rPr>
-              <a:t>  </a:t>
-            </a:r>
-            <a:r>
-              <a:rPr>
-                <a:solidFill>
-                  <a:srgbClr val="5E5E5E"/>
-                </a:solidFill>
-                <a:latin typeface="Courier"/>
-              </a:rPr>
-              <a:t># theme_excel() +</a:t>
-            </a:r>
-            <a:br/>
-            <a:r>
-              <a:rPr>
-                <a:solidFill>
-                  <a:srgbClr val="003B4F"/>
-                </a:solidFill>
-                <a:latin typeface="Courier"/>
-              </a:rPr>
-              <a:t>  </a:t>
-            </a:r>
-            <a:r>
-              <a:rPr>
-                <a:solidFill>
-                  <a:srgbClr val="4758AB"/>
-                </a:solidFill>
-                <a:latin typeface="Courier"/>
-              </a:rPr>
-              <a:t>labs</a:t>
-            </a:r>
-            <a:r>
-              <a:rPr>
-                <a:solidFill>
-                  <a:srgbClr val="003B4F"/>
-                </a:solidFill>
-                <a:latin typeface="Courier"/>
-              </a:rPr>
-              <a:t>(</a:t>
-            </a:r>
-            <a:r>
-              <a:rPr>
-                <a:solidFill>
-                  <a:srgbClr val="657422"/>
-                </a:solidFill>
-                <a:latin typeface="Courier"/>
-              </a:rPr>
-              <a:t>title =</a:t>
-            </a:r>
-            <a:r>
-              <a:rPr>
-                <a:solidFill>
-                  <a:srgbClr val="003B4F"/>
-                </a:solidFill>
-                <a:latin typeface="Courier"/>
-              </a:rPr>
-              <a:t> </a:t>
-            </a:r>
-            <a:r>
-              <a:rPr>
-                <a:solidFill>
-                  <a:srgbClr val="20794D"/>
-                </a:solidFill>
-                <a:latin typeface="Courier"/>
-              </a:rPr>
-              <a:t>"Average needle length"</a:t>
-            </a:r>
-            <a:r>
-              <a:rPr>
-                <a:solidFill>
-                  <a:srgbClr val="003B4F"/>
-                </a:solidFill>
-                <a:latin typeface="Courier"/>
-              </a:rPr>
-              <a:t>,</a:t>
-            </a:r>
-            <a:br/>
-            <a:r>
-              <a:rPr>
-                <a:solidFill>
-                  <a:srgbClr val="003B4F"/>
-                </a:solidFill>
-                <a:latin typeface="Courier"/>
-              </a:rPr>
-              <a:t>       </a:t>
-            </a:r>
-            <a:r>
-              <a:rPr>
-                <a:solidFill>
-                  <a:srgbClr val="657422"/>
-                </a:solidFill>
-                <a:latin typeface="Courier"/>
-              </a:rPr>
-              <a:t>subtitle =</a:t>
-            </a:r>
-            <a:r>
-              <a:rPr>
-                <a:solidFill>
-                  <a:srgbClr val="003B4F"/>
-                </a:solidFill>
-                <a:latin typeface="Courier"/>
-              </a:rPr>
-              <a:t> </a:t>
-            </a:r>
-            <a:r>
-              <a:rPr>
-                <a:solidFill>
-                  <a:srgbClr val="20794D"/>
-                </a:solidFill>
-                <a:latin typeface="Courier"/>
-              </a:rPr>
-              <a:t>"This plot has a low data-ink ratio"</a:t>
-            </a:r>
-            <a:r>
-              <a:rPr>
-                <a:solidFill>
-                  <a:srgbClr val="003B4F"/>
-                </a:solidFill>
-                <a:latin typeface="Courier"/>
-              </a:rPr>
-              <a:t>,</a:t>
-            </a:r>
-            <a:br/>
-            <a:r>
-              <a:rPr>
-                <a:solidFill>
-                  <a:srgbClr val="003B4F"/>
-                </a:solidFill>
-                <a:latin typeface="Courier"/>
-              </a:rPr>
-              <a:t>       </a:t>
-            </a:r>
-            <a:r>
-              <a:rPr>
-                <a:solidFill>
-                  <a:srgbClr val="657422"/>
-                </a:solidFill>
-                <a:latin typeface="Courier"/>
-              </a:rPr>
-              <a:t>x =</a:t>
-            </a:r>
-            <a:r>
-              <a:rPr>
-                <a:solidFill>
-                  <a:srgbClr val="003B4F"/>
-                </a:solidFill>
-                <a:latin typeface="Courier"/>
-              </a:rPr>
-              <a:t> </a:t>
-            </a:r>
-            <a:r>
-              <a:rPr>
-                <a:solidFill>
-                  <a:srgbClr val="20794D"/>
-                </a:solidFill>
-                <a:latin typeface="Courier"/>
-              </a:rPr>
-              <a:t>"Sampling Side"</a:t>
-            </a:r>
-            <a:r>
-              <a:rPr>
-                <a:solidFill>
-                  <a:srgbClr val="003B4F"/>
-                </a:solidFill>
-                <a:latin typeface="Courier"/>
-              </a:rPr>
-              <a:t>, </a:t>
-            </a:r>
-            <a:r>
-              <a:rPr>
-                <a:solidFill>
-                  <a:srgbClr val="657422"/>
-                </a:solidFill>
-                <a:latin typeface="Courier"/>
-              </a:rPr>
-              <a:t>y =</a:t>
-            </a:r>
-            <a:r>
-              <a:rPr>
-                <a:solidFill>
-                  <a:srgbClr val="003B4F"/>
-                </a:solidFill>
-                <a:latin typeface="Courier"/>
-              </a:rPr>
-              <a:t> </a:t>
-            </a:r>
-            <a:r>
-              <a:rPr>
-                <a:solidFill>
-                  <a:srgbClr val="20794D"/>
-                </a:solidFill>
-                <a:latin typeface="Courier"/>
-              </a:rPr>
-              <a:t>"Average lenght (mm)"</a:t>
-            </a:r>
-            <a:r>
-              <a:rPr>
-                <a:solidFill>
-                  <a:srgbClr val="003B4F"/>
-                </a:solidFill>
-                <a:latin typeface="Courier"/>
-              </a:rPr>
-              <a:t>)</a:t>
-            </a:r>
-            <a:br/>
-            <a:r>
-              <a:rPr>
-                <a:solidFill>
-                  <a:srgbClr val="003B4F"/>
-                </a:solidFill>
-                <a:latin typeface="Courier"/>
-              </a:rPr>
-              <a:t>poor_plot</a:t>
-            </a:r>
-          </a:p>
         </p:txBody>
       </p:sp>
       <p:pic>
@@ -7035,9 +8699,12 @@
         </p:nvSpPr>
         <p:spPr>
           <a:xfrm>
-            <a:off x="139485" y="78119"/>
-            <a:ext cx="8229600" cy="607682"/>
+            <a:off x="0" y="0"/>
+            <a:ext cx="9144000" cy="602780"/>
           </a:xfrm>
+          <a:solidFill>
+            <a:srgbClr val="70121D"/>
+          </a:solidFill>
         </p:spPr>
         <p:txBody>
           <a:bodyPr/>
@@ -7059,12 +8726,12 @@
       </p:sp>
       <p:sp>
         <p:nvSpPr>
-          <p:cNvPr id="3" name="Text Placeholder 2"/>
+          <p:cNvPr id="3" name="Content Placeholder 2"/>
           <p:cNvSpPr>
             <a:spLocks noGrp="1"/>
           </p:cNvSpPr>
           <p:nvPr>
-            <p:ph idx="1" type="body"/>
+            <p:ph idx="1" sz="half"/>
           </p:nvPr>
         </p:nvSpPr>
         <p:spPr/>
@@ -7152,658 +8819,6 @@
             <a:r>
               <a:rPr/>
               <a:t>What is one of the most common plots you make all the time?</a:t>
-            </a:r>
-          </a:p>
-        </p:txBody>
-      </p:sp>
-      <p:sp>
-        <p:nvSpPr>
-          <p:cNvPr id="5" name="Text Placeholder 4"/>
-          <p:cNvSpPr>
-            <a:spLocks noGrp="1"/>
-          </p:cNvSpPr>
-          <p:nvPr>
-            <p:ph idx="3" sz="quarter" type="body"/>
-          </p:nvPr>
-        </p:nvSpPr>
-        <p:spPr/>
-        <p:txBody>
-          <a:bodyPr/>
-          <a:lstStyle/>
-          <a:p>
-            <a:pPr lvl="0" indent="0">
-              <a:buNone/>
-            </a:pPr>
-            <a:r>
-              <a:rPr>
-                <a:solidFill>
-                  <a:srgbClr val="5E5E5E"/>
-                </a:solidFill>
-                <a:latin typeface="Courier"/>
-              </a:rPr>
-              <a:t># "Better" version with higher data-ink ratio</a:t>
-            </a:r>
-            <a:br/>
-            <a:r>
-              <a:rPr>
-                <a:solidFill>
-                  <a:srgbClr val="003B4F"/>
-                </a:solidFill>
-                <a:latin typeface="Courier"/>
-              </a:rPr>
-              <a:t>better_plot &lt;- </a:t>
-            </a:r>
-            <a:r>
-              <a:rPr>
-                <a:solidFill>
-                  <a:srgbClr val="4758AB"/>
-                </a:solidFill>
-                <a:latin typeface="Courier"/>
-              </a:rPr>
-              <a:t>ggplot</a:t>
-            </a:r>
-            <a:r>
-              <a:rPr>
-                <a:solidFill>
-                  <a:srgbClr val="003B4F"/>
-                </a:solidFill>
-                <a:latin typeface="Courier"/>
-              </a:rPr>
-              <a:t>(pine_df, </a:t>
-            </a:r>
-            <a:r>
-              <a:rPr>
-                <a:solidFill>
-                  <a:srgbClr val="4758AB"/>
-                </a:solidFill>
-                <a:latin typeface="Courier"/>
-              </a:rPr>
-              <a:t>aes</a:t>
-            </a:r>
-            <a:r>
-              <a:rPr>
-                <a:solidFill>
-                  <a:srgbClr val="003B4F"/>
-                </a:solidFill>
-                <a:latin typeface="Courier"/>
-              </a:rPr>
-              <a:t>(</a:t>
-            </a:r>
-            <a:r>
-              <a:rPr>
-                <a:solidFill>
-                  <a:srgbClr val="657422"/>
-                </a:solidFill>
-                <a:latin typeface="Courier"/>
-              </a:rPr>
-              <a:t>x =</a:t>
-            </a:r>
-            <a:r>
-              <a:rPr>
-                <a:solidFill>
-                  <a:srgbClr val="003B4F"/>
-                </a:solidFill>
-                <a:latin typeface="Courier"/>
-              </a:rPr>
-              <a:t> wind, </a:t>
-            </a:r>
-            <a:r>
-              <a:rPr>
-                <a:solidFill>
-                  <a:srgbClr val="657422"/>
-                </a:solidFill>
-                <a:latin typeface="Courier"/>
-              </a:rPr>
-              <a:t>y =</a:t>
-            </a:r>
-            <a:r>
-              <a:rPr>
-                <a:solidFill>
-                  <a:srgbClr val="003B4F"/>
-                </a:solidFill>
-                <a:latin typeface="Courier"/>
-              </a:rPr>
-              <a:t> length_mm)) </a:t>
-            </a:r>
-            <a:r>
-              <a:rPr>
-                <a:solidFill>
-                  <a:srgbClr val="5E5E5E"/>
-                </a:solidFill>
-                <a:latin typeface="Courier"/>
-              </a:rPr>
-              <a:t>+</a:t>
-            </a:r>
-            <a:br/>
-            <a:r>
-              <a:rPr>
-                <a:solidFill>
-                  <a:srgbClr val="003B4F"/>
-                </a:solidFill>
-                <a:latin typeface="Courier"/>
-              </a:rPr>
-              <a:t>  </a:t>
-            </a:r>
-            <a:r>
-              <a:rPr>
-                <a:solidFill>
-                  <a:srgbClr val="4758AB"/>
-                </a:solidFill>
-                <a:latin typeface="Courier"/>
-              </a:rPr>
-              <a:t>stat_summary</a:t>
-            </a:r>
-            <a:r>
-              <a:rPr>
-                <a:solidFill>
-                  <a:srgbClr val="003B4F"/>
-                </a:solidFill>
-                <a:latin typeface="Courier"/>
-              </a:rPr>
-              <a:t>(</a:t>
-            </a:r>
-            <a:r>
-              <a:rPr>
-                <a:solidFill>
-                  <a:srgbClr val="657422"/>
-                </a:solidFill>
-                <a:latin typeface="Courier"/>
-              </a:rPr>
-              <a:t>fun =</a:t>
-            </a:r>
-            <a:r>
-              <a:rPr>
-                <a:solidFill>
-                  <a:srgbClr val="003B4F"/>
-                </a:solidFill>
-                <a:latin typeface="Courier"/>
-              </a:rPr>
-              <a:t> </a:t>
-            </a:r>
-            <a:r>
-              <a:rPr>
-                <a:solidFill>
-                  <a:srgbClr val="20794D"/>
-                </a:solidFill>
-                <a:latin typeface="Courier"/>
-              </a:rPr>
-              <a:t>"mean"</a:t>
-            </a:r>
-            <a:r>
-              <a:rPr>
-                <a:solidFill>
-                  <a:srgbClr val="003B4F"/>
-                </a:solidFill>
-                <a:latin typeface="Courier"/>
-              </a:rPr>
-              <a:t>, </a:t>
-            </a:r>
-            <a:r>
-              <a:rPr>
-                <a:solidFill>
-                  <a:srgbClr val="657422"/>
-                </a:solidFill>
-                <a:latin typeface="Courier"/>
-              </a:rPr>
-              <a:t>geom =</a:t>
-            </a:r>
-            <a:r>
-              <a:rPr>
-                <a:solidFill>
-                  <a:srgbClr val="003B4F"/>
-                </a:solidFill>
-                <a:latin typeface="Courier"/>
-              </a:rPr>
-              <a:t> </a:t>
-            </a:r>
-            <a:r>
-              <a:rPr>
-                <a:solidFill>
-                  <a:srgbClr val="20794D"/>
-                </a:solidFill>
-                <a:latin typeface="Courier"/>
-              </a:rPr>
-              <a:t>"point"</a:t>
-            </a:r>
-            <a:r>
-              <a:rPr>
-                <a:solidFill>
-                  <a:srgbClr val="003B4F"/>
-                </a:solidFill>
-                <a:latin typeface="Courier"/>
-              </a:rPr>
-              <a:t>, </a:t>
-            </a:r>
-            <a:r>
-              <a:rPr>
-                <a:solidFill>
-                  <a:srgbClr val="657422"/>
-                </a:solidFill>
-                <a:latin typeface="Courier"/>
-              </a:rPr>
-              <a:t>size =</a:t>
-            </a:r>
-            <a:r>
-              <a:rPr>
-                <a:solidFill>
-                  <a:srgbClr val="003B4F"/>
-                </a:solidFill>
-                <a:latin typeface="Courier"/>
-              </a:rPr>
-              <a:t> </a:t>
-            </a:r>
-            <a:r>
-              <a:rPr>
-                <a:solidFill>
-                  <a:srgbClr val="AD0000"/>
-                </a:solidFill>
-                <a:latin typeface="Courier"/>
-              </a:rPr>
-              <a:t>3</a:t>
-            </a:r>
-            <a:r>
-              <a:rPr>
-                <a:solidFill>
-                  <a:srgbClr val="003B4F"/>
-                </a:solidFill>
-                <a:latin typeface="Courier"/>
-              </a:rPr>
-              <a:t>) </a:t>
-            </a:r>
-            <a:r>
-              <a:rPr>
-                <a:solidFill>
-                  <a:srgbClr val="5E5E5E"/>
-                </a:solidFill>
-                <a:latin typeface="Courier"/>
-              </a:rPr>
-              <a:t>+</a:t>
-            </a:r>
-            <a:br/>
-            <a:r>
-              <a:rPr>
-                <a:solidFill>
-                  <a:srgbClr val="003B4F"/>
-                </a:solidFill>
-                <a:latin typeface="Courier"/>
-              </a:rPr>
-              <a:t>  </a:t>
-            </a:r>
-            <a:r>
-              <a:rPr>
-                <a:solidFill>
-                  <a:srgbClr val="4758AB"/>
-                </a:solidFill>
-                <a:latin typeface="Courier"/>
-              </a:rPr>
-              <a:t>stat_summary</a:t>
-            </a:r>
-            <a:r>
-              <a:rPr>
-                <a:solidFill>
-                  <a:srgbClr val="003B4F"/>
-                </a:solidFill>
-                <a:latin typeface="Courier"/>
-              </a:rPr>
-              <a:t>(</a:t>
-            </a:r>
-            <a:r>
-              <a:rPr>
-                <a:solidFill>
-                  <a:srgbClr val="657422"/>
-                </a:solidFill>
-                <a:latin typeface="Courier"/>
-              </a:rPr>
-              <a:t>fun.data =</a:t>
-            </a:r>
-            <a:r>
-              <a:rPr>
-                <a:solidFill>
-                  <a:srgbClr val="003B4F"/>
-                </a:solidFill>
-                <a:latin typeface="Courier"/>
-              </a:rPr>
-              <a:t> </a:t>
-            </a:r>
-            <a:r>
-              <a:rPr>
-                <a:solidFill>
-                  <a:srgbClr val="20794D"/>
-                </a:solidFill>
-                <a:latin typeface="Courier"/>
-              </a:rPr>
-              <a:t>"mean_se"</a:t>
-            </a:r>
-            <a:r>
-              <a:rPr>
-                <a:solidFill>
-                  <a:srgbClr val="003B4F"/>
-                </a:solidFill>
-                <a:latin typeface="Courier"/>
-              </a:rPr>
-              <a:t>, </a:t>
-            </a:r>
-            <a:r>
-              <a:rPr>
-                <a:solidFill>
-                  <a:srgbClr val="657422"/>
-                </a:solidFill>
-                <a:latin typeface="Courier"/>
-              </a:rPr>
-              <a:t>geom =</a:t>
-            </a:r>
-            <a:r>
-              <a:rPr>
-                <a:solidFill>
-                  <a:srgbClr val="003B4F"/>
-                </a:solidFill>
-                <a:latin typeface="Courier"/>
-              </a:rPr>
-              <a:t> </a:t>
-            </a:r>
-            <a:r>
-              <a:rPr>
-                <a:solidFill>
-                  <a:srgbClr val="20794D"/>
-                </a:solidFill>
-                <a:latin typeface="Courier"/>
-              </a:rPr>
-              <a:t>"errorbar"</a:t>
-            </a:r>
-            <a:r>
-              <a:rPr>
-                <a:solidFill>
-                  <a:srgbClr val="003B4F"/>
-                </a:solidFill>
-                <a:latin typeface="Courier"/>
-              </a:rPr>
-              <a:t>, </a:t>
-            </a:r>
-            <a:r>
-              <a:rPr>
-                <a:solidFill>
-                  <a:srgbClr val="657422"/>
-                </a:solidFill>
-                <a:latin typeface="Courier"/>
-              </a:rPr>
-              <a:t>width =</a:t>
-            </a:r>
-            <a:r>
-              <a:rPr>
-                <a:solidFill>
-                  <a:srgbClr val="003B4F"/>
-                </a:solidFill>
-                <a:latin typeface="Courier"/>
-              </a:rPr>
-              <a:t> </a:t>
-            </a:r>
-            <a:r>
-              <a:rPr>
-                <a:solidFill>
-                  <a:srgbClr val="AD0000"/>
-                </a:solidFill>
-                <a:latin typeface="Courier"/>
-              </a:rPr>
-              <a:t>0.2</a:t>
-            </a:r>
-            <a:r>
-              <a:rPr>
-                <a:solidFill>
-                  <a:srgbClr val="003B4F"/>
-                </a:solidFill>
-                <a:latin typeface="Courier"/>
-              </a:rPr>
-              <a:t>) </a:t>
-            </a:r>
-            <a:r>
-              <a:rPr>
-                <a:solidFill>
-                  <a:srgbClr val="5E5E5E"/>
-                </a:solidFill>
-                <a:latin typeface="Courier"/>
-              </a:rPr>
-              <a:t>+</a:t>
-            </a:r>
-            <a:br/>
-            <a:r>
-              <a:rPr>
-                <a:solidFill>
-                  <a:srgbClr val="003B4F"/>
-                </a:solidFill>
-                <a:latin typeface="Courier"/>
-              </a:rPr>
-              <a:t>  </a:t>
-            </a:r>
-            <a:r>
-              <a:rPr>
-                <a:solidFill>
-                  <a:srgbClr val="4758AB"/>
-                </a:solidFill>
-                <a:latin typeface="Courier"/>
-              </a:rPr>
-              <a:t>theme_minimal</a:t>
-            </a:r>
-            <a:r>
-              <a:rPr>
-                <a:solidFill>
-                  <a:srgbClr val="003B4F"/>
-                </a:solidFill>
-                <a:latin typeface="Courier"/>
-              </a:rPr>
-              <a:t>() </a:t>
-            </a:r>
-            <a:r>
-              <a:rPr>
-                <a:solidFill>
-                  <a:srgbClr val="5E5E5E"/>
-                </a:solidFill>
-                <a:latin typeface="Courier"/>
-              </a:rPr>
-              <a:t>+</a:t>
-            </a:r>
-            <a:br/>
-            <a:r>
-              <a:rPr>
-                <a:solidFill>
-                  <a:srgbClr val="003B4F"/>
-                </a:solidFill>
-                <a:latin typeface="Courier"/>
-              </a:rPr>
-              <a:t>  </a:t>
-            </a:r>
-            <a:r>
-              <a:rPr>
-                <a:solidFill>
-                  <a:srgbClr val="4758AB"/>
-                </a:solidFill>
-                <a:latin typeface="Courier"/>
-              </a:rPr>
-              <a:t>labs</a:t>
-            </a:r>
-            <a:r>
-              <a:rPr>
-                <a:solidFill>
-                  <a:srgbClr val="003B4F"/>
-                </a:solidFill>
-                <a:latin typeface="Courier"/>
-              </a:rPr>
-              <a:t>(</a:t>
-            </a:r>
-            <a:r>
-              <a:rPr>
-                <a:solidFill>
-                  <a:srgbClr val="657422"/>
-                </a:solidFill>
-                <a:latin typeface="Courier"/>
-              </a:rPr>
-              <a:t>title =</a:t>
-            </a:r>
-            <a:r>
-              <a:rPr>
-                <a:solidFill>
-                  <a:srgbClr val="003B4F"/>
-                </a:solidFill>
-                <a:latin typeface="Courier"/>
-              </a:rPr>
-              <a:t> </a:t>
-            </a:r>
-            <a:r>
-              <a:rPr>
-                <a:solidFill>
-                  <a:srgbClr val="20794D"/>
-                </a:solidFill>
-                <a:latin typeface="Courier"/>
-              </a:rPr>
-              <a:t>"Average needle length"</a:t>
-            </a:r>
-            <a:r>
-              <a:rPr>
-                <a:solidFill>
-                  <a:srgbClr val="003B4F"/>
-                </a:solidFill>
-                <a:latin typeface="Courier"/>
-              </a:rPr>
-              <a:t>,</a:t>
-            </a:r>
-            <a:br/>
-            <a:r>
-              <a:rPr>
-                <a:solidFill>
-                  <a:srgbClr val="003B4F"/>
-                </a:solidFill>
-                <a:latin typeface="Courier"/>
-              </a:rPr>
-              <a:t>       </a:t>
-            </a:r>
-            <a:r>
-              <a:rPr>
-                <a:solidFill>
-                  <a:srgbClr val="657422"/>
-                </a:solidFill>
-                <a:latin typeface="Courier"/>
-              </a:rPr>
-              <a:t>subtitle =</a:t>
-            </a:r>
-            <a:r>
-              <a:rPr>
-                <a:solidFill>
-                  <a:srgbClr val="003B4F"/>
-                </a:solidFill>
-                <a:latin typeface="Courier"/>
-              </a:rPr>
-              <a:t> </a:t>
-            </a:r>
-            <a:r>
-              <a:rPr>
-                <a:solidFill>
-                  <a:srgbClr val="20794D"/>
-                </a:solidFill>
-                <a:latin typeface="Courier"/>
-              </a:rPr>
-              <a:t>"This plot has a low data-ink ratio"</a:t>
-            </a:r>
-            <a:r>
-              <a:rPr>
-                <a:solidFill>
-                  <a:srgbClr val="003B4F"/>
-                </a:solidFill>
-                <a:latin typeface="Courier"/>
-              </a:rPr>
-              <a:t>,</a:t>
-            </a:r>
-            <a:br/>
-            <a:r>
-              <a:rPr>
-                <a:solidFill>
-                  <a:srgbClr val="003B4F"/>
-                </a:solidFill>
-                <a:latin typeface="Courier"/>
-              </a:rPr>
-              <a:t>       </a:t>
-            </a:r>
-            <a:r>
-              <a:rPr>
-                <a:solidFill>
-                  <a:srgbClr val="657422"/>
-                </a:solidFill>
-                <a:latin typeface="Courier"/>
-              </a:rPr>
-              <a:t>x =</a:t>
-            </a:r>
-            <a:r>
-              <a:rPr>
-                <a:solidFill>
-                  <a:srgbClr val="003B4F"/>
-                </a:solidFill>
-                <a:latin typeface="Courier"/>
-              </a:rPr>
-              <a:t> </a:t>
-            </a:r>
-            <a:r>
-              <a:rPr>
-                <a:solidFill>
-                  <a:srgbClr val="20794D"/>
-                </a:solidFill>
-                <a:latin typeface="Courier"/>
-              </a:rPr>
-              <a:t>"Sampling Side"</a:t>
-            </a:r>
-            <a:r>
-              <a:rPr>
-                <a:solidFill>
-                  <a:srgbClr val="003B4F"/>
-                </a:solidFill>
-                <a:latin typeface="Courier"/>
-              </a:rPr>
-              <a:t>, </a:t>
-            </a:r>
-            <a:r>
-              <a:rPr>
-                <a:solidFill>
-                  <a:srgbClr val="657422"/>
-                </a:solidFill>
-                <a:latin typeface="Courier"/>
-              </a:rPr>
-              <a:t>y =</a:t>
-            </a:r>
-            <a:r>
-              <a:rPr>
-                <a:solidFill>
-                  <a:srgbClr val="003B4F"/>
-                </a:solidFill>
-                <a:latin typeface="Courier"/>
-              </a:rPr>
-              <a:t> </a:t>
-            </a:r>
-            <a:r>
-              <a:rPr>
-                <a:solidFill>
-                  <a:srgbClr val="20794D"/>
-                </a:solidFill>
-                <a:latin typeface="Courier"/>
-              </a:rPr>
-              <a:t>"Average lenght (mm)"</a:t>
-            </a:r>
-            <a:r>
-              <a:rPr>
-                <a:solidFill>
-                  <a:srgbClr val="003B4F"/>
-                </a:solidFill>
-                <a:latin typeface="Courier"/>
-              </a:rPr>
-              <a:t>)</a:t>
-            </a:r>
-            <a:br/>
-            <a:br/>
-            <a:br/>
-            <a:r>
-              <a:rPr>
-                <a:solidFill>
-                  <a:srgbClr val="003B4F"/>
-                </a:solidFill>
-                <a:latin typeface="Courier"/>
-              </a:rPr>
-              <a:t>better_plot</a:t>
             </a:r>
           </a:p>
         </p:txBody>
@@ -7824,8 +8839,8 @@
         </p:blipFill>
         <p:spPr bwMode="auto">
           <a:xfrm>
-            <a:off x="5130800" y="1295400"/>
-            <a:ext cx="3276600" cy="3276600"/>
+            <a:off x="6121400" y="1498600"/>
+            <a:ext cx="2781300" cy="2781300"/>
           </a:xfrm>
           <a:prstGeom prst="rect">
             <a:avLst/>
@@ -8183,33 +9198,12 @@
               <a:buNone/>
             </a:pPr>
             <a:r>
-              <a:rPr>
-                <a:solidFill>
-                  <a:srgbClr val="5E5E5E"/>
-                </a:solidFill>
+              <a:rPr sz="2000">
                 <a:latin typeface="Courier"/>
               </a:rPr>
-              <a:t># Write your code here to make a dot plot or X y plot</a:t>
-            </a:r>
-            <a:br/>
-            <a:r>
-              <a:rPr>
-                <a:solidFill>
-                  <a:srgbClr val="5E5E5E"/>
-                </a:solidFill>
-                <a:latin typeface="Courier"/>
-              </a:rPr>
-              <a:t># How do you examine the data - what are the ways you think and lets try it!</a:t>
-            </a:r>
-            <a:br/>
-            <a:r>
-              <a:rPr>
-                <a:solidFill>
-                  <a:srgbClr val="5E5E5E"/>
-                </a:solidFill>
-                <a:latin typeface="Courier"/>
-              </a:rPr>
-              <a:t># what is missing - hwo do you tell the effect of wind?</a:t>
+              <a:t># Write your code here to make a dot plot or X y plot
+# How do you examine the data - what are the ways you think and lets try it!
+# what is missing - hwo do you tell the effect of wind?</a:t>
             </a:r>
           </a:p>
         </p:txBody>
@@ -8291,33 +9285,12 @@
               <a:buNone/>
             </a:pPr>
             <a:r>
-              <a:rPr>
-                <a:solidFill>
-                  <a:srgbClr val="5E5E5E"/>
-                </a:solidFill>
+              <a:rPr sz="2000">
                 <a:latin typeface="Courier"/>
               </a:rPr>
-              <a:t># Write your code here to make a dot plot or X y plot</a:t>
-            </a:r>
-            <a:br/>
-            <a:r>
-              <a:rPr>
-                <a:solidFill>
-                  <a:srgbClr val="5E5E5E"/>
-                </a:solidFill>
-                <a:latin typeface="Courier"/>
-              </a:rPr>
-              <a:t># How do you examine the data - what are the ways you think and lets try it!</a:t>
-            </a:r>
-            <a:br/>
-            <a:r>
-              <a:rPr>
-                <a:solidFill>
-                  <a:srgbClr val="5E5E5E"/>
-                </a:solidFill>
-                <a:latin typeface="Courier"/>
-              </a:rPr>
-              <a:t># what is missing - hwo do you tell the effect of wind?</a:t>
+              <a:t># Write your code here to make a dot plot or X y plot
+# How do you examine the data - what are the ways you think and lets try it!
+# what is missing - hwo do you tell the effect of wind?</a:t>
             </a:r>
           </a:p>
         </p:txBody>
@@ -8894,2479 +9867,139 @@
             </a:pPr>
             <a:r>
               <a:rPr>
-                <a:solidFill>
-                  <a:srgbClr val="4758AB"/>
-                </a:solidFill>
                 <a:latin typeface="Courier"/>
               </a:rPr>
-              <a:t>scale_color_manual</a:t>
-            </a:r>
+              <a:t>scale_color_manual(
+  values = c("wind" = "darkblue", "lee" = "darkred"),
+  labels = c("wind" = "Windward", "lee" = "Leeward")
+)</a:t>
+            </a:r>
+          </a:p>
+          <a:p>
+            <a:pPr lvl="0" indent="-342900" marL="342900">
+              <a:buAutoNum type="arabicPeriod"/>
+            </a:pPr>
+            <a:r>
+              <a:rPr b="1"/>
+              <a:t>Coordinate systems</a:t>
+            </a:r>
+            <a:r>
+              <a:rPr/>
+              <a:t>:</a:t>
+            </a:r>
+          </a:p>
+          <a:p>
+            <a:pPr lvl="1" indent="0">
+              <a:buNone/>
+            </a:pPr>
             <a:r>
               <a:rPr>
-                <a:solidFill>
-                  <a:srgbClr val="003B4F"/>
-                </a:solidFill>
                 <a:latin typeface="Courier"/>
               </a:rPr>
-              <a:t>(</a:t>
-            </a:r>
-            <a:br/>
+              <a:t>coord_cartesian(ylim = c(10, 30))  # Zoom in without dropping data</a:t>
+            </a:r>
+          </a:p>
+          <a:p>
+            <a:pPr lvl="0" indent="-342900" marL="342900">
+              <a:buAutoNum type="arabicPeriod"/>
+            </a:pPr>
+            <a:r>
+              <a:rPr b="1"/>
+              <a:t>Themes</a:t>
+            </a:r>
+            <a:r>
+              <a:rPr/>
+              <a:t>:</a:t>
+            </a:r>
+          </a:p>
+          <a:p>
+            <a:pPr lvl="1" indent="0">
+              <a:buNone/>
+            </a:pPr>
             <a:r>
               <a:rPr>
-                <a:solidFill>
-                  <a:srgbClr val="003B4F"/>
-                </a:solidFill>
                 <a:latin typeface="Courier"/>
               </a:rPr>
-              <a:t>  </a:t>
-            </a:r>
+              <a:t>theme_minimal() +
+theme(
+  axis.title = element_text(size = 14),
+  legend.position = "bottom"
+)</a:t>
+            </a:r>
+          </a:p>
+          <a:p>
+            <a:pPr lvl="0" indent="-342900" marL="342900">
+              <a:buAutoNum type="arabicPeriod"/>
+            </a:pPr>
+            <a:r>
+              <a:rPr b="1"/>
+              <a:t>Combining plots with patchwork</a:t>
+            </a:r>
+            <a:r>
+              <a:rPr/>
+              <a:t>:</a:t>
+            </a:r>
+          </a:p>
+          <a:p>
+            <a:pPr lvl="1" indent="0">
+              <a:buNone/>
+            </a:pPr>
             <a:r>
               <a:rPr>
-                <a:solidFill>
-                  <a:srgbClr val="657422"/>
-                </a:solidFill>
                 <a:latin typeface="Courier"/>
               </a:rPr>
-              <a:t>values =</a:t>
-            </a:r>
-            <a:r>
-              <a:rPr>
-                <a:solidFill>
-                  <a:srgbClr val="003B4F"/>
-                </a:solidFill>
+              <a:t>plot1 + plot2 + plot_layout(ncol = 2)</a:t>
+            </a:r>
+          </a:p>
+          <a:p>
+            <a:pPr lvl="0" indent="0" marL="1270000">
+              <a:buNone/>
+            </a:pPr>
+            <a:r>
+              <a:rPr sz="2000" b="1"/>
+              <a:t>Practice Exercise 4: Creating a Publication-Quality Plot</a:t>
+            </a:r>
+          </a:p>
+          <a:p>
+            <a:pPr lvl="0" indent="0" marL="1270000">
+              <a:buNone/>
+            </a:pPr>
+            <a:r>
+              <a:rPr sz="2000"/>
+              <a:t>Create a fully customized plot that would be suitable for publication:</a:t>
+            </a:r>
+          </a:p>
+          <a:p>
+            <a:pPr lvl="0" indent="0">
+              <a:buNone/>
+            </a:pPr>
+            <a:r>
+              <a:rPr sz="2000">
                 <a:latin typeface="Courier"/>
               </a:rPr>
-              <a:t> </a:t>
-            </a:r>
-            <a:r>
-              <a:rPr>
-                <a:solidFill>
-                  <a:srgbClr val="4758AB"/>
-                </a:solidFill>
-                <a:latin typeface="Courier"/>
-              </a:rPr>
-              <a:t>c</a:t>
-            </a:r>
-            <a:r>
-              <a:rPr>
-                <a:solidFill>
-                  <a:srgbClr val="003B4F"/>
-                </a:solidFill>
-                <a:latin typeface="Courier"/>
-              </a:rPr>
-              <a:t>(</a:t>
-            </a:r>
-            <a:r>
-              <a:rPr>
-                <a:solidFill>
-                  <a:srgbClr val="20794D"/>
-                </a:solidFill>
-                <a:latin typeface="Courier"/>
-              </a:rPr>
-              <a:t>"wind"</a:t>
-            </a:r>
-            <a:r>
-              <a:rPr>
-                <a:solidFill>
-                  <a:srgbClr val="003B4F"/>
-                </a:solidFill>
-                <a:latin typeface="Courier"/>
-              </a:rPr>
-              <a:t> = </a:t>
-            </a:r>
-            <a:r>
-              <a:rPr>
-                <a:solidFill>
-                  <a:srgbClr val="20794D"/>
-                </a:solidFill>
-                <a:latin typeface="Courier"/>
-              </a:rPr>
-              <a:t>"darkblue"</a:t>
-            </a:r>
-            <a:r>
-              <a:rPr>
-                <a:solidFill>
-                  <a:srgbClr val="003B4F"/>
-                </a:solidFill>
-                <a:latin typeface="Courier"/>
-              </a:rPr>
-              <a:t>, </a:t>
-            </a:r>
-            <a:r>
-              <a:rPr>
-                <a:solidFill>
-                  <a:srgbClr val="20794D"/>
-                </a:solidFill>
-                <a:latin typeface="Courier"/>
-              </a:rPr>
-              <a:t>"lee"</a:t>
-            </a:r>
-            <a:r>
-              <a:rPr>
-                <a:solidFill>
-                  <a:srgbClr val="003B4F"/>
-                </a:solidFill>
-                <a:latin typeface="Courier"/>
-              </a:rPr>
-              <a:t> = </a:t>
-            </a:r>
-            <a:r>
-              <a:rPr>
-                <a:solidFill>
-                  <a:srgbClr val="20794D"/>
-                </a:solidFill>
-                <a:latin typeface="Courier"/>
-              </a:rPr>
-              <a:t>"darkred"</a:t>
-            </a:r>
-            <a:r>
-              <a:rPr>
-                <a:solidFill>
-                  <a:srgbClr val="003B4F"/>
-                </a:solidFill>
-                <a:latin typeface="Courier"/>
-              </a:rPr>
-              <a:t>),</a:t>
-            </a:r>
-            <a:br/>
-            <a:r>
-              <a:rPr>
-                <a:solidFill>
-                  <a:srgbClr val="003B4F"/>
-                </a:solidFill>
-                <a:latin typeface="Courier"/>
-              </a:rPr>
-              <a:t>  </a:t>
-            </a:r>
-            <a:r>
-              <a:rPr>
-                <a:solidFill>
-                  <a:srgbClr val="657422"/>
-                </a:solidFill>
-                <a:latin typeface="Courier"/>
-              </a:rPr>
-              <a:t>labels =</a:t>
-            </a:r>
-            <a:r>
-              <a:rPr>
-                <a:solidFill>
-                  <a:srgbClr val="003B4F"/>
-                </a:solidFill>
-                <a:latin typeface="Courier"/>
-              </a:rPr>
-              <a:t> </a:t>
-            </a:r>
-            <a:r>
-              <a:rPr>
-                <a:solidFill>
-                  <a:srgbClr val="4758AB"/>
-                </a:solidFill>
-                <a:latin typeface="Courier"/>
-              </a:rPr>
-              <a:t>c</a:t>
-            </a:r>
-            <a:r>
-              <a:rPr>
-                <a:solidFill>
-                  <a:srgbClr val="003B4F"/>
-                </a:solidFill>
-                <a:latin typeface="Courier"/>
-              </a:rPr>
-              <a:t>(</a:t>
-            </a:r>
-            <a:r>
-              <a:rPr>
-                <a:solidFill>
-                  <a:srgbClr val="20794D"/>
-                </a:solidFill>
-                <a:latin typeface="Courier"/>
-              </a:rPr>
-              <a:t>"wind"</a:t>
-            </a:r>
-            <a:r>
-              <a:rPr>
-                <a:solidFill>
-                  <a:srgbClr val="003B4F"/>
-                </a:solidFill>
-                <a:latin typeface="Courier"/>
-              </a:rPr>
-              <a:t> = </a:t>
-            </a:r>
-            <a:r>
-              <a:rPr>
-                <a:solidFill>
-                  <a:srgbClr val="20794D"/>
-                </a:solidFill>
-                <a:latin typeface="Courier"/>
-              </a:rPr>
-              <a:t>"Windward"</a:t>
-            </a:r>
-            <a:r>
-              <a:rPr>
-                <a:solidFill>
-                  <a:srgbClr val="003B4F"/>
-                </a:solidFill>
-                <a:latin typeface="Courier"/>
-              </a:rPr>
-              <a:t>, </a:t>
-            </a:r>
-            <a:r>
-              <a:rPr>
-                <a:solidFill>
-                  <a:srgbClr val="20794D"/>
-                </a:solidFill>
-                <a:latin typeface="Courier"/>
-              </a:rPr>
-              <a:t>"lee"</a:t>
-            </a:r>
-            <a:r>
-              <a:rPr>
-                <a:solidFill>
-                  <a:srgbClr val="003B4F"/>
-                </a:solidFill>
-                <a:latin typeface="Courier"/>
-              </a:rPr>
-              <a:t> = </a:t>
-            </a:r>
-            <a:r>
-              <a:rPr>
-                <a:solidFill>
-                  <a:srgbClr val="20794D"/>
-                </a:solidFill>
-                <a:latin typeface="Courier"/>
-              </a:rPr>
-              <a:t>"Leeward"</a:t>
-            </a:r>
-            <a:r>
-              <a:rPr>
-                <a:solidFill>
-                  <a:srgbClr val="003B4F"/>
-                </a:solidFill>
-                <a:latin typeface="Courier"/>
-              </a:rPr>
-              <a:t>)</a:t>
-            </a:r>
-            <a:br/>
-            <a:r>
-              <a:rPr>
-                <a:solidFill>
-                  <a:srgbClr val="003B4F"/>
-                </a:solidFill>
-                <a:latin typeface="Courier"/>
-              </a:rPr>
-              <a:t>)</a:t>
-            </a:r>
-          </a:p>
-          <a:p>
-            <a:pPr lvl="0" indent="-342900" marL="342900">
-              <a:buAutoNum type="arabicPeriod"/>
-            </a:pPr>
-            <a:r>
-              <a:rPr b="1"/>
-              <a:t>Coordinate systems</a:t>
-            </a:r>
-            <a:r>
-              <a:rPr/>
-              <a:t>:</a:t>
-            </a:r>
-          </a:p>
-          <a:p>
-            <a:pPr lvl="1" indent="0">
-              <a:buNone/>
-            </a:pPr>
-            <a:r>
-              <a:rPr>
-                <a:solidFill>
-                  <a:srgbClr val="4758AB"/>
-                </a:solidFill>
-                <a:latin typeface="Courier"/>
-              </a:rPr>
-              <a:t>coord_cartesian</a:t>
-            </a:r>
-            <a:r>
-              <a:rPr>
-                <a:solidFill>
-                  <a:srgbClr val="003B4F"/>
-                </a:solidFill>
-                <a:latin typeface="Courier"/>
-              </a:rPr>
-              <a:t>(</a:t>
-            </a:r>
-            <a:r>
-              <a:rPr>
-                <a:solidFill>
-                  <a:srgbClr val="657422"/>
-                </a:solidFill>
-                <a:latin typeface="Courier"/>
-              </a:rPr>
-              <a:t>ylim =</a:t>
-            </a:r>
-            <a:r>
-              <a:rPr>
-                <a:solidFill>
-                  <a:srgbClr val="003B4F"/>
-                </a:solidFill>
-                <a:latin typeface="Courier"/>
-              </a:rPr>
-              <a:t> </a:t>
-            </a:r>
-            <a:r>
-              <a:rPr>
-                <a:solidFill>
-                  <a:srgbClr val="4758AB"/>
-                </a:solidFill>
-                <a:latin typeface="Courier"/>
-              </a:rPr>
-              <a:t>c</a:t>
-            </a:r>
-            <a:r>
-              <a:rPr>
-                <a:solidFill>
-                  <a:srgbClr val="003B4F"/>
-                </a:solidFill>
-                <a:latin typeface="Courier"/>
-              </a:rPr>
-              <a:t>(</a:t>
-            </a:r>
-            <a:r>
-              <a:rPr>
-                <a:solidFill>
-                  <a:srgbClr val="AD0000"/>
-                </a:solidFill>
-                <a:latin typeface="Courier"/>
-              </a:rPr>
-              <a:t>10</a:t>
-            </a:r>
-            <a:r>
-              <a:rPr>
-                <a:solidFill>
-                  <a:srgbClr val="003B4F"/>
-                </a:solidFill>
-                <a:latin typeface="Courier"/>
-              </a:rPr>
-              <a:t>, </a:t>
-            </a:r>
-            <a:r>
-              <a:rPr>
-                <a:solidFill>
-                  <a:srgbClr val="AD0000"/>
-                </a:solidFill>
-                <a:latin typeface="Courier"/>
-              </a:rPr>
-              <a:t>30</a:t>
-            </a:r>
-            <a:r>
-              <a:rPr>
-                <a:solidFill>
-                  <a:srgbClr val="003B4F"/>
-                </a:solidFill>
-                <a:latin typeface="Courier"/>
-              </a:rPr>
-              <a:t>))  </a:t>
-            </a:r>
-            <a:r>
-              <a:rPr>
-                <a:solidFill>
-                  <a:srgbClr val="5E5E5E"/>
-                </a:solidFill>
-                <a:latin typeface="Courier"/>
-              </a:rPr>
-              <a:t># Zoom in without dropping data</a:t>
-            </a:r>
-          </a:p>
-          <a:p>
-            <a:pPr lvl="0" indent="-342900" marL="342900">
-              <a:buAutoNum type="arabicPeriod"/>
-            </a:pPr>
-            <a:r>
-              <a:rPr b="1"/>
-              <a:t>Themes</a:t>
-            </a:r>
-            <a:r>
-              <a:rPr/>
-              <a:t>:</a:t>
-            </a:r>
-          </a:p>
-          <a:p>
-            <a:pPr lvl="1" indent="0">
-              <a:buNone/>
-            </a:pPr>
-            <a:r>
-              <a:rPr>
-                <a:solidFill>
-                  <a:srgbClr val="4758AB"/>
-                </a:solidFill>
-                <a:latin typeface="Courier"/>
-              </a:rPr>
-              <a:t>theme_minimal</a:t>
-            </a:r>
-            <a:r>
-              <a:rPr>
-                <a:solidFill>
-                  <a:srgbClr val="003B4F"/>
-                </a:solidFill>
-                <a:latin typeface="Courier"/>
-              </a:rPr>
-              <a:t>() </a:t>
-            </a:r>
-            <a:r>
-              <a:rPr>
-                <a:solidFill>
-                  <a:srgbClr val="5E5E5E"/>
-                </a:solidFill>
-                <a:latin typeface="Courier"/>
-              </a:rPr>
-              <a:t>+</a:t>
-            </a:r>
-            <a:br/>
-            <a:r>
-              <a:rPr>
-                <a:solidFill>
-                  <a:srgbClr val="4758AB"/>
-                </a:solidFill>
-                <a:latin typeface="Courier"/>
-              </a:rPr>
-              <a:t>theme</a:t>
-            </a:r>
-            <a:r>
-              <a:rPr>
-                <a:solidFill>
-                  <a:srgbClr val="003B4F"/>
-                </a:solidFill>
-                <a:latin typeface="Courier"/>
-              </a:rPr>
-              <a:t>(</a:t>
-            </a:r>
-            <a:br/>
-            <a:r>
-              <a:rPr>
-                <a:solidFill>
-                  <a:srgbClr val="003B4F"/>
-                </a:solidFill>
-                <a:latin typeface="Courier"/>
-              </a:rPr>
-              <a:t>  </a:t>
-            </a:r>
-            <a:r>
-              <a:rPr>
-                <a:solidFill>
-                  <a:srgbClr val="657422"/>
-                </a:solidFill>
-                <a:latin typeface="Courier"/>
-              </a:rPr>
-              <a:t>axis.title =</a:t>
-            </a:r>
-            <a:r>
-              <a:rPr>
-                <a:solidFill>
-                  <a:srgbClr val="003B4F"/>
-                </a:solidFill>
-                <a:latin typeface="Courier"/>
-              </a:rPr>
-              <a:t> </a:t>
-            </a:r>
-            <a:r>
-              <a:rPr>
-                <a:solidFill>
-                  <a:srgbClr val="4758AB"/>
-                </a:solidFill>
-                <a:latin typeface="Courier"/>
-              </a:rPr>
-              <a:t>element_text</a:t>
-            </a:r>
-            <a:r>
-              <a:rPr>
-                <a:solidFill>
-                  <a:srgbClr val="003B4F"/>
-                </a:solidFill>
-                <a:latin typeface="Courier"/>
-              </a:rPr>
-              <a:t>(</a:t>
-            </a:r>
-            <a:r>
-              <a:rPr>
-                <a:solidFill>
-                  <a:srgbClr val="657422"/>
-                </a:solidFill>
-                <a:latin typeface="Courier"/>
-              </a:rPr>
-              <a:t>size =</a:t>
-            </a:r>
-            <a:r>
-              <a:rPr>
-                <a:solidFill>
-                  <a:srgbClr val="003B4F"/>
-                </a:solidFill>
-                <a:latin typeface="Courier"/>
-              </a:rPr>
-              <a:t> </a:t>
-            </a:r>
-            <a:r>
-              <a:rPr>
-                <a:solidFill>
-                  <a:srgbClr val="AD0000"/>
-                </a:solidFill>
-                <a:latin typeface="Courier"/>
-              </a:rPr>
-              <a:t>14</a:t>
-            </a:r>
-            <a:r>
-              <a:rPr>
-                <a:solidFill>
-                  <a:srgbClr val="003B4F"/>
-                </a:solidFill>
-                <a:latin typeface="Courier"/>
-              </a:rPr>
-              <a:t>),</a:t>
-            </a:r>
-            <a:br/>
-            <a:r>
-              <a:rPr>
-                <a:solidFill>
-                  <a:srgbClr val="003B4F"/>
-                </a:solidFill>
-                <a:latin typeface="Courier"/>
-              </a:rPr>
-              <a:t>  </a:t>
-            </a:r>
-            <a:r>
-              <a:rPr>
-                <a:solidFill>
-                  <a:srgbClr val="657422"/>
-                </a:solidFill>
-                <a:latin typeface="Courier"/>
-              </a:rPr>
-              <a:t>legend.position =</a:t>
-            </a:r>
-            <a:r>
-              <a:rPr>
-                <a:solidFill>
-                  <a:srgbClr val="003B4F"/>
-                </a:solidFill>
-                <a:latin typeface="Courier"/>
-              </a:rPr>
-              <a:t> </a:t>
-            </a:r>
-            <a:r>
-              <a:rPr>
-                <a:solidFill>
-                  <a:srgbClr val="20794D"/>
-                </a:solidFill>
-                <a:latin typeface="Courier"/>
-              </a:rPr>
-              <a:t>"bottom"</a:t>
-            </a:r>
-            <a:br/>
-            <a:r>
-              <a:rPr>
-                <a:solidFill>
-                  <a:srgbClr val="003B4F"/>
-                </a:solidFill>
-                <a:latin typeface="Courier"/>
-              </a:rPr>
-              <a:t>)</a:t>
-            </a:r>
-          </a:p>
-          <a:p>
-            <a:pPr lvl="0" indent="-342900" marL="342900">
-              <a:buAutoNum type="arabicPeriod"/>
-            </a:pPr>
-            <a:r>
-              <a:rPr b="1"/>
-              <a:t>Combining plots with patchwork</a:t>
-            </a:r>
-            <a:r>
-              <a:rPr/>
-              <a:t>:</a:t>
-            </a:r>
-          </a:p>
-          <a:p>
-            <a:pPr lvl="1" indent="0">
-              <a:buNone/>
-            </a:pPr>
-            <a:r>
-              <a:rPr>
-                <a:solidFill>
-                  <a:srgbClr val="003B4F"/>
-                </a:solidFill>
-                <a:latin typeface="Courier"/>
-              </a:rPr>
-              <a:t>plot1 </a:t>
-            </a:r>
-            <a:r>
-              <a:rPr>
-                <a:solidFill>
-                  <a:srgbClr val="5E5E5E"/>
-                </a:solidFill>
-                <a:latin typeface="Courier"/>
-              </a:rPr>
-              <a:t>+</a:t>
-            </a:r>
-            <a:r>
-              <a:rPr>
-                <a:solidFill>
-                  <a:srgbClr val="003B4F"/>
-                </a:solidFill>
-                <a:latin typeface="Courier"/>
-              </a:rPr>
-              <a:t> plot2 </a:t>
-            </a:r>
-            <a:r>
-              <a:rPr>
-                <a:solidFill>
-                  <a:srgbClr val="5E5E5E"/>
-                </a:solidFill>
-                <a:latin typeface="Courier"/>
-              </a:rPr>
-              <a:t>+</a:t>
-            </a:r>
-            <a:r>
-              <a:rPr>
-                <a:solidFill>
-                  <a:srgbClr val="003B4F"/>
-                </a:solidFill>
-                <a:latin typeface="Courier"/>
-              </a:rPr>
-              <a:t> </a:t>
-            </a:r>
-            <a:r>
-              <a:rPr>
-                <a:solidFill>
-                  <a:srgbClr val="4758AB"/>
-                </a:solidFill>
-                <a:latin typeface="Courier"/>
-              </a:rPr>
-              <a:t>plot_layout</a:t>
-            </a:r>
-            <a:r>
-              <a:rPr>
-                <a:solidFill>
-                  <a:srgbClr val="003B4F"/>
-                </a:solidFill>
-                <a:latin typeface="Courier"/>
-              </a:rPr>
-              <a:t>(</a:t>
-            </a:r>
-            <a:r>
-              <a:rPr>
-                <a:solidFill>
-                  <a:srgbClr val="657422"/>
-                </a:solidFill>
-                <a:latin typeface="Courier"/>
-              </a:rPr>
-              <a:t>ncol =</a:t>
-            </a:r>
-            <a:r>
-              <a:rPr>
-                <a:solidFill>
-                  <a:srgbClr val="003B4F"/>
-                </a:solidFill>
-                <a:latin typeface="Courier"/>
-              </a:rPr>
-              <a:t> </a:t>
-            </a:r>
-            <a:r>
-              <a:rPr>
-                <a:solidFill>
-                  <a:srgbClr val="AD0000"/>
-                </a:solidFill>
-                <a:latin typeface="Courier"/>
-              </a:rPr>
-              <a:t>2</a:t>
-            </a:r>
-            <a:r>
-              <a:rPr>
-                <a:solidFill>
-                  <a:srgbClr val="003B4F"/>
-                </a:solidFill>
-                <a:latin typeface="Courier"/>
-              </a:rPr>
-              <a:t>)</a:t>
-            </a:r>
-          </a:p>
-          <a:p>
-            <a:pPr lvl="0" indent="0" marL="1270000">
-              <a:buNone/>
-            </a:pPr>
-            <a:r>
-              <a:rPr sz="2000" b="1"/>
-              <a:t>Practice Exercise 4: Creating a Publication-Quality Plot</a:t>
-            </a:r>
-          </a:p>
-          <a:p>
-            <a:pPr lvl="0" indent="0" marL="1270000">
-              <a:buNone/>
-            </a:pPr>
-            <a:r>
-              <a:rPr sz="2000"/>
-              <a:t>Create a fully customized plot that would be suitable for publication:</a:t>
-            </a:r>
-          </a:p>
-          <a:p>
-            <a:pPr lvl="0" indent="0">
-              <a:buNone/>
-            </a:pPr>
-            <a:r>
-              <a:rPr>
-                <a:solidFill>
-                  <a:srgbClr val="5E5E5E"/>
-                </a:solidFill>
-                <a:latin typeface="Courier"/>
-              </a:rPr>
-              <a:t># Create a publication-quality plot</a:t>
-            </a:r>
-            <a:br/>
-            <a:r>
-              <a:rPr>
-                <a:solidFill>
-                  <a:srgbClr val="003B4F"/>
-                </a:solidFill>
-                <a:latin typeface="Courier"/>
-              </a:rPr>
-              <a:t>pine_df </a:t>
-            </a:r>
-            <a:r>
-              <a:rPr>
-                <a:solidFill>
-                  <a:srgbClr val="5E5E5E"/>
-                </a:solidFill>
-                <a:latin typeface="Courier"/>
-              </a:rPr>
-              <a:t>%&gt;%</a:t>
-            </a:r>
-            <a:br/>
-            <a:r>
-              <a:rPr>
-                <a:solidFill>
-                  <a:srgbClr val="003B4F"/>
-                </a:solidFill>
-                <a:latin typeface="Courier"/>
-              </a:rPr>
-              <a:t>  </a:t>
-            </a:r>
-            <a:r>
-              <a:rPr>
-                <a:solidFill>
-                  <a:srgbClr val="4758AB"/>
-                </a:solidFill>
-                <a:latin typeface="Courier"/>
-              </a:rPr>
-              <a:t>ggplot</a:t>
-            </a:r>
-            <a:r>
-              <a:rPr>
-                <a:solidFill>
-                  <a:srgbClr val="003B4F"/>
-                </a:solidFill>
-                <a:latin typeface="Courier"/>
-              </a:rPr>
-              <a:t>(</a:t>
-            </a:r>
-            <a:r>
-              <a:rPr>
-                <a:solidFill>
-                  <a:srgbClr val="4758AB"/>
-                </a:solidFill>
-                <a:latin typeface="Courier"/>
-              </a:rPr>
-              <a:t>aes</a:t>
-            </a:r>
-            <a:r>
-              <a:rPr>
-                <a:solidFill>
-                  <a:srgbClr val="003B4F"/>
-                </a:solidFill>
-                <a:latin typeface="Courier"/>
-              </a:rPr>
-              <a:t>(</a:t>
-            </a:r>
-            <a:r>
-              <a:rPr>
-                <a:solidFill>
-                  <a:srgbClr val="657422"/>
-                </a:solidFill>
-                <a:latin typeface="Courier"/>
-              </a:rPr>
-              <a:t>x =</a:t>
-            </a:r>
-            <a:r>
-              <a:rPr>
-                <a:solidFill>
-                  <a:srgbClr val="003B4F"/>
-                </a:solidFill>
-                <a:latin typeface="Courier"/>
-              </a:rPr>
-              <a:t> wind, </a:t>
-            </a:r>
-            <a:r>
-              <a:rPr>
-                <a:solidFill>
-                  <a:srgbClr val="657422"/>
-                </a:solidFill>
-                <a:latin typeface="Courier"/>
-              </a:rPr>
-              <a:t>y =</a:t>
-            </a:r>
-            <a:r>
-              <a:rPr>
-                <a:solidFill>
-                  <a:srgbClr val="003B4F"/>
-                </a:solidFill>
-                <a:latin typeface="Courier"/>
-              </a:rPr>
-              <a:t> length_mm, </a:t>
-            </a:r>
-            <a:r>
-              <a:rPr>
-                <a:solidFill>
-                  <a:srgbClr val="657422"/>
-                </a:solidFill>
-                <a:latin typeface="Courier"/>
-              </a:rPr>
-              <a:t>fill =</a:t>
-            </a:r>
-            <a:r>
-              <a:rPr>
-                <a:solidFill>
-                  <a:srgbClr val="003B4F"/>
-                </a:solidFill>
-                <a:latin typeface="Courier"/>
-              </a:rPr>
-              <a:t> wind)) </a:t>
-            </a:r>
-            <a:r>
-              <a:rPr>
-                <a:solidFill>
-                  <a:srgbClr val="5E5E5E"/>
-                </a:solidFill>
-                <a:latin typeface="Courier"/>
-              </a:rPr>
-              <a:t>+</a:t>
-            </a:r>
-            <a:br/>
-            <a:r>
-              <a:rPr>
-                <a:solidFill>
-                  <a:srgbClr val="003B4F"/>
-                </a:solidFill>
-                <a:latin typeface="Courier"/>
-              </a:rPr>
-              <a:t>  </a:t>
-            </a:r>
-            <a:r>
-              <a:rPr>
-                <a:solidFill>
-                  <a:srgbClr val="4758AB"/>
-                </a:solidFill>
-                <a:latin typeface="Courier"/>
-              </a:rPr>
-              <a:t>geom_violin</a:t>
-            </a:r>
-            <a:r>
-              <a:rPr>
-                <a:solidFill>
-                  <a:srgbClr val="003B4F"/>
-                </a:solidFill>
-                <a:latin typeface="Courier"/>
-              </a:rPr>
-              <a:t>(</a:t>
-            </a:r>
-            <a:r>
-              <a:rPr>
-                <a:solidFill>
-                  <a:srgbClr val="657422"/>
-                </a:solidFill>
-                <a:latin typeface="Courier"/>
-              </a:rPr>
-              <a:t>alpha =</a:t>
-            </a:r>
-            <a:r>
-              <a:rPr>
-                <a:solidFill>
-                  <a:srgbClr val="003B4F"/>
-                </a:solidFill>
-                <a:latin typeface="Courier"/>
-              </a:rPr>
-              <a:t> </a:t>
-            </a:r>
-            <a:r>
-              <a:rPr>
-                <a:solidFill>
-                  <a:srgbClr val="AD0000"/>
-                </a:solidFill>
-                <a:latin typeface="Courier"/>
-              </a:rPr>
-              <a:t>0.4</a:t>
-            </a:r>
-            <a:r>
-              <a:rPr>
-                <a:solidFill>
-                  <a:srgbClr val="003B4F"/>
-                </a:solidFill>
-                <a:latin typeface="Courier"/>
-              </a:rPr>
-              <a:t>) </a:t>
-            </a:r>
-            <a:r>
-              <a:rPr>
-                <a:solidFill>
-                  <a:srgbClr val="5E5E5E"/>
-                </a:solidFill>
-                <a:latin typeface="Courier"/>
-              </a:rPr>
-              <a:t>+</a:t>
-            </a:r>
-            <a:br/>
-            <a:r>
-              <a:rPr>
-                <a:solidFill>
-                  <a:srgbClr val="003B4F"/>
-                </a:solidFill>
-                <a:latin typeface="Courier"/>
-              </a:rPr>
-              <a:t>  </a:t>
-            </a:r>
-            <a:r>
-              <a:rPr>
-                <a:solidFill>
-                  <a:srgbClr val="4758AB"/>
-                </a:solidFill>
-                <a:latin typeface="Courier"/>
-              </a:rPr>
-              <a:t>geom_boxplot</a:t>
-            </a:r>
-            <a:r>
-              <a:rPr>
-                <a:solidFill>
-                  <a:srgbClr val="003B4F"/>
-                </a:solidFill>
-                <a:latin typeface="Courier"/>
-              </a:rPr>
-              <a:t>(</a:t>
-            </a:r>
-            <a:r>
-              <a:rPr>
-                <a:solidFill>
-                  <a:srgbClr val="657422"/>
-                </a:solidFill>
-                <a:latin typeface="Courier"/>
-              </a:rPr>
-              <a:t>width =</a:t>
-            </a:r>
-            <a:r>
-              <a:rPr>
-                <a:solidFill>
-                  <a:srgbClr val="003B4F"/>
-                </a:solidFill>
-                <a:latin typeface="Courier"/>
-              </a:rPr>
-              <a:t> </a:t>
-            </a:r>
-            <a:r>
-              <a:rPr>
-                <a:solidFill>
-                  <a:srgbClr val="AD0000"/>
-                </a:solidFill>
-                <a:latin typeface="Courier"/>
-              </a:rPr>
-              <a:t>0.2</a:t>
-            </a:r>
-            <a:r>
-              <a:rPr>
-                <a:solidFill>
-                  <a:srgbClr val="003B4F"/>
-                </a:solidFill>
-                <a:latin typeface="Courier"/>
-              </a:rPr>
-              <a:t>, </a:t>
-            </a:r>
-            <a:r>
-              <a:rPr>
-                <a:solidFill>
-                  <a:srgbClr val="657422"/>
-                </a:solidFill>
-                <a:latin typeface="Courier"/>
-              </a:rPr>
-              <a:t>alpha =</a:t>
-            </a:r>
-            <a:r>
-              <a:rPr>
-                <a:solidFill>
-                  <a:srgbClr val="003B4F"/>
-                </a:solidFill>
-                <a:latin typeface="Courier"/>
-              </a:rPr>
-              <a:t> </a:t>
-            </a:r>
-            <a:r>
-              <a:rPr>
-                <a:solidFill>
-                  <a:srgbClr val="AD0000"/>
-                </a:solidFill>
-                <a:latin typeface="Courier"/>
-              </a:rPr>
-              <a:t>0.7</a:t>
-            </a:r>
-            <a:r>
-              <a:rPr>
-                <a:solidFill>
-                  <a:srgbClr val="003B4F"/>
-                </a:solidFill>
-                <a:latin typeface="Courier"/>
-              </a:rPr>
-              <a:t>, </a:t>
-            </a:r>
-            <a:r>
-              <a:rPr>
-                <a:solidFill>
-                  <a:srgbClr val="657422"/>
-                </a:solidFill>
-                <a:latin typeface="Courier"/>
-              </a:rPr>
-              <a:t>outlier.shape =</a:t>
-            </a:r>
-            <a:r>
-              <a:rPr>
-                <a:solidFill>
-                  <a:srgbClr val="003B4F"/>
-                </a:solidFill>
-                <a:latin typeface="Courier"/>
-              </a:rPr>
-              <a:t> </a:t>
-            </a:r>
-            <a:r>
-              <a:rPr>
-                <a:solidFill>
-                  <a:srgbClr val="8F5902"/>
-                </a:solidFill>
-                <a:latin typeface="Courier"/>
-              </a:rPr>
-              <a:t>NA</a:t>
-            </a:r>
-            <a:r>
-              <a:rPr>
-                <a:solidFill>
-                  <a:srgbClr val="003B4F"/>
-                </a:solidFill>
-                <a:latin typeface="Courier"/>
-              </a:rPr>
-              <a:t>) </a:t>
-            </a:r>
-            <a:r>
-              <a:rPr>
-                <a:solidFill>
-                  <a:srgbClr val="5E5E5E"/>
-                </a:solidFill>
-                <a:latin typeface="Courier"/>
-              </a:rPr>
-              <a:t>+</a:t>
-            </a:r>
-            <a:br/>
-            <a:r>
-              <a:rPr>
-                <a:solidFill>
-                  <a:srgbClr val="003B4F"/>
-                </a:solidFill>
-                <a:latin typeface="Courier"/>
-              </a:rPr>
-              <a:t>  </a:t>
-            </a:r>
-            <a:r>
-              <a:rPr>
-                <a:solidFill>
-                  <a:srgbClr val="4758AB"/>
-                </a:solidFill>
-                <a:latin typeface="Courier"/>
-              </a:rPr>
-              <a:t>geom_jitter</a:t>
-            </a:r>
-            <a:r>
-              <a:rPr>
-                <a:solidFill>
-                  <a:srgbClr val="003B4F"/>
-                </a:solidFill>
-                <a:latin typeface="Courier"/>
-              </a:rPr>
-              <a:t>(</a:t>
-            </a:r>
-            <a:r>
-              <a:rPr>
-                <a:solidFill>
-                  <a:srgbClr val="657422"/>
-                </a:solidFill>
-                <a:latin typeface="Courier"/>
-              </a:rPr>
-              <a:t>width =</a:t>
-            </a:r>
-            <a:r>
-              <a:rPr>
-                <a:solidFill>
-                  <a:srgbClr val="003B4F"/>
-                </a:solidFill>
-                <a:latin typeface="Courier"/>
-              </a:rPr>
-              <a:t> </a:t>
-            </a:r>
-            <a:r>
-              <a:rPr>
-                <a:solidFill>
-                  <a:srgbClr val="AD0000"/>
-                </a:solidFill>
-                <a:latin typeface="Courier"/>
-              </a:rPr>
-              <a:t>0.1</a:t>
-            </a:r>
-            <a:r>
-              <a:rPr>
-                <a:solidFill>
-                  <a:srgbClr val="003B4F"/>
-                </a:solidFill>
-                <a:latin typeface="Courier"/>
-              </a:rPr>
-              <a:t>, </a:t>
-            </a:r>
-            <a:r>
-              <a:rPr>
-                <a:solidFill>
-                  <a:srgbClr val="657422"/>
-                </a:solidFill>
-                <a:latin typeface="Courier"/>
-              </a:rPr>
-              <a:t>alpha =</a:t>
-            </a:r>
-            <a:r>
-              <a:rPr>
-                <a:solidFill>
-                  <a:srgbClr val="003B4F"/>
-                </a:solidFill>
-                <a:latin typeface="Courier"/>
-              </a:rPr>
-              <a:t> </a:t>
-            </a:r>
-            <a:r>
-              <a:rPr>
-                <a:solidFill>
-                  <a:srgbClr val="AD0000"/>
-                </a:solidFill>
-                <a:latin typeface="Courier"/>
-              </a:rPr>
-              <a:t>0.5</a:t>
-            </a:r>
-            <a:r>
-              <a:rPr>
-                <a:solidFill>
-                  <a:srgbClr val="003B4F"/>
-                </a:solidFill>
-                <a:latin typeface="Courier"/>
-              </a:rPr>
-              <a:t>, </a:t>
-            </a:r>
-            <a:r>
-              <a:rPr>
-                <a:solidFill>
-                  <a:srgbClr val="657422"/>
-                </a:solidFill>
-                <a:latin typeface="Courier"/>
-              </a:rPr>
-              <a:t>color =</a:t>
-            </a:r>
-            <a:r>
-              <a:rPr>
-                <a:solidFill>
-                  <a:srgbClr val="003B4F"/>
-                </a:solidFill>
-                <a:latin typeface="Courier"/>
-              </a:rPr>
-              <a:t> </a:t>
-            </a:r>
-            <a:r>
-              <a:rPr>
-                <a:solidFill>
-                  <a:srgbClr val="20794D"/>
-                </a:solidFill>
-                <a:latin typeface="Courier"/>
-              </a:rPr>
-              <a:t>"gray30"</a:t>
-            </a:r>
-            <a:r>
-              <a:rPr>
-                <a:solidFill>
-                  <a:srgbClr val="003B4F"/>
-                </a:solidFill>
-                <a:latin typeface="Courier"/>
-              </a:rPr>
-              <a:t>, </a:t>
-            </a:r>
-            <a:r>
-              <a:rPr>
-                <a:solidFill>
-                  <a:srgbClr val="657422"/>
-                </a:solidFill>
-                <a:latin typeface="Courier"/>
-              </a:rPr>
-              <a:t>size =</a:t>
-            </a:r>
-            <a:r>
-              <a:rPr>
-                <a:solidFill>
-                  <a:srgbClr val="003B4F"/>
-                </a:solidFill>
-                <a:latin typeface="Courier"/>
-              </a:rPr>
-              <a:t> </a:t>
-            </a:r>
-            <a:r>
-              <a:rPr>
-                <a:solidFill>
-                  <a:srgbClr val="AD0000"/>
-                </a:solidFill>
-                <a:latin typeface="Courier"/>
-              </a:rPr>
-              <a:t>2</a:t>
-            </a:r>
-            <a:r>
-              <a:rPr>
-                <a:solidFill>
-                  <a:srgbClr val="003B4F"/>
-                </a:solidFill>
-                <a:latin typeface="Courier"/>
-              </a:rPr>
-              <a:t>) </a:t>
-            </a:r>
-            <a:r>
-              <a:rPr>
-                <a:solidFill>
-                  <a:srgbClr val="5E5E5E"/>
-                </a:solidFill>
-                <a:latin typeface="Courier"/>
-              </a:rPr>
-              <a:t>+</a:t>
-            </a:r>
-            <a:br/>
-            <a:r>
-              <a:rPr>
-                <a:solidFill>
-                  <a:srgbClr val="003B4F"/>
-                </a:solidFill>
-                <a:latin typeface="Courier"/>
-              </a:rPr>
-              <a:t>  </a:t>
-            </a:r>
-            <a:r>
-              <a:rPr>
-                <a:solidFill>
-                  <a:srgbClr val="4758AB"/>
-                </a:solidFill>
-                <a:latin typeface="Courier"/>
-              </a:rPr>
-              <a:t>stat_summary</a:t>
-            </a:r>
-            <a:r>
-              <a:rPr>
-                <a:solidFill>
-                  <a:srgbClr val="003B4F"/>
-                </a:solidFill>
-                <a:latin typeface="Courier"/>
-              </a:rPr>
-              <a:t>(</a:t>
-            </a:r>
-            <a:r>
-              <a:rPr>
-                <a:solidFill>
-                  <a:srgbClr val="657422"/>
-                </a:solidFill>
-                <a:latin typeface="Courier"/>
-              </a:rPr>
-              <a:t>fun =</a:t>
-            </a:r>
-            <a:r>
-              <a:rPr>
-                <a:solidFill>
-                  <a:srgbClr val="003B4F"/>
-                </a:solidFill>
-                <a:latin typeface="Courier"/>
-              </a:rPr>
-              <a:t> mean, </a:t>
-            </a:r>
-            <a:r>
-              <a:rPr>
-                <a:solidFill>
-                  <a:srgbClr val="657422"/>
-                </a:solidFill>
-                <a:latin typeface="Courier"/>
-              </a:rPr>
-              <a:t>geom =</a:t>
-            </a:r>
-            <a:r>
-              <a:rPr>
-                <a:solidFill>
-                  <a:srgbClr val="003B4F"/>
-                </a:solidFill>
-                <a:latin typeface="Courier"/>
-              </a:rPr>
-              <a:t> </a:t>
-            </a:r>
-            <a:r>
-              <a:rPr>
-                <a:solidFill>
-                  <a:srgbClr val="20794D"/>
-                </a:solidFill>
-                <a:latin typeface="Courier"/>
-              </a:rPr>
-              <a:t>"point"</a:t>
-            </a:r>
-            <a:r>
-              <a:rPr>
-                <a:solidFill>
-                  <a:srgbClr val="003B4F"/>
-                </a:solidFill>
-                <a:latin typeface="Courier"/>
-              </a:rPr>
-              <a:t>, </a:t>
-            </a:r>
-            <a:r>
-              <a:rPr>
-                <a:solidFill>
-                  <a:srgbClr val="657422"/>
-                </a:solidFill>
-                <a:latin typeface="Courier"/>
-              </a:rPr>
-              <a:t>shape =</a:t>
-            </a:r>
-            <a:r>
-              <a:rPr>
-                <a:solidFill>
-                  <a:srgbClr val="003B4F"/>
-                </a:solidFill>
-                <a:latin typeface="Courier"/>
-              </a:rPr>
-              <a:t> </a:t>
-            </a:r>
-            <a:r>
-              <a:rPr>
-                <a:solidFill>
-                  <a:srgbClr val="AD0000"/>
-                </a:solidFill>
-                <a:latin typeface="Courier"/>
-              </a:rPr>
-              <a:t>23</a:t>
-            </a:r>
-            <a:r>
-              <a:rPr>
-                <a:solidFill>
-                  <a:srgbClr val="003B4F"/>
-                </a:solidFill>
-                <a:latin typeface="Courier"/>
-              </a:rPr>
-              <a:t>, </a:t>
-            </a:r>
-            <a:r>
-              <a:rPr>
-                <a:solidFill>
-                  <a:srgbClr val="657422"/>
-                </a:solidFill>
-                <a:latin typeface="Courier"/>
-              </a:rPr>
-              <a:t>size =</a:t>
-            </a:r>
-            <a:r>
-              <a:rPr>
-                <a:solidFill>
-                  <a:srgbClr val="003B4F"/>
-                </a:solidFill>
-                <a:latin typeface="Courier"/>
-              </a:rPr>
-              <a:t> </a:t>
-            </a:r>
-            <a:r>
-              <a:rPr>
-                <a:solidFill>
-                  <a:srgbClr val="AD0000"/>
-                </a:solidFill>
-                <a:latin typeface="Courier"/>
-              </a:rPr>
-              <a:t>3</a:t>
-            </a:r>
-            <a:r>
-              <a:rPr>
-                <a:solidFill>
-                  <a:srgbClr val="003B4F"/>
-                </a:solidFill>
-                <a:latin typeface="Courier"/>
-              </a:rPr>
-              <a:t>, </a:t>
-            </a:r>
-            <a:r>
-              <a:rPr>
-                <a:solidFill>
-                  <a:srgbClr val="657422"/>
-                </a:solidFill>
-                <a:latin typeface="Courier"/>
-              </a:rPr>
-              <a:t>fill =</a:t>
-            </a:r>
-            <a:r>
-              <a:rPr>
-                <a:solidFill>
-                  <a:srgbClr val="003B4F"/>
-                </a:solidFill>
-                <a:latin typeface="Courier"/>
-              </a:rPr>
-              <a:t> </a:t>
-            </a:r>
-            <a:r>
-              <a:rPr>
-                <a:solidFill>
-                  <a:srgbClr val="20794D"/>
-                </a:solidFill>
-                <a:latin typeface="Courier"/>
-              </a:rPr>
-              <a:t>"white"</a:t>
-            </a:r>
-            <a:r>
-              <a:rPr>
-                <a:solidFill>
-                  <a:srgbClr val="003B4F"/>
-                </a:solidFill>
-                <a:latin typeface="Courier"/>
-              </a:rPr>
-              <a:t>) </a:t>
-            </a:r>
-            <a:r>
-              <a:rPr>
-                <a:solidFill>
-                  <a:srgbClr val="5E5E5E"/>
-                </a:solidFill>
-                <a:latin typeface="Courier"/>
-              </a:rPr>
-              <a:t>+</a:t>
-            </a:r>
-            <a:br/>
-            <a:r>
-              <a:rPr>
-                <a:solidFill>
-                  <a:srgbClr val="003B4F"/>
-                </a:solidFill>
-                <a:latin typeface="Courier"/>
-              </a:rPr>
-              <a:t>  </a:t>
-            </a:r>
-            <a:r>
-              <a:rPr>
-                <a:solidFill>
-                  <a:srgbClr val="4758AB"/>
-                </a:solidFill>
-                <a:latin typeface="Courier"/>
-              </a:rPr>
-              <a:t>labs</a:t>
-            </a:r>
-            <a:r>
-              <a:rPr>
-                <a:solidFill>
-                  <a:srgbClr val="003B4F"/>
-                </a:solidFill>
-                <a:latin typeface="Courier"/>
-              </a:rPr>
-              <a:t>(</a:t>
-            </a:r>
-            <a:br/>
-            <a:r>
-              <a:rPr>
-                <a:solidFill>
-                  <a:srgbClr val="003B4F"/>
-                </a:solidFill>
-                <a:latin typeface="Courier"/>
-              </a:rPr>
-              <a:t>    </a:t>
-            </a:r>
-            <a:r>
-              <a:rPr>
-                <a:solidFill>
-                  <a:srgbClr val="657422"/>
-                </a:solidFill>
-                <a:latin typeface="Courier"/>
-              </a:rPr>
-              <a:t>title =</a:t>
-            </a:r>
-            <a:r>
-              <a:rPr>
-                <a:solidFill>
-                  <a:srgbClr val="003B4F"/>
-                </a:solidFill>
-                <a:latin typeface="Courier"/>
-              </a:rPr>
-              <a:t> </a:t>
-            </a:r>
-            <a:r>
-              <a:rPr>
-                <a:solidFill>
-                  <a:srgbClr val="20794D"/>
-                </a:solidFill>
-                <a:latin typeface="Courier"/>
-              </a:rPr>
-              <a:t>"Pine Needle Length Varies with Wind Exposure"</a:t>
-            </a:r>
-            <a:r>
-              <a:rPr>
-                <a:solidFill>
-                  <a:srgbClr val="003B4F"/>
-                </a:solidFill>
-                <a:latin typeface="Courier"/>
-              </a:rPr>
-              <a:t>,</a:t>
-            </a:r>
-            <a:br/>
-            <a:r>
-              <a:rPr>
-                <a:solidFill>
-                  <a:srgbClr val="003B4F"/>
-                </a:solidFill>
-                <a:latin typeface="Courier"/>
-              </a:rPr>
-              <a:t>    </a:t>
-            </a:r>
-            <a:r>
-              <a:rPr>
-                <a:solidFill>
-                  <a:srgbClr val="657422"/>
-                </a:solidFill>
-                <a:latin typeface="Courier"/>
-              </a:rPr>
-              <a:t>subtitle =</a:t>
-            </a:r>
-            <a:r>
-              <a:rPr>
-                <a:solidFill>
-                  <a:srgbClr val="003B4F"/>
-                </a:solidFill>
-                <a:latin typeface="Courier"/>
-              </a:rPr>
-              <a:t> </a:t>
-            </a:r>
-            <a:r>
-              <a:rPr>
-                <a:solidFill>
-                  <a:srgbClr val="20794D"/>
-                </a:solidFill>
-                <a:latin typeface="Courier"/>
-              </a:rPr>
-              <a:t>"Needles on the leeward side tend to be longer"</a:t>
-            </a:r>
-            <a:r>
-              <a:rPr>
-                <a:solidFill>
-                  <a:srgbClr val="003B4F"/>
-                </a:solidFill>
-                <a:latin typeface="Courier"/>
-              </a:rPr>
-              <a:t>,</a:t>
-            </a:r>
-            <a:br/>
-            <a:r>
-              <a:rPr>
-                <a:solidFill>
-                  <a:srgbClr val="003B4F"/>
-                </a:solidFill>
-                <a:latin typeface="Courier"/>
-              </a:rPr>
-              <a:t>    </a:t>
-            </a:r>
-            <a:r>
-              <a:rPr>
-                <a:solidFill>
-                  <a:srgbClr val="657422"/>
-                </a:solidFill>
-                <a:latin typeface="Courier"/>
-              </a:rPr>
-              <a:t>x =</a:t>
-            </a:r>
-            <a:r>
-              <a:rPr>
-                <a:solidFill>
-                  <a:srgbClr val="003B4F"/>
-                </a:solidFill>
-                <a:latin typeface="Courier"/>
-              </a:rPr>
-              <a:t> </a:t>
-            </a:r>
-            <a:r>
-              <a:rPr>
-                <a:solidFill>
-                  <a:srgbClr val="20794D"/>
-                </a:solidFill>
-                <a:latin typeface="Courier"/>
-              </a:rPr>
-              <a:t>"Tree Side"</a:t>
-            </a:r>
-            <a:r>
-              <a:rPr>
-                <a:solidFill>
-                  <a:srgbClr val="003B4F"/>
-                </a:solidFill>
-                <a:latin typeface="Courier"/>
-              </a:rPr>
-              <a:t>, </a:t>
-            </a:r>
-            <a:br/>
-            <a:r>
-              <a:rPr>
-                <a:solidFill>
-                  <a:srgbClr val="003B4F"/>
-                </a:solidFill>
-                <a:latin typeface="Courier"/>
-              </a:rPr>
-              <a:t>    </a:t>
-            </a:r>
-            <a:r>
-              <a:rPr>
-                <a:solidFill>
-                  <a:srgbClr val="657422"/>
-                </a:solidFill>
-                <a:latin typeface="Courier"/>
-              </a:rPr>
-              <a:t>y =</a:t>
-            </a:r>
-            <a:r>
-              <a:rPr>
-                <a:solidFill>
-                  <a:srgbClr val="003B4F"/>
-                </a:solidFill>
-                <a:latin typeface="Courier"/>
-              </a:rPr>
-              <a:t> </a:t>
-            </a:r>
-            <a:r>
-              <a:rPr>
-                <a:solidFill>
-                  <a:srgbClr val="20794D"/>
-                </a:solidFill>
-                <a:latin typeface="Courier"/>
-              </a:rPr>
-              <a:t>"Needle Length (mm)"</a:t>
-            </a:r>
-            <a:r>
-              <a:rPr>
-                <a:solidFill>
-                  <a:srgbClr val="003B4F"/>
-                </a:solidFill>
-                <a:latin typeface="Courier"/>
-              </a:rPr>
-              <a:t>,</a:t>
-            </a:r>
-            <a:br/>
-            <a:r>
-              <a:rPr>
-                <a:solidFill>
-                  <a:srgbClr val="003B4F"/>
-                </a:solidFill>
-                <a:latin typeface="Courier"/>
-              </a:rPr>
-              <a:t>    </a:t>
-            </a:r>
-            <a:r>
-              <a:rPr>
-                <a:solidFill>
-                  <a:srgbClr val="657422"/>
-                </a:solidFill>
-                <a:latin typeface="Courier"/>
-              </a:rPr>
-              <a:t>caption =</a:t>
-            </a:r>
-            <a:r>
-              <a:rPr>
-                <a:solidFill>
-                  <a:srgbClr val="003B4F"/>
-                </a:solidFill>
-                <a:latin typeface="Courier"/>
-              </a:rPr>
-              <a:t> </a:t>
-            </a:r>
-            <a:r>
-              <a:rPr>
-                <a:solidFill>
-                  <a:srgbClr val="20794D"/>
-                </a:solidFill>
-                <a:latin typeface="Courier"/>
-              </a:rPr>
-              <a:t>"Data collected Spring 2023"</a:t>
-            </a:r>
-            <a:br/>
-            <a:r>
-              <a:rPr>
-                <a:solidFill>
-                  <a:srgbClr val="003B4F"/>
-                </a:solidFill>
-                <a:latin typeface="Courier"/>
-              </a:rPr>
-              <a:t>  ) </a:t>
-            </a:r>
-            <a:r>
-              <a:rPr>
-                <a:solidFill>
-                  <a:srgbClr val="5E5E5E"/>
-                </a:solidFill>
-                <a:latin typeface="Courier"/>
-              </a:rPr>
-              <a:t>+</a:t>
-            </a:r>
-            <a:br/>
-            <a:r>
-              <a:rPr>
-                <a:solidFill>
-                  <a:srgbClr val="003B4F"/>
-                </a:solidFill>
-                <a:latin typeface="Courier"/>
-              </a:rPr>
-              <a:t>  </a:t>
-            </a:r>
-            <a:r>
-              <a:rPr>
-                <a:solidFill>
-                  <a:srgbClr val="4758AB"/>
-                </a:solidFill>
-                <a:latin typeface="Courier"/>
-              </a:rPr>
-              <a:t>scale_fill_manual</a:t>
-            </a:r>
-            <a:r>
-              <a:rPr>
-                <a:solidFill>
-                  <a:srgbClr val="003B4F"/>
-                </a:solidFill>
-                <a:latin typeface="Courier"/>
-              </a:rPr>
-              <a:t>(</a:t>
-            </a:r>
-            <a:br/>
-            <a:r>
-              <a:rPr>
-                <a:solidFill>
-                  <a:srgbClr val="003B4F"/>
-                </a:solidFill>
-                <a:latin typeface="Courier"/>
-              </a:rPr>
-              <a:t>    </a:t>
-            </a:r>
-            <a:r>
-              <a:rPr>
-                <a:solidFill>
-                  <a:srgbClr val="657422"/>
-                </a:solidFill>
-                <a:latin typeface="Courier"/>
-              </a:rPr>
-              <a:t>values =</a:t>
-            </a:r>
-            <a:r>
-              <a:rPr>
-                <a:solidFill>
-                  <a:srgbClr val="003B4F"/>
-                </a:solidFill>
-                <a:latin typeface="Courier"/>
-              </a:rPr>
-              <a:t> </a:t>
-            </a:r>
-            <a:r>
-              <a:rPr>
-                <a:solidFill>
-                  <a:srgbClr val="4758AB"/>
-                </a:solidFill>
-                <a:latin typeface="Courier"/>
-              </a:rPr>
-              <a:t>c</a:t>
-            </a:r>
-            <a:r>
-              <a:rPr>
-                <a:solidFill>
-                  <a:srgbClr val="003B4F"/>
-                </a:solidFill>
-                <a:latin typeface="Courier"/>
-              </a:rPr>
-              <a:t>(</a:t>
-            </a:r>
-            <a:r>
-              <a:rPr>
-                <a:solidFill>
-                  <a:srgbClr val="20794D"/>
-                </a:solidFill>
-                <a:latin typeface="Courier"/>
-              </a:rPr>
-              <a:t>"wind"</a:t>
-            </a:r>
-            <a:r>
-              <a:rPr>
-                <a:solidFill>
-                  <a:srgbClr val="003B4F"/>
-                </a:solidFill>
-                <a:latin typeface="Courier"/>
-              </a:rPr>
-              <a:t> = </a:t>
-            </a:r>
-            <a:r>
-              <a:rPr>
-                <a:solidFill>
-                  <a:srgbClr val="20794D"/>
-                </a:solidFill>
-                <a:latin typeface="Courier"/>
-              </a:rPr>
-              <a:t>"#1b9e77"</a:t>
-            </a:r>
-            <a:r>
-              <a:rPr>
-                <a:solidFill>
-                  <a:srgbClr val="003B4F"/>
-                </a:solidFill>
-                <a:latin typeface="Courier"/>
-              </a:rPr>
-              <a:t>, </a:t>
-            </a:r>
-            <a:r>
-              <a:rPr>
-                <a:solidFill>
-                  <a:srgbClr val="20794D"/>
-                </a:solidFill>
-                <a:latin typeface="Courier"/>
-              </a:rPr>
-              <a:t>"lee"</a:t>
-            </a:r>
-            <a:r>
-              <a:rPr>
-                <a:solidFill>
-                  <a:srgbClr val="003B4F"/>
-                </a:solidFill>
-                <a:latin typeface="Courier"/>
-              </a:rPr>
-              <a:t> = </a:t>
-            </a:r>
-            <a:r>
-              <a:rPr>
-                <a:solidFill>
-                  <a:srgbClr val="20794D"/>
-                </a:solidFill>
-                <a:latin typeface="Courier"/>
-              </a:rPr>
-              <a:t>"#d95f02"</a:t>
-            </a:r>
-            <a:r>
-              <a:rPr>
-                <a:solidFill>
-                  <a:srgbClr val="003B4F"/>
-                </a:solidFill>
-                <a:latin typeface="Courier"/>
-              </a:rPr>
-              <a:t>),</a:t>
-            </a:r>
-            <a:br/>
-            <a:r>
-              <a:rPr>
-                <a:solidFill>
-                  <a:srgbClr val="003B4F"/>
-                </a:solidFill>
-                <a:latin typeface="Courier"/>
-              </a:rPr>
-              <a:t>    </a:t>
-            </a:r>
-            <a:r>
-              <a:rPr>
-                <a:solidFill>
-                  <a:srgbClr val="657422"/>
-                </a:solidFill>
-                <a:latin typeface="Courier"/>
-              </a:rPr>
-              <a:t>labels =</a:t>
-            </a:r>
-            <a:r>
-              <a:rPr>
-                <a:solidFill>
-                  <a:srgbClr val="003B4F"/>
-                </a:solidFill>
-                <a:latin typeface="Courier"/>
-              </a:rPr>
-              <a:t> </a:t>
-            </a:r>
-            <a:r>
-              <a:rPr>
-                <a:solidFill>
-                  <a:srgbClr val="4758AB"/>
-                </a:solidFill>
-                <a:latin typeface="Courier"/>
-              </a:rPr>
-              <a:t>c</a:t>
-            </a:r>
-            <a:r>
-              <a:rPr>
-                <a:solidFill>
-                  <a:srgbClr val="003B4F"/>
-                </a:solidFill>
-                <a:latin typeface="Courier"/>
-              </a:rPr>
-              <a:t>(</a:t>
-            </a:r>
-            <a:r>
-              <a:rPr>
-                <a:solidFill>
-                  <a:srgbClr val="20794D"/>
-                </a:solidFill>
-                <a:latin typeface="Courier"/>
-              </a:rPr>
-              <a:t>"wind"</a:t>
-            </a:r>
-            <a:r>
-              <a:rPr>
-                <a:solidFill>
-                  <a:srgbClr val="003B4F"/>
-                </a:solidFill>
-                <a:latin typeface="Courier"/>
-              </a:rPr>
-              <a:t> = </a:t>
-            </a:r>
-            <a:r>
-              <a:rPr>
-                <a:solidFill>
-                  <a:srgbClr val="20794D"/>
-                </a:solidFill>
-                <a:latin typeface="Courier"/>
-              </a:rPr>
-              <a:t>"Windward"</a:t>
-            </a:r>
-            <a:r>
-              <a:rPr>
-                <a:solidFill>
-                  <a:srgbClr val="003B4F"/>
-                </a:solidFill>
-                <a:latin typeface="Courier"/>
-              </a:rPr>
-              <a:t>, </a:t>
-            </a:r>
-            <a:r>
-              <a:rPr>
-                <a:solidFill>
-                  <a:srgbClr val="20794D"/>
-                </a:solidFill>
-                <a:latin typeface="Courier"/>
-              </a:rPr>
-              <a:t>"lee"</a:t>
-            </a:r>
-            <a:r>
-              <a:rPr>
-                <a:solidFill>
-                  <a:srgbClr val="003B4F"/>
-                </a:solidFill>
-                <a:latin typeface="Courier"/>
-              </a:rPr>
-              <a:t> = </a:t>
-            </a:r>
-            <a:r>
-              <a:rPr>
-                <a:solidFill>
-                  <a:srgbClr val="20794D"/>
-                </a:solidFill>
-                <a:latin typeface="Courier"/>
-              </a:rPr>
-              <a:t>"Leeward"</a:t>
-            </a:r>
-            <a:r>
-              <a:rPr>
-                <a:solidFill>
-                  <a:srgbClr val="003B4F"/>
-                </a:solidFill>
-                <a:latin typeface="Courier"/>
-              </a:rPr>
-              <a:t>)</a:t>
-            </a:r>
-            <a:br/>
-            <a:r>
-              <a:rPr>
-                <a:solidFill>
-                  <a:srgbClr val="003B4F"/>
-                </a:solidFill>
-                <a:latin typeface="Courier"/>
-              </a:rPr>
-              <a:t>  ) </a:t>
-            </a:r>
-            <a:r>
-              <a:rPr>
-                <a:solidFill>
-                  <a:srgbClr val="5E5E5E"/>
-                </a:solidFill>
-                <a:latin typeface="Courier"/>
-              </a:rPr>
-              <a:t>+</a:t>
-            </a:r>
-            <a:br/>
-            <a:r>
-              <a:rPr>
-                <a:solidFill>
-                  <a:srgbClr val="003B4F"/>
-                </a:solidFill>
-                <a:latin typeface="Courier"/>
-              </a:rPr>
-              <a:t>  </a:t>
-            </a:r>
-            <a:r>
-              <a:rPr>
-                <a:solidFill>
-                  <a:srgbClr val="4758AB"/>
-                </a:solidFill>
-                <a:latin typeface="Courier"/>
-              </a:rPr>
-              <a:t>theme_minimal</a:t>
-            </a:r>
-            <a:r>
-              <a:rPr>
-                <a:solidFill>
-                  <a:srgbClr val="003B4F"/>
-                </a:solidFill>
-                <a:latin typeface="Courier"/>
-              </a:rPr>
-              <a:t>() </a:t>
-            </a:r>
-            <a:r>
-              <a:rPr>
-                <a:solidFill>
-                  <a:srgbClr val="5E5E5E"/>
-                </a:solidFill>
-                <a:latin typeface="Courier"/>
-              </a:rPr>
-              <a:t>+</a:t>
-            </a:r>
-            <a:br/>
-            <a:r>
-              <a:rPr>
-                <a:solidFill>
-                  <a:srgbClr val="003B4F"/>
-                </a:solidFill>
-                <a:latin typeface="Courier"/>
-              </a:rPr>
-              <a:t>  </a:t>
-            </a:r>
-            <a:r>
-              <a:rPr>
-                <a:solidFill>
-                  <a:srgbClr val="4758AB"/>
-                </a:solidFill>
-                <a:latin typeface="Courier"/>
-              </a:rPr>
-              <a:t>theme</a:t>
-            </a:r>
-            <a:r>
-              <a:rPr>
-                <a:solidFill>
-                  <a:srgbClr val="003B4F"/>
-                </a:solidFill>
-                <a:latin typeface="Courier"/>
-              </a:rPr>
-              <a:t>(</a:t>
-            </a:r>
-            <a:br/>
-            <a:r>
-              <a:rPr>
-                <a:solidFill>
-                  <a:srgbClr val="003B4F"/>
-                </a:solidFill>
-                <a:latin typeface="Courier"/>
-              </a:rPr>
-              <a:t>    </a:t>
-            </a:r>
-            <a:r>
-              <a:rPr>
-                <a:solidFill>
-                  <a:srgbClr val="657422"/>
-                </a:solidFill>
-                <a:latin typeface="Courier"/>
-              </a:rPr>
-              <a:t>plot.title =</a:t>
-            </a:r>
-            <a:r>
-              <a:rPr>
-                <a:solidFill>
-                  <a:srgbClr val="003B4F"/>
-                </a:solidFill>
-                <a:latin typeface="Courier"/>
-              </a:rPr>
-              <a:t> </a:t>
-            </a:r>
-            <a:r>
-              <a:rPr>
-                <a:solidFill>
-                  <a:srgbClr val="4758AB"/>
-                </a:solidFill>
-                <a:latin typeface="Courier"/>
-              </a:rPr>
-              <a:t>element_text</a:t>
-            </a:r>
-            <a:r>
-              <a:rPr>
-                <a:solidFill>
-                  <a:srgbClr val="003B4F"/>
-                </a:solidFill>
-                <a:latin typeface="Courier"/>
-              </a:rPr>
-              <a:t>(</a:t>
-            </a:r>
-            <a:r>
-              <a:rPr>
-                <a:solidFill>
-                  <a:srgbClr val="657422"/>
-                </a:solidFill>
-                <a:latin typeface="Courier"/>
-              </a:rPr>
-              <a:t>face =</a:t>
-            </a:r>
-            <a:r>
-              <a:rPr>
-                <a:solidFill>
-                  <a:srgbClr val="003B4F"/>
-                </a:solidFill>
-                <a:latin typeface="Courier"/>
-              </a:rPr>
-              <a:t> </a:t>
-            </a:r>
-            <a:r>
-              <a:rPr>
-                <a:solidFill>
-                  <a:srgbClr val="20794D"/>
-                </a:solidFill>
-                <a:latin typeface="Courier"/>
-              </a:rPr>
-              <a:t>"bold"</a:t>
-            </a:r>
-            <a:r>
-              <a:rPr>
-                <a:solidFill>
-                  <a:srgbClr val="003B4F"/>
-                </a:solidFill>
-                <a:latin typeface="Courier"/>
-              </a:rPr>
-              <a:t>, </a:t>
-            </a:r>
-            <a:r>
-              <a:rPr>
-                <a:solidFill>
-                  <a:srgbClr val="657422"/>
-                </a:solidFill>
-                <a:latin typeface="Courier"/>
-              </a:rPr>
-              <a:t>size =</a:t>
-            </a:r>
-            <a:r>
-              <a:rPr>
-                <a:solidFill>
-                  <a:srgbClr val="003B4F"/>
-                </a:solidFill>
-                <a:latin typeface="Courier"/>
-              </a:rPr>
-              <a:t> </a:t>
-            </a:r>
-            <a:r>
-              <a:rPr>
-                <a:solidFill>
-                  <a:srgbClr val="AD0000"/>
-                </a:solidFill>
-                <a:latin typeface="Courier"/>
-              </a:rPr>
-              <a:t>16</a:t>
-            </a:r>
-            <a:r>
-              <a:rPr>
-                <a:solidFill>
-                  <a:srgbClr val="003B4F"/>
-                </a:solidFill>
-                <a:latin typeface="Courier"/>
-              </a:rPr>
-              <a:t>),</a:t>
-            </a:r>
-            <a:br/>
-            <a:r>
-              <a:rPr>
-                <a:solidFill>
-                  <a:srgbClr val="003B4F"/>
-                </a:solidFill>
-                <a:latin typeface="Courier"/>
-              </a:rPr>
-              <a:t>    </a:t>
-            </a:r>
-            <a:r>
-              <a:rPr>
-                <a:solidFill>
-                  <a:srgbClr val="657422"/>
-                </a:solidFill>
-                <a:latin typeface="Courier"/>
-              </a:rPr>
-              <a:t>plot.subtitle =</a:t>
-            </a:r>
-            <a:r>
-              <a:rPr>
-                <a:solidFill>
-                  <a:srgbClr val="003B4F"/>
-                </a:solidFill>
-                <a:latin typeface="Courier"/>
-              </a:rPr>
-              <a:t> </a:t>
-            </a:r>
-            <a:r>
-              <a:rPr>
-                <a:solidFill>
-                  <a:srgbClr val="4758AB"/>
-                </a:solidFill>
-                <a:latin typeface="Courier"/>
-              </a:rPr>
-              <a:t>element_text</a:t>
-            </a:r>
-            <a:r>
-              <a:rPr>
-                <a:solidFill>
-                  <a:srgbClr val="003B4F"/>
-                </a:solidFill>
-                <a:latin typeface="Courier"/>
-              </a:rPr>
-              <a:t>(</a:t>
-            </a:r>
-            <a:r>
-              <a:rPr>
-                <a:solidFill>
-                  <a:srgbClr val="657422"/>
-                </a:solidFill>
-                <a:latin typeface="Courier"/>
-              </a:rPr>
-              <a:t>size =</a:t>
-            </a:r>
-            <a:r>
-              <a:rPr>
-                <a:solidFill>
-                  <a:srgbClr val="003B4F"/>
-                </a:solidFill>
-                <a:latin typeface="Courier"/>
-              </a:rPr>
-              <a:t> </a:t>
-            </a:r>
-            <a:r>
-              <a:rPr>
-                <a:solidFill>
-                  <a:srgbClr val="AD0000"/>
-                </a:solidFill>
-                <a:latin typeface="Courier"/>
-              </a:rPr>
-              <a:t>12</a:t>
-            </a:r>
-            <a:r>
-              <a:rPr>
-                <a:solidFill>
-                  <a:srgbClr val="003B4F"/>
-                </a:solidFill>
-                <a:latin typeface="Courier"/>
-              </a:rPr>
-              <a:t>, </a:t>
-            </a:r>
-            <a:r>
-              <a:rPr>
-                <a:solidFill>
-                  <a:srgbClr val="657422"/>
-                </a:solidFill>
-                <a:latin typeface="Courier"/>
-              </a:rPr>
-              <a:t>color =</a:t>
-            </a:r>
-            <a:r>
-              <a:rPr>
-                <a:solidFill>
-                  <a:srgbClr val="003B4F"/>
-                </a:solidFill>
-                <a:latin typeface="Courier"/>
-              </a:rPr>
-              <a:t> </a:t>
-            </a:r>
-            <a:r>
-              <a:rPr>
-                <a:solidFill>
-                  <a:srgbClr val="20794D"/>
-                </a:solidFill>
-                <a:latin typeface="Courier"/>
-              </a:rPr>
-              <a:t>"gray30"</a:t>
-            </a:r>
-            <a:r>
-              <a:rPr>
-                <a:solidFill>
-                  <a:srgbClr val="003B4F"/>
-                </a:solidFill>
-                <a:latin typeface="Courier"/>
-              </a:rPr>
-              <a:t>),</a:t>
-            </a:r>
-            <a:br/>
-            <a:r>
-              <a:rPr>
-                <a:solidFill>
-                  <a:srgbClr val="003B4F"/>
-                </a:solidFill>
-                <a:latin typeface="Courier"/>
-              </a:rPr>
-              <a:t>    </a:t>
-            </a:r>
-            <a:r>
-              <a:rPr>
-                <a:solidFill>
-                  <a:srgbClr val="657422"/>
-                </a:solidFill>
-                <a:latin typeface="Courier"/>
-              </a:rPr>
-              <a:t>axis.title =</a:t>
-            </a:r>
-            <a:r>
-              <a:rPr>
-                <a:solidFill>
-                  <a:srgbClr val="003B4F"/>
-                </a:solidFill>
-                <a:latin typeface="Courier"/>
-              </a:rPr>
-              <a:t> </a:t>
-            </a:r>
-            <a:r>
-              <a:rPr>
-                <a:solidFill>
-                  <a:srgbClr val="4758AB"/>
-                </a:solidFill>
-                <a:latin typeface="Courier"/>
-              </a:rPr>
-              <a:t>element_text</a:t>
-            </a:r>
-            <a:r>
-              <a:rPr>
-                <a:solidFill>
-                  <a:srgbClr val="003B4F"/>
-                </a:solidFill>
-                <a:latin typeface="Courier"/>
-              </a:rPr>
-              <a:t>(</a:t>
-            </a:r>
-            <a:r>
-              <a:rPr>
-                <a:solidFill>
-                  <a:srgbClr val="657422"/>
-                </a:solidFill>
-                <a:latin typeface="Courier"/>
-              </a:rPr>
-              <a:t>face =</a:t>
-            </a:r>
-            <a:r>
-              <a:rPr>
-                <a:solidFill>
-                  <a:srgbClr val="003B4F"/>
-                </a:solidFill>
-                <a:latin typeface="Courier"/>
-              </a:rPr>
-              <a:t> </a:t>
-            </a:r>
-            <a:r>
-              <a:rPr>
-                <a:solidFill>
-                  <a:srgbClr val="20794D"/>
-                </a:solidFill>
-                <a:latin typeface="Courier"/>
-              </a:rPr>
-              <a:t>"bold"</a:t>
-            </a:r>
-            <a:r>
-              <a:rPr>
-                <a:solidFill>
-                  <a:srgbClr val="003B4F"/>
-                </a:solidFill>
-                <a:latin typeface="Courier"/>
-              </a:rPr>
-              <a:t>),</a:t>
-            </a:r>
-            <a:br/>
-            <a:r>
-              <a:rPr>
-                <a:solidFill>
-                  <a:srgbClr val="003B4F"/>
-                </a:solidFill>
-                <a:latin typeface="Courier"/>
-              </a:rPr>
-              <a:t>    </a:t>
-            </a:r>
-            <a:r>
-              <a:rPr>
-                <a:solidFill>
-                  <a:srgbClr val="657422"/>
-                </a:solidFill>
-                <a:latin typeface="Courier"/>
-              </a:rPr>
-              <a:t>legend.title =</a:t>
-            </a:r>
-            <a:r>
-              <a:rPr>
-                <a:solidFill>
-                  <a:srgbClr val="003B4F"/>
-                </a:solidFill>
-                <a:latin typeface="Courier"/>
-              </a:rPr>
-              <a:t> </a:t>
-            </a:r>
-            <a:r>
-              <a:rPr>
-                <a:solidFill>
-                  <a:srgbClr val="4758AB"/>
-                </a:solidFill>
-                <a:latin typeface="Courier"/>
-              </a:rPr>
-              <a:t>element_blank</a:t>
-            </a:r>
-            <a:r>
-              <a:rPr>
-                <a:solidFill>
-                  <a:srgbClr val="003B4F"/>
-                </a:solidFill>
-                <a:latin typeface="Courier"/>
-              </a:rPr>
-              <a:t>(),</a:t>
-            </a:r>
-            <a:br/>
-            <a:r>
-              <a:rPr>
-                <a:solidFill>
-                  <a:srgbClr val="003B4F"/>
-                </a:solidFill>
-                <a:latin typeface="Courier"/>
-              </a:rPr>
-              <a:t>    </a:t>
-            </a:r>
-            <a:r>
-              <a:rPr>
-                <a:solidFill>
-                  <a:srgbClr val="657422"/>
-                </a:solidFill>
-                <a:latin typeface="Courier"/>
-              </a:rPr>
-              <a:t>legend.position =</a:t>
-            </a:r>
-            <a:r>
-              <a:rPr>
-                <a:solidFill>
-                  <a:srgbClr val="003B4F"/>
-                </a:solidFill>
-                <a:latin typeface="Courier"/>
-              </a:rPr>
-              <a:t> </a:t>
-            </a:r>
-            <a:r>
-              <a:rPr>
-                <a:solidFill>
-                  <a:srgbClr val="20794D"/>
-                </a:solidFill>
-                <a:latin typeface="Courier"/>
-              </a:rPr>
-              <a:t>"bottom"</a:t>
-            </a:r>
-            <a:br/>
-            <a:r>
-              <a:rPr>
-                <a:solidFill>
-                  <a:srgbClr val="003B4F"/>
-                </a:solidFill>
-                <a:latin typeface="Courier"/>
-              </a:rPr>
-              <a:t>  )</a:t>
+              <a:t># Create a publication-quality plot
+pine_df %&gt;%
+  ggplot(aes(x = wind, y = length_mm, fill = wind)) +
+  geom_violin(alpha = 0.4) +
+  geom_boxplot(width = 0.2, alpha = 0.7, outlier.shape = NA) +
+  geom_jitter(width = 0.1, alpha = 0.5, color = "gray30", size = 2) +
+  stat_summary(fun = mean, geom = "point", shape = 23, size = 3, fill = "white") +
+  labs(
+    title = "Pine Needle Length Varies with Wind Exposure",
+    subtitle = "Needles on the leeward side tend to be longer",
+    x = "Tree Side", 
+    y = "Needle Length (mm)",
+    caption = "Data collected Spring 2023") +
+  scale_fill_manual(
+    values = c("wind" = "#1b9e77", "lee" = "#d95f02"),
+    labels = c("wind" = "Windward", "lee" = "Leeward")) +
+  theme_minimal() +
+  theme(
+    plot.title = element_text(face = "bold", size = 16),
+    plot.subtitle = element_text(size = 12, color = "gray30"),
+    axis.title = element_text(face = "bold"),
+    legend.title = element_blank(),
+    legend.position = "bottom")</a:t>
             </a:r>
           </a:p>
           <a:p>
@@ -12411,7 +11044,7 @@
                 </a:solidFill>
                 <a:latin typeface="Courier"/>
               </a:rPr>
-              <a:t>(kableExtra)</a:t>
+              <a:t>(flextable)</a:t>
             </a:r>
             <a:br/>
             <a:br/>
@@ -12464,20 +11097,11 @@
             <a:r>
               <a:rPr>
                 <a:solidFill>
-                  <a:srgbClr val="4758AB"/>
-                </a:solidFill>
-                <a:latin typeface="Courier"/>
-              </a:rPr>
-              <a:t>glimpse</a:t>
-            </a:r>
-            <a:r>
-              <a:rPr>
-                <a:solidFill>
                   <a:srgbClr val="003B4F"/>
                 </a:solidFill>
                 <a:latin typeface="Courier"/>
               </a:rPr>
-              <a:t>(pine_df)</a:t>
+              <a:t>pine_df</a:t>
             </a:r>
           </a:p>
           <a:p>
@@ -12488,14 +11112,20 @@
               <a:rPr sz="2000">
                 <a:latin typeface="Courier"/>
               </a:rPr>
-              <a:t>Rows: 48
-Columns: 6
-$ date      &lt;chr&gt; "3/20/25", "3/20/25", "3/20/25", "3/20/25", "3/20/25", "3/20…
-$ group     &lt;chr&gt; "cephalopods", "cephalopods", "cephalopods", "cephalopods", …
-$ n_s       &lt;chr&gt; "n", "n", "n", "n", "n", "n", "s", "s", "s", "s", "s", "s", …
-$ wind      &lt;chr&gt; "lee", "lee", "lee", "lee", "lee", "lee", "wind", "wind", "w…
-$ tree_no   &lt;dbl&gt; 1, 1, 1, 1, 1, 1, 1, 1, 1, 1, 1, 1, 2, 2, 2, 2, 2, 2, 2, 2, …
-$ length_mm &lt;dbl&gt; 20, 21, 23, 25, 21, 16, 15, 16, 14, 17, 13, 15, 19, 18, 20, …</a:t>
+              <a:t># A tibble: 48 × 6
+   date    group       n_s   wind  tree_no length_mm
+   &lt;chr&gt;   &lt;chr&gt;       &lt;chr&gt; &lt;chr&gt;   &lt;dbl&gt;     &lt;dbl&gt;
+ 1 3/20/25 cephalopods n     lee         1        20
+ 2 3/20/25 cephalopods n     lee         1        21
+ 3 3/20/25 cephalopods n     lee         1        23
+ 4 3/20/25 cephalopods n     lee         1        25
+ 5 3/20/25 cephalopods n     lee         1        21
+ 6 3/20/25 cephalopods n     lee         1        16
+ 7 3/20/25 cephalopods s     wind        1        15
+ 8 3/20/25 cephalopods s     wind        1        16
+ 9 3/20/25 cephalopods s     wind        1        14
+10 3/20/25 cephalopods s     wind        1        17
+# ℹ 38 more rows</a:t>
             </a:r>
           </a:p>
           <a:p>
